--- a/Project4_第三組_小組報告/Project4_第三組_小組報告.pptx
+++ b/Project4_第三組_小組報告/Project4_第三組_小組報告.pptx
@@ -5,27 +5,14 @@
     <p:sldMasterId id="2147483672" r:id="rId1"/>
   </p:sldMasterIdLst>
   <p:notesMasterIdLst>
-    <p:notesMasterId r:id="rId20"/>
+    <p:notesMasterId r:id="rId7"/>
   </p:notesMasterIdLst>
   <p:sldIdLst>
     <p:sldId id="256" r:id="rId2"/>
-    <p:sldId id="269" r:id="rId3"/>
-    <p:sldId id="257" r:id="rId4"/>
-    <p:sldId id="291" r:id="rId5"/>
-    <p:sldId id="292" r:id="rId6"/>
-    <p:sldId id="275" r:id="rId7"/>
-    <p:sldId id="277" r:id="rId8"/>
-    <p:sldId id="293" r:id="rId9"/>
-    <p:sldId id="280" r:id="rId10"/>
-    <p:sldId id="282" r:id="rId11"/>
-    <p:sldId id="294" r:id="rId12"/>
-    <p:sldId id="295" r:id="rId13"/>
-    <p:sldId id="281" r:id="rId14"/>
-    <p:sldId id="283" r:id="rId15"/>
-    <p:sldId id="297" r:id="rId16"/>
-    <p:sldId id="296" r:id="rId17"/>
-    <p:sldId id="298" r:id="rId18"/>
-    <p:sldId id="267" r:id="rId19"/>
+    <p:sldId id="291" r:id="rId3"/>
+    <p:sldId id="292" r:id="rId4"/>
+    <p:sldId id="257" r:id="rId5"/>
+    <p:sldId id="267" r:id="rId6"/>
   </p:sldIdLst>
   <p:sldSz cx="12192000" cy="6858000"/>
   <p:notesSz cx="6858000" cy="9144000"/>
@@ -731,7 +718,7 @@
           <a:p>
             <a:fld id="{6B19A529-55D4-4564-870F-7E1F5FE8EC0E}" type="datetimeFigureOut">
               <a:rPr lang="zh-TW" altLang="en-US" smtClean="0"/>
-              <a:t>2021/3/28</a:t>
+              <a:t>2021/4/4</a:t>
             </a:fld>
             <a:endParaRPr lang="zh-TW" altLang="en-US"/>
           </a:p>
@@ -1224,7 +1211,7 @@
           <a:p>
             <a:fld id="{CB1A9A4B-8109-4FCA-A4B8-DC1246F1A173}" type="datetimeFigureOut">
               <a:rPr lang="zh-TW" altLang="en-US" smtClean="0"/>
-              <a:t>2021/3/28</a:t>
+              <a:t>2021/4/4</a:t>
             </a:fld>
             <a:endParaRPr lang="zh-TW" altLang="en-US"/>
           </a:p>
@@ -1432,7 +1419,7 @@
           <a:p>
             <a:fld id="{CB1A9A4B-8109-4FCA-A4B8-DC1246F1A173}" type="datetimeFigureOut">
               <a:rPr lang="zh-TW" altLang="en-US" smtClean="0"/>
-              <a:t>2021/3/28</a:t>
+              <a:t>2021/4/4</a:t>
             </a:fld>
             <a:endParaRPr lang="zh-TW" altLang="en-US"/>
           </a:p>
@@ -1688,7 +1675,7 @@
           <a:p>
             <a:fld id="{CB1A9A4B-8109-4FCA-A4B8-DC1246F1A173}" type="datetimeFigureOut">
               <a:rPr lang="zh-TW" altLang="en-US" smtClean="0"/>
-              <a:t>2021/3/28</a:t>
+              <a:t>2021/4/4</a:t>
             </a:fld>
             <a:endParaRPr lang="zh-TW" altLang="en-US"/>
           </a:p>
@@ -1858,7 +1845,7 @@
           <a:p>
             <a:fld id="{CB1A9A4B-8109-4FCA-A4B8-DC1246F1A173}" type="datetimeFigureOut">
               <a:rPr lang="zh-TW" altLang="en-US" smtClean="0"/>
-              <a:t>2021/3/28</a:t>
+              <a:t>2021/4/4</a:t>
             </a:fld>
             <a:endParaRPr lang="zh-TW" altLang="en-US"/>
           </a:p>
@@ -2201,7 +2188,7 @@
           <a:p>
             <a:fld id="{CB1A9A4B-8109-4FCA-A4B8-DC1246F1A173}" type="datetimeFigureOut">
               <a:rPr lang="zh-TW" altLang="en-US" smtClean="0"/>
-              <a:t>2021/3/28</a:t>
+              <a:t>2021/4/4</a:t>
             </a:fld>
             <a:endParaRPr lang="zh-TW" altLang="en-US"/>
           </a:p>
@@ -2476,7 +2463,7 @@
           <a:p>
             <a:fld id="{CB1A9A4B-8109-4FCA-A4B8-DC1246F1A173}" type="datetimeFigureOut">
               <a:rPr lang="zh-TW" altLang="en-US" smtClean="0"/>
-              <a:t>2021/3/28</a:t>
+              <a:t>2021/4/4</a:t>
             </a:fld>
             <a:endParaRPr lang="zh-TW" altLang="en-US"/>
           </a:p>
@@ -2855,7 +2842,7 @@
           <a:p>
             <a:fld id="{CB1A9A4B-8109-4FCA-A4B8-DC1246F1A173}" type="datetimeFigureOut">
               <a:rPr lang="zh-TW" altLang="en-US" smtClean="0"/>
-              <a:t>2021/3/28</a:t>
+              <a:t>2021/4/4</a:t>
             </a:fld>
             <a:endParaRPr lang="zh-TW" altLang="en-US"/>
           </a:p>
@@ -2973,7 +2960,7 @@
           <a:p>
             <a:fld id="{CB1A9A4B-8109-4FCA-A4B8-DC1246F1A173}" type="datetimeFigureOut">
               <a:rPr lang="zh-TW" altLang="en-US" smtClean="0"/>
-              <a:t>2021/3/28</a:t>
+              <a:t>2021/4/4</a:t>
             </a:fld>
             <a:endParaRPr lang="zh-TW" altLang="en-US"/>
           </a:p>
@@ -3144,7 +3131,7 @@
           <a:p>
             <a:fld id="{CB1A9A4B-8109-4FCA-A4B8-DC1246F1A173}" type="datetimeFigureOut">
               <a:rPr lang="zh-TW" altLang="en-US" smtClean="0"/>
-              <a:t>2021/3/28</a:t>
+              <a:t>2021/4/4</a:t>
             </a:fld>
             <a:endParaRPr lang="zh-TW" altLang="en-US"/>
           </a:p>
@@ -3498,7 +3485,7 @@
           <a:p>
             <a:fld id="{CB1A9A4B-8109-4FCA-A4B8-DC1246F1A173}" type="datetimeFigureOut">
               <a:rPr lang="zh-TW" altLang="en-US" smtClean="0"/>
-              <a:t>2021/3/28</a:t>
+              <a:t>2021/4/4</a:t>
             </a:fld>
             <a:endParaRPr lang="zh-TW" altLang="en-US"/>
           </a:p>
@@ -3875,7 +3862,7 @@
           <a:p>
             <a:fld id="{CB1A9A4B-8109-4FCA-A4B8-DC1246F1A173}" type="datetimeFigureOut">
               <a:rPr lang="zh-TW" altLang="en-US" smtClean="0"/>
-              <a:t>2021/3/28</a:t>
+              <a:t>2021/4/4</a:t>
             </a:fld>
             <a:endParaRPr lang="zh-TW" altLang="en-US"/>
           </a:p>
@@ -4162,7 +4149,7 @@
           <a:p>
             <a:fld id="{CB1A9A4B-8109-4FCA-A4B8-DC1246F1A173}" type="datetimeFigureOut">
               <a:rPr lang="zh-TW" altLang="en-US" smtClean="0"/>
-              <a:t>2021/3/28</a:t>
+              <a:t>2021/4/4</a:t>
             </a:fld>
             <a:endParaRPr lang="zh-TW" altLang="en-US"/>
           </a:p>
@@ -4702,8 +4689,12 @@
           <a:lstStyle/>
           <a:p>
             <a:r>
+              <a:rPr lang="en-US" altLang="zh-TW" dirty="0" smtClean="0"/>
+              <a:t>Project4 </a:t>
+            </a:r>
+            <a:r>
               <a:rPr lang="en-US" altLang="zh-TW" dirty="0"/>
-              <a:t>Project3 </a:t>
+              <a:t/>
             </a:r>
             <a:br>
               <a:rPr lang="en-US" altLang="zh-TW" dirty="0"/>
@@ -4811,3579 +4802,6 @@
     <p:extLst>
       <p:ext uri="{BB962C8B-B14F-4D97-AF65-F5344CB8AC3E}">
         <p14:creationId xmlns:p14="http://schemas.microsoft.com/office/powerpoint/2010/main" val="3993459107"/>
-      </p:ext>
-    </p:extLst>
-  </p:cSld>
-  <p:clrMapOvr>
-    <a:masterClrMapping/>
-  </p:clrMapOvr>
-</p:sld>
-</file>
-
-<file path=ppt/slides/slide10.xml><?xml version="1.0" encoding="utf-8"?>
-<p:sld xmlns:a="http://schemas.openxmlformats.org/drawingml/2006/main" xmlns:r="http://schemas.openxmlformats.org/officeDocument/2006/relationships" xmlns:p="http://schemas.openxmlformats.org/presentationml/2006/main">
-  <p:cSld>
-    <p:spTree>
-      <p:nvGrpSpPr>
-        <p:cNvPr id="1" name=""/>
-        <p:cNvGrpSpPr/>
-        <p:nvPr/>
-      </p:nvGrpSpPr>
-      <p:grpSpPr>
-        <a:xfrm>
-          <a:off x="0" y="0"/>
-          <a:ext cx="0" cy="0"/>
-          <a:chOff x="0" y="0"/>
-          <a:chExt cx="0" cy="0"/>
-        </a:xfrm>
-      </p:grpSpPr>
-      <p:sp>
-        <p:nvSpPr>
-          <p:cNvPr id="2" name="標題 1"/>
-          <p:cNvSpPr>
-            <a:spLocks noGrp="1"/>
-          </p:cNvSpPr>
-          <p:nvPr>
-            <p:ph type="title"/>
-          </p:nvPr>
-        </p:nvSpPr>
-        <p:spPr/>
-        <p:txBody>
-          <a:bodyPr>
-            <a:normAutofit/>
-          </a:bodyPr>
-          <a:lstStyle/>
-          <a:p>
-            <a:r>
-              <a:rPr lang="zh-TW" altLang="en-US" sz="4000" dirty="0">
-                <a:latin typeface="微軟正黑體" panose="020B0604030504040204" pitchFamily="34" charset="-120"/>
-                <a:ea typeface="微軟正黑體" panose="020B0604030504040204" pitchFamily="34" charset="-120"/>
-              </a:rPr>
-              <a:t>成果圖</a:t>
-            </a:r>
-            <a:endParaRPr lang="zh-TW" altLang="en-US" sz="4000" dirty="0">
-              <a:ea typeface="微軟正黑體" panose="020B0604030504040204" pitchFamily="34" charset="-120"/>
-            </a:endParaRPr>
-          </a:p>
-        </p:txBody>
-      </p:sp>
-      <p:sp>
-        <p:nvSpPr>
-          <p:cNvPr id="8" name="向右箭號 7"/>
-          <p:cNvSpPr/>
-          <p:nvPr/>
-        </p:nvSpPr>
-        <p:spPr>
-          <a:xfrm>
-            <a:off x="5669642" y="3535362"/>
-            <a:ext cx="914400" cy="710119"/>
-          </a:xfrm>
-          <a:prstGeom prst="rightArrow">
-            <a:avLst/>
-          </a:prstGeom>
-        </p:spPr>
-        <p:style>
-          <a:lnRef idx="2">
-            <a:schemeClr val="accent1">
-              <a:shade val="50000"/>
-            </a:schemeClr>
-          </a:lnRef>
-          <a:fillRef idx="1">
-            <a:schemeClr val="accent1"/>
-          </a:fillRef>
-          <a:effectRef idx="0">
-            <a:schemeClr val="accent1"/>
-          </a:effectRef>
-          <a:fontRef idx="minor">
-            <a:schemeClr val="lt1"/>
-          </a:fontRef>
-        </p:style>
-        <p:txBody>
-          <a:bodyPr rtlCol="0" anchor="ctr"/>
-          <a:lstStyle/>
-          <a:p>
-            <a:pPr algn="ctr"/>
-            <a:endParaRPr lang="zh-TW" altLang="en-US" dirty="0"/>
-          </a:p>
-        </p:txBody>
-      </p:sp>
-      <p:pic>
-        <p:nvPicPr>
-          <p:cNvPr id="4" name="圖片 3">
-            <a:extLst>
-              <a:ext uri="{FF2B5EF4-FFF2-40B4-BE49-F238E27FC236}">
-                <a16:creationId xmlns:a16="http://schemas.microsoft.com/office/drawing/2014/main" id="{8F117F66-A2A5-4AF8-9A54-121426668AF9}"/>
-              </a:ext>
-            </a:extLst>
-          </p:cNvPr>
-          <p:cNvPicPr>
-            <a:picLocks noChangeAspect="1"/>
-          </p:cNvPicPr>
-          <p:nvPr/>
-        </p:nvPicPr>
-        <p:blipFill>
-          <a:blip r:embed="rId2">
-            <a:extLst>
-              <a:ext uri="{28A0092B-C50C-407E-A947-70E740481C1C}">
-                <a14:useLocalDpi xmlns:a14="http://schemas.microsoft.com/office/drawing/2010/main" val="0"/>
-              </a:ext>
-            </a:extLst>
-          </a:blip>
-          <a:stretch>
-            <a:fillRect/>
-          </a:stretch>
-        </p:blipFill>
-        <p:spPr>
-          <a:xfrm>
-            <a:off x="6777132" y="2383388"/>
-            <a:ext cx="5363109" cy="3014068"/>
-          </a:xfrm>
-          <a:prstGeom prst="rect">
-            <a:avLst/>
-          </a:prstGeom>
-        </p:spPr>
-      </p:pic>
-      <p:pic>
-        <p:nvPicPr>
-          <p:cNvPr id="7" name="圖片 6">
-            <a:extLst>
-              <a:ext uri="{FF2B5EF4-FFF2-40B4-BE49-F238E27FC236}">
-                <a16:creationId xmlns:a16="http://schemas.microsoft.com/office/drawing/2014/main" id="{11BC3AA0-87B1-48E6-8115-DF4608FCB0EA}"/>
-              </a:ext>
-            </a:extLst>
-          </p:cNvPr>
-          <p:cNvPicPr>
-            <a:picLocks noChangeAspect="1"/>
-          </p:cNvPicPr>
-          <p:nvPr/>
-        </p:nvPicPr>
-        <p:blipFill>
-          <a:blip r:embed="rId3" cstate="print">
-            <a:extLst>
-              <a:ext uri="{28A0092B-C50C-407E-A947-70E740481C1C}">
-                <a14:useLocalDpi xmlns:a14="http://schemas.microsoft.com/office/drawing/2010/main" val="0"/>
-              </a:ext>
-            </a:extLst>
-          </a:blip>
-          <a:stretch>
-            <a:fillRect/>
-          </a:stretch>
-        </p:blipFill>
-        <p:spPr>
-          <a:xfrm>
-            <a:off x="61684" y="2383388"/>
-            <a:ext cx="5363109" cy="3016748"/>
-          </a:xfrm>
-          <a:prstGeom prst="rect">
-            <a:avLst/>
-          </a:prstGeom>
-        </p:spPr>
-      </p:pic>
-    </p:spTree>
-    <p:extLst>
-      <p:ext uri="{BB962C8B-B14F-4D97-AF65-F5344CB8AC3E}">
-        <p14:creationId xmlns:p14="http://schemas.microsoft.com/office/powerpoint/2010/main" val="1412704466"/>
-      </p:ext>
-    </p:extLst>
-  </p:cSld>
-  <p:clrMapOvr>
-    <a:masterClrMapping/>
-  </p:clrMapOvr>
-</p:sld>
-</file>
-
-<file path=ppt/slides/slide11.xml><?xml version="1.0" encoding="utf-8"?>
-<p:sld xmlns:a="http://schemas.openxmlformats.org/drawingml/2006/main" xmlns:r="http://schemas.openxmlformats.org/officeDocument/2006/relationships" xmlns:p="http://schemas.openxmlformats.org/presentationml/2006/main">
-  <p:cSld>
-    <p:spTree>
-      <p:nvGrpSpPr>
-        <p:cNvPr id="1" name=""/>
-        <p:cNvGrpSpPr/>
-        <p:nvPr/>
-      </p:nvGrpSpPr>
-      <p:grpSpPr>
-        <a:xfrm>
-          <a:off x="0" y="0"/>
-          <a:ext cx="0" cy="0"/>
-          <a:chOff x="0" y="0"/>
-          <a:chExt cx="0" cy="0"/>
-        </a:xfrm>
-      </p:grpSpPr>
-      <p:sp>
-        <p:nvSpPr>
-          <p:cNvPr id="2" name="矩形 1"/>
-          <p:cNvSpPr/>
-          <p:nvPr/>
-        </p:nvSpPr>
-        <p:spPr>
-          <a:xfrm>
-            <a:off x="983226" y="333985"/>
-            <a:ext cx="4450577" cy="646331"/>
-          </a:xfrm>
-          <a:prstGeom prst="rect">
-            <a:avLst/>
-          </a:prstGeom>
-        </p:spPr>
-        <p:txBody>
-          <a:bodyPr wrap="none">
-            <a:spAutoFit/>
-          </a:bodyPr>
-          <a:lstStyle/>
-          <a:p>
-            <a:r>
-              <a:rPr lang="en-US" altLang="zh-TW" sz="3600" dirty="0" smtClean="0">
-                <a:ea typeface="微軟正黑體" panose="020B0604030504040204" pitchFamily="34" charset="-120"/>
-              </a:rPr>
-              <a:t>coin2.py</a:t>
-            </a:r>
-            <a:r>
-              <a:rPr lang="zh-TW" altLang="en-US" sz="3600" dirty="0" smtClean="0">
-                <a:ea typeface="微軟正黑體" panose="020B0604030504040204" pitchFamily="34" charset="-120"/>
-              </a:rPr>
-              <a:t>演算法流程</a:t>
-            </a:r>
-            <a:r>
-              <a:rPr lang="en-US" altLang="zh-TW" sz="3600" dirty="0" smtClean="0">
-                <a:ea typeface="微軟正黑體" panose="020B0604030504040204" pitchFamily="34" charset="-120"/>
-              </a:rPr>
-              <a:t>-1</a:t>
-            </a:r>
-            <a:endParaRPr lang="zh-TW" altLang="en-US" sz="3600" dirty="0"/>
-          </a:p>
-        </p:txBody>
-      </p:sp>
-      <p:sp>
-        <p:nvSpPr>
-          <p:cNvPr id="3" name="文字方塊 2"/>
-          <p:cNvSpPr txBox="1"/>
-          <p:nvPr/>
-        </p:nvSpPr>
-        <p:spPr>
-          <a:xfrm>
-            <a:off x="983226" y="980316"/>
-            <a:ext cx="10756490" cy="5909310"/>
-          </a:xfrm>
-          <a:prstGeom prst="rect">
-            <a:avLst/>
-          </a:prstGeom>
-          <a:noFill/>
-        </p:spPr>
-        <p:txBody>
-          <a:bodyPr wrap="square" rtlCol="0">
-            <a:spAutoFit/>
-          </a:bodyPr>
-          <a:lstStyle/>
-          <a:p>
-            <a:r>
-              <a:rPr lang="en-US" altLang="zh-TW" dirty="0"/>
-              <a:t>price = </a:t>
-            </a:r>
-            <a:r>
-              <a:rPr lang="en-US" altLang="zh-TW" dirty="0" smtClean="0"/>
-              <a:t>0</a:t>
-            </a:r>
-            <a:r>
-              <a:rPr lang="en-US" altLang="zh-TW" dirty="0"/>
-              <a:t/>
-            </a:r>
-            <a:br>
-              <a:rPr lang="en-US" altLang="zh-TW" dirty="0"/>
-            </a:br>
-            <a:r>
-              <a:rPr lang="en-US" altLang="zh-TW" dirty="0" err="1"/>
-              <a:t>img</a:t>
-            </a:r>
-            <a:r>
-              <a:rPr lang="en-US" altLang="zh-TW" dirty="0"/>
-              <a:t> = cv2.GaussianBlur(</a:t>
-            </a:r>
-            <a:r>
-              <a:rPr lang="en-US" altLang="zh-TW" dirty="0" err="1"/>
-              <a:t>img</a:t>
-            </a:r>
-            <a:r>
-              <a:rPr lang="en-US" altLang="zh-TW" dirty="0"/>
-              <a:t>, (55, 55), 5)</a:t>
-            </a:r>
-          </a:p>
-          <a:p>
-            <a:r>
-              <a:rPr lang="en-US" altLang="zh-TW" dirty="0"/>
-              <a:t>ret, </a:t>
-            </a:r>
-            <a:r>
-              <a:rPr lang="en-US" altLang="zh-TW" dirty="0" err="1"/>
-              <a:t>img</a:t>
-            </a:r>
-            <a:r>
-              <a:rPr lang="en-US" altLang="zh-TW" dirty="0"/>
-              <a:t>  = cv2.threshold(</a:t>
-            </a:r>
-            <a:r>
-              <a:rPr lang="en-US" altLang="zh-TW" dirty="0" err="1"/>
-              <a:t>img</a:t>
-            </a:r>
-            <a:r>
-              <a:rPr lang="en-US" altLang="zh-TW" dirty="0"/>
-              <a:t>, 50, 255, cv2.THRESH_BINARY</a:t>
-            </a:r>
-            <a:r>
-              <a:rPr lang="en-US" altLang="zh-TW" dirty="0" smtClean="0"/>
-              <a:t>)</a:t>
-            </a:r>
-            <a:r>
-              <a:rPr lang="en-US" altLang="zh-TW" dirty="0"/>
-              <a:t/>
-            </a:r>
-            <a:br>
-              <a:rPr lang="en-US" altLang="zh-TW" dirty="0"/>
-            </a:br>
-            <a:r>
-              <a:rPr lang="en-US" altLang="zh-TW" dirty="0" err="1"/>
-              <a:t>num_labels</a:t>
-            </a:r>
-            <a:r>
-              <a:rPr lang="en-US" altLang="zh-TW" dirty="0"/>
-              <a:t>, labels, stats, centroids = cv2.connectedComponentsWithStats(</a:t>
-            </a:r>
-            <a:r>
-              <a:rPr lang="en-US" altLang="zh-TW" dirty="0" err="1"/>
-              <a:t>img</a:t>
-            </a:r>
-            <a:r>
-              <a:rPr lang="en-US" altLang="zh-TW" dirty="0"/>
-              <a:t>, connectivity=8</a:t>
-            </a:r>
-            <a:r>
-              <a:rPr lang="en-US" altLang="zh-TW" dirty="0" smtClean="0"/>
-              <a:t>)</a:t>
-            </a:r>
-            <a:r>
-              <a:rPr lang="en-US" altLang="zh-TW" dirty="0"/>
-              <a:t/>
-            </a:r>
-            <a:br>
-              <a:rPr lang="en-US" altLang="zh-TW" dirty="0"/>
-            </a:br>
-            <a:r>
-              <a:rPr lang="en-US" altLang="zh-TW" dirty="0"/>
-              <a:t>for </a:t>
-            </a:r>
-            <a:r>
-              <a:rPr lang="en-US" altLang="zh-TW" dirty="0" err="1"/>
-              <a:t>i</a:t>
-            </a:r>
-            <a:r>
-              <a:rPr lang="en-US" altLang="zh-TW" dirty="0"/>
-              <a:t> in stats[:, ]:</a:t>
-            </a:r>
-          </a:p>
-          <a:p>
-            <a:r>
-              <a:rPr lang="en-US" altLang="zh-TW" dirty="0"/>
-              <a:t>    if(</a:t>
-            </a:r>
-            <a:r>
-              <a:rPr lang="en-US" altLang="zh-TW" dirty="0" err="1"/>
-              <a:t>i</a:t>
-            </a:r>
-            <a:r>
-              <a:rPr lang="en-US" altLang="zh-TW" dirty="0"/>
-              <a:t>[4] &gt; 1000000 and </a:t>
-            </a:r>
-            <a:r>
-              <a:rPr lang="en-US" altLang="zh-TW" dirty="0" err="1"/>
-              <a:t>i</a:t>
-            </a:r>
-            <a:r>
-              <a:rPr lang="en-US" altLang="zh-TW" dirty="0"/>
-              <a:t>[4] &lt; 2000000):</a:t>
-            </a:r>
-          </a:p>
-          <a:p>
-            <a:r>
-              <a:rPr lang="en-US" altLang="zh-TW" dirty="0"/>
-              <a:t>        x1 = </a:t>
-            </a:r>
-            <a:r>
-              <a:rPr lang="en-US" altLang="zh-TW" dirty="0" err="1"/>
-              <a:t>int</a:t>
-            </a:r>
-            <a:r>
-              <a:rPr lang="en-US" altLang="zh-TW" dirty="0"/>
-              <a:t>(</a:t>
-            </a:r>
-            <a:r>
-              <a:rPr lang="en-US" altLang="zh-TW" dirty="0" err="1"/>
-              <a:t>i</a:t>
-            </a:r>
-            <a:r>
-              <a:rPr lang="en-US" altLang="zh-TW" dirty="0"/>
-              <a:t>[0])</a:t>
-            </a:r>
-          </a:p>
-          <a:p>
-            <a:r>
-              <a:rPr lang="en-US" altLang="zh-TW" dirty="0"/>
-              <a:t>        y1 = </a:t>
-            </a:r>
-            <a:r>
-              <a:rPr lang="en-US" altLang="zh-TW" dirty="0" err="1"/>
-              <a:t>int</a:t>
-            </a:r>
-            <a:r>
-              <a:rPr lang="en-US" altLang="zh-TW" dirty="0"/>
-              <a:t>(</a:t>
-            </a:r>
-            <a:r>
-              <a:rPr lang="en-US" altLang="zh-TW" dirty="0" err="1"/>
-              <a:t>i</a:t>
-            </a:r>
-            <a:r>
-              <a:rPr lang="en-US" altLang="zh-TW" dirty="0"/>
-              <a:t>[1])</a:t>
-            </a:r>
-          </a:p>
-          <a:p>
-            <a:r>
-              <a:rPr lang="en-US" altLang="zh-TW" dirty="0"/>
-              <a:t>        x2 = </a:t>
-            </a:r>
-            <a:r>
-              <a:rPr lang="en-US" altLang="zh-TW" dirty="0" err="1"/>
-              <a:t>int</a:t>
-            </a:r>
-            <a:r>
-              <a:rPr lang="en-US" altLang="zh-TW" dirty="0"/>
-              <a:t>(</a:t>
-            </a:r>
-            <a:r>
-              <a:rPr lang="en-US" altLang="zh-TW" dirty="0" err="1"/>
-              <a:t>i</a:t>
-            </a:r>
-            <a:r>
-              <a:rPr lang="en-US" altLang="zh-TW" dirty="0"/>
-              <a:t>[0] + </a:t>
-            </a:r>
-            <a:r>
-              <a:rPr lang="en-US" altLang="zh-TW" dirty="0" err="1"/>
-              <a:t>i</a:t>
-            </a:r>
-            <a:r>
-              <a:rPr lang="en-US" altLang="zh-TW" dirty="0"/>
-              <a:t>[2])</a:t>
-            </a:r>
-          </a:p>
-          <a:p>
-            <a:r>
-              <a:rPr lang="en-US" altLang="zh-TW" dirty="0"/>
-              <a:t>        y2 = </a:t>
-            </a:r>
-            <a:r>
-              <a:rPr lang="en-US" altLang="zh-TW" dirty="0" err="1"/>
-              <a:t>int</a:t>
-            </a:r>
-            <a:r>
-              <a:rPr lang="en-US" altLang="zh-TW" dirty="0"/>
-              <a:t>(</a:t>
-            </a:r>
-            <a:r>
-              <a:rPr lang="en-US" altLang="zh-TW" dirty="0" err="1"/>
-              <a:t>i</a:t>
-            </a:r>
-            <a:r>
-              <a:rPr lang="en-US" altLang="zh-TW" dirty="0"/>
-              <a:t>[1] + </a:t>
-            </a:r>
-            <a:r>
-              <a:rPr lang="en-US" altLang="zh-TW" dirty="0" err="1"/>
-              <a:t>i</a:t>
-            </a:r>
-            <a:r>
-              <a:rPr lang="en-US" altLang="zh-TW" dirty="0"/>
-              <a:t>[3])</a:t>
-            </a:r>
-          </a:p>
-          <a:p>
-            <a:r>
-              <a:rPr lang="en-US" altLang="zh-TW" dirty="0"/>
-              <a:t>        if(</a:t>
-            </a:r>
-            <a:r>
-              <a:rPr lang="en-US" altLang="zh-TW" dirty="0" err="1"/>
-              <a:t>i</a:t>
-            </a:r>
-            <a:r>
-              <a:rPr lang="en-US" altLang="zh-TW" dirty="0"/>
-              <a:t>[2] &gt; 1000): #500</a:t>
-            </a:r>
-          </a:p>
-          <a:p>
-            <a:r>
-              <a:rPr lang="en-US" altLang="zh-TW" dirty="0"/>
-              <a:t>            price += 500</a:t>
-            </a:r>
-          </a:p>
-          <a:p>
-            <a:r>
-              <a:rPr lang="en-US" altLang="zh-TW" dirty="0"/>
-              <a:t>            cv2.rectangle(img_3, (x1, y1), (x2, y2), (255, 0, 255), 10) #purple</a:t>
-            </a:r>
-          </a:p>
-          <a:p>
-            <a:r>
-              <a:rPr lang="en-US" altLang="zh-TW" dirty="0"/>
-              <a:t>        </a:t>
-            </a:r>
-            <a:r>
-              <a:rPr lang="en-US" altLang="zh-TW" dirty="0" err="1"/>
-              <a:t>elif</a:t>
-            </a:r>
-            <a:r>
-              <a:rPr lang="en-US" altLang="zh-TW" dirty="0"/>
-              <a:t>(</a:t>
-            </a:r>
-            <a:r>
-              <a:rPr lang="en-US" altLang="zh-TW" dirty="0" err="1"/>
-              <a:t>i</a:t>
-            </a:r>
-            <a:r>
-              <a:rPr lang="en-US" altLang="zh-TW" dirty="0"/>
-              <a:t>[4] &gt; 1400000): #1000</a:t>
-            </a:r>
-          </a:p>
-          <a:p>
-            <a:r>
-              <a:rPr lang="en-US" altLang="zh-TW" dirty="0"/>
-              <a:t>            price += 1000</a:t>
-            </a:r>
-          </a:p>
-          <a:p>
-            <a:r>
-              <a:rPr lang="en-US" altLang="zh-TW" dirty="0"/>
-              <a:t>            cv2.rectangle(img_3, (x1, y1), (x2, y2), (255, 255, 255), 10) #white</a:t>
-            </a:r>
-          </a:p>
-          <a:p>
-            <a:r>
-              <a:rPr lang="en-US" altLang="zh-TW" dirty="0"/>
-              <a:t>        else: #100</a:t>
-            </a:r>
-          </a:p>
-          <a:p>
-            <a:r>
-              <a:rPr lang="en-US" altLang="zh-TW" dirty="0"/>
-              <a:t>            price += 100</a:t>
-            </a:r>
-          </a:p>
-          <a:p>
-            <a:r>
-              <a:rPr lang="en-US" altLang="zh-TW" dirty="0"/>
-              <a:t>            cv2.rectangle(img_3, (x1, y1), (x2, y2), (255, 0, 0), 10) #blue</a:t>
-            </a:r>
-          </a:p>
-          <a:p>
-            <a:r>
-              <a:rPr lang="en-US" altLang="zh-TW" dirty="0"/>
-              <a:t/>
-            </a:r>
-            <a:br>
-              <a:rPr lang="en-US" altLang="zh-TW" dirty="0"/>
-            </a:br>
-            <a:r>
-              <a:rPr lang="en-US" altLang="zh-TW" dirty="0"/>
-              <a:t>      </a:t>
-            </a:r>
-            <a:endParaRPr lang="zh-TW" altLang="en-US" dirty="0"/>
-          </a:p>
-        </p:txBody>
-      </p:sp>
-    </p:spTree>
-    <p:extLst>
-      <p:ext uri="{BB962C8B-B14F-4D97-AF65-F5344CB8AC3E}">
-        <p14:creationId xmlns:p14="http://schemas.microsoft.com/office/powerpoint/2010/main" val="202051832"/>
-      </p:ext>
-    </p:extLst>
-  </p:cSld>
-  <p:clrMapOvr>
-    <a:masterClrMapping/>
-  </p:clrMapOvr>
-</p:sld>
-</file>
-
-<file path=ppt/slides/slide12.xml><?xml version="1.0" encoding="utf-8"?>
-<p:sld xmlns:a="http://schemas.openxmlformats.org/drawingml/2006/main" xmlns:r="http://schemas.openxmlformats.org/officeDocument/2006/relationships" xmlns:p="http://schemas.openxmlformats.org/presentationml/2006/main">
-  <p:cSld>
-    <p:spTree>
-      <p:nvGrpSpPr>
-        <p:cNvPr id="1" name=""/>
-        <p:cNvGrpSpPr/>
-        <p:nvPr/>
-      </p:nvGrpSpPr>
-      <p:grpSpPr>
-        <a:xfrm>
-          <a:off x="0" y="0"/>
-          <a:ext cx="0" cy="0"/>
-          <a:chOff x="0" y="0"/>
-          <a:chExt cx="0" cy="0"/>
-        </a:xfrm>
-      </p:grpSpPr>
-      <p:sp>
-        <p:nvSpPr>
-          <p:cNvPr id="2" name="矩形 1"/>
-          <p:cNvSpPr/>
-          <p:nvPr/>
-        </p:nvSpPr>
-        <p:spPr>
-          <a:xfrm>
-            <a:off x="884904" y="980316"/>
-            <a:ext cx="5112774" cy="4801314"/>
-          </a:xfrm>
-          <a:prstGeom prst="rect">
-            <a:avLst/>
-          </a:prstGeom>
-        </p:spPr>
-        <p:txBody>
-          <a:bodyPr wrap="square">
-            <a:spAutoFit/>
-          </a:bodyPr>
-          <a:lstStyle/>
-          <a:p>
-            <a:r>
-              <a:rPr lang="en-US" altLang="zh-TW" dirty="0" smtClean="0"/>
-              <a:t>circles</a:t>
-            </a:r>
-            <a:r>
-              <a:rPr lang="en-US" altLang="zh-TW" dirty="0"/>
-              <a:t> = cv2.HoughCircles(</a:t>
-            </a:r>
-            <a:r>
-              <a:rPr lang="en-US" altLang="zh-TW" dirty="0" err="1"/>
-              <a:t>img_gray</a:t>
-            </a:r>
-            <a:r>
-              <a:rPr lang="en-US" altLang="zh-TW" dirty="0"/>
-              <a:t>, cv2.HOUGH_GRADIENT, 1, 250, param1=700, param2=50,minRadius=100, </a:t>
-            </a:r>
-            <a:r>
-              <a:rPr lang="en-US" altLang="zh-TW" dirty="0" err="1"/>
-              <a:t>maxRadius</a:t>
-            </a:r>
-            <a:r>
-              <a:rPr lang="en-US" altLang="zh-TW" dirty="0"/>
-              <a:t>=160)</a:t>
-            </a:r>
-          </a:p>
-          <a:p>
-            <a:r>
-              <a:rPr lang="en-US" altLang="zh-TW" dirty="0"/>
-              <a:t/>
-            </a:r>
-            <a:br>
-              <a:rPr lang="en-US" altLang="zh-TW" dirty="0"/>
-            </a:br>
-            <a:r>
-              <a:rPr lang="en-US" altLang="zh-TW" dirty="0"/>
-              <a:t>if circles is not None:</a:t>
-            </a:r>
-          </a:p>
-          <a:p>
-            <a:r>
-              <a:rPr lang="en-US" altLang="zh-TW" dirty="0"/>
-              <a:t>    circles = np.uint16(</a:t>
-            </a:r>
-            <a:r>
-              <a:rPr lang="en-US" altLang="zh-TW" dirty="0" err="1"/>
-              <a:t>np.around</a:t>
-            </a:r>
-            <a:r>
-              <a:rPr lang="en-US" altLang="zh-TW" dirty="0"/>
-              <a:t>(circles))</a:t>
-            </a:r>
-          </a:p>
-          <a:p>
-            <a:r>
-              <a:rPr lang="en-US" altLang="zh-TW" dirty="0"/>
-              <a:t>    for </a:t>
-            </a:r>
-            <a:r>
-              <a:rPr lang="en-US" altLang="zh-TW" dirty="0" err="1"/>
-              <a:t>i</a:t>
-            </a:r>
-            <a:r>
-              <a:rPr lang="en-US" altLang="zh-TW" dirty="0"/>
-              <a:t> in circles[0, :]:</a:t>
-            </a:r>
-          </a:p>
-          <a:p>
-            <a:r>
-              <a:rPr lang="en-US" altLang="zh-TW" dirty="0"/>
-              <a:t>        center = (</a:t>
-            </a:r>
-            <a:r>
-              <a:rPr lang="en-US" altLang="zh-TW" dirty="0" err="1"/>
-              <a:t>i</a:t>
-            </a:r>
-            <a:r>
-              <a:rPr lang="en-US" altLang="zh-TW" dirty="0"/>
-              <a:t>[0], </a:t>
-            </a:r>
-            <a:r>
-              <a:rPr lang="en-US" altLang="zh-TW" dirty="0" err="1"/>
-              <a:t>i</a:t>
-            </a:r>
-            <a:r>
-              <a:rPr lang="en-US" altLang="zh-TW" dirty="0"/>
-              <a:t>[1])</a:t>
-            </a:r>
-          </a:p>
-          <a:p>
-            <a:r>
-              <a:rPr lang="en-US" altLang="zh-TW" dirty="0"/>
-              <a:t>        radius = </a:t>
-            </a:r>
-            <a:r>
-              <a:rPr lang="en-US" altLang="zh-TW" dirty="0" err="1"/>
-              <a:t>i</a:t>
-            </a:r>
-            <a:r>
-              <a:rPr lang="en-US" altLang="zh-TW" dirty="0"/>
-              <a:t>[2]</a:t>
-            </a:r>
-          </a:p>
-          <a:p>
-            <a:r>
-              <a:rPr lang="en-US" altLang="zh-TW" dirty="0"/>
-              <a:t/>
-            </a:r>
-            <a:br>
-              <a:rPr lang="en-US" altLang="zh-TW" dirty="0"/>
-            </a:br>
-            <a:r>
-              <a:rPr lang="en-US" altLang="zh-TW" dirty="0"/>
-              <a:t>        # draw rectangle</a:t>
-            </a:r>
-          </a:p>
-          <a:p>
-            <a:r>
-              <a:rPr lang="en-US" altLang="zh-TW" dirty="0"/>
-              <a:t>        # 1</a:t>
-            </a:r>
-          </a:p>
-          <a:p>
-            <a:r>
-              <a:rPr lang="en-US" altLang="zh-TW" dirty="0"/>
-              <a:t>        if(</a:t>
-            </a:r>
-            <a:r>
-              <a:rPr lang="en-US" altLang="zh-TW" dirty="0" err="1"/>
-              <a:t>i</a:t>
-            </a:r>
-            <a:r>
-              <a:rPr lang="en-US" altLang="zh-TW" dirty="0"/>
-              <a:t>[2] &lt; 120):</a:t>
-            </a:r>
-          </a:p>
-          <a:p>
-            <a:r>
-              <a:rPr lang="en-US" altLang="zh-TW" dirty="0"/>
-              <a:t>            price += 1</a:t>
-            </a:r>
-          </a:p>
-          <a:p>
-            <a:r>
-              <a:rPr lang="en-US" altLang="zh-TW" dirty="0"/>
-              <a:t>            cv2.rectangle(img_3, (</a:t>
-            </a:r>
-            <a:r>
-              <a:rPr lang="en-US" altLang="zh-TW" dirty="0" err="1"/>
-              <a:t>i</a:t>
-            </a:r>
-            <a:r>
-              <a:rPr lang="en-US" altLang="zh-TW" dirty="0"/>
-              <a:t>[0]-</a:t>
-            </a:r>
-            <a:r>
-              <a:rPr lang="en-US" altLang="zh-TW" dirty="0" err="1"/>
-              <a:t>i</a:t>
-            </a:r>
-            <a:r>
-              <a:rPr lang="en-US" altLang="zh-TW" dirty="0"/>
-              <a:t>[2], </a:t>
-            </a:r>
-            <a:r>
-              <a:rPr lang="en-US" altLang="zh-TW" dirty="0" err="1"/>
-              <a:t>i</a:t>
-            </a:r>
-            <a:r>
-              <a:rPr lang="en-US" altLang="zh-TW" dirty="0"/>
-              <a:t>[1]+</a:t>
-            </a:r>
-            <a:r>
-              <a:rPr lang="en-US" altLang="zh-TW" dirty="0" err="1"/>
-              <a:t>i</a:t>
-            </a:r>
-            <a:r>
-              <a:rPr lang="en-US" altLang="zh-TW" dirty="0"/>
-              <a:t>[2]),</a:t>
-            </a:r>
-          </a:p>
-          <a:p>
-            <a:r>
-              <a:rPr lang="en-US" altLang="zh-TW" dirty="0"/>
-              <a:t>                          (</a:t>
-            </a:r>
-            <a:r>
-              <a:rPr lang="en-US" altLang="zh-TW" dirty="0" err="1"/>
-              <a:t>i</a:t>
-            </a:r>
-            <a:r>
-              <a:rPr lang="en-US" altLang="zh-TW" dirty="0"/>
-              <a:t>[0]+</a:t>
-            </a:r>
-            <a:r>
-              <a:rPr lang="en-US" altLang="zh-TW" dirty="0" err="1"/>
-              <a:t>i</a:t>
-            </a:r>
-            <a:r>
-              <a:rPr lang="en-US" altLang="zh-TW" dirty="0"/>
-              <a:t>[2], </a:t>
-            </a:r>
-            <a:r>
-              <a:rPr lang="en-US" altLang="zh-TW" dirty="0" err="1"/>
-              <a:t>i</a:t>
-            </a:r>
-            <a:r>
-              <a:rPr lang="en-US" altLang="zh-TW" dirty="0"/>
-              <a:t>[1]-</a:t>
-            </a:r>
-            <a:r>
-              <a:rPr lang="en-US" altLang="zh-TW" dirty="0" err="1"/>
-              <a:t>i</a:t>
-            </a:r>
-            <a:r>
-              <a:rPr lang="en-US" altLang="zh-TW" dirty="0"/>
-              <a:t>[2]), (0, 0, 255), 10)</a:t>
-            </a:r>
-          </a:p>
-          <a:p>
-            <a:r>
-              <a:rPr lang="en-US" altLang="zh-TW" dirty="0"/>
-              <a:t>      </a:t>
-            </a:r>
-          </a:p>
-        </p:txBody>
-      </p:sp>
-      <p:sp>
-        <p:nvSpPr>
-          <p:cNvPr id="3" name="矩形 2"/>
-          <p:cNvSpPr/>
-          <p:nvPr/>
-        </p:nvSpPr>
-        <p:spPr>
-          <a:xfrm>
-            <a:off x="983226" y="333985"/>
-            <a:ext cx="4450577" cy="646331"/>
-          </a:xfrm>
-          <a:prstGeom prst="rect">
-            <a:avLst/>
-          </a:prstGeom>
-        </p:spPr>
-        <p:txBody>
-          <a:bodyPr wrap="none">
-            <a:spAutoFit/>
-          </a:bodyPr>
-          <a:lstStyle/>
-          <a:p>
-            <a:r>
-              <a:rPr lang="en-US" altLang="zh-TW" sz="3600" dirty="0">
-                <a:ea typeface="微軟正黑體" panose="020B0604030504040204" pitchFamily="34" charset="-120"/>
-              </a:rPr>
-              <a:t>coin2.py</a:t>
-            </a:r>
-            <a:r>
-              <a:rPr lang="zh-TW" altLang="en-US" sz="3600" dirty="0" smtClean="0">
-                <a:ea typeface="微軟正黑體" panose="020B0604030504040204" pitchFamily="34" charset="-120"/>
-              </a:rPr>
-              <a:t>演算法流程</a:t>
-            </a:r>
-            <a:r>
-              <a:rPr lang="en-US" altLang="zh-TW" sz="3600" dirty="0" smtClean="0">
-                <a:ea typeface="微軟正黑體" panose="020B0604030504040204" pitchFamily="34" charset="-120"/>
-              </a:rPr>
-              <a:t>-2</a:t>
-            </a:r>
-            <a:endParaRPr lang="zh-TW" altLang="en-US" sz="3600" dirty="0"/>
-          </a:p>
-        </p:txBody>
-      </p:sp>
-      <p:sp>
-        <p:nvSpPr>
-          <p:cNvPr id="4" name="文字方塊 3"/>
-          <p:cNvSpPr txBox="1"/>
-          <p:nvPr/>
-        </p:nvSpPr>
-        <p:spPr>
-          <a:xfrm>
-            <a:off x="6292645" y="835742"/>
-            <a:ext cx="5486400" cy="5078313"/>
-          </a:xfrm>
-          <a:prstGeom prst="rect">
-            <a:avLst/>
-          </a:prstGeom>
-          <a:noFill/>
-        </p:spPr>
-        <p:txBody>
-          <a:bodyPr wrap="square" rtlCol="0">
-            <a:spAutoFit/>
-          </a:bodyPr>
-          <a:lstStyle/>
-          <a:p>
-            <a:r>
-              <a:rPr lang="en-US" altLang="zh-TW" dirty="0"/>
-              <a:t>  </a:t>
-            </a:r>
-            <a:r>
-              <a:rPr lang="en-US" altLang="zh-TW" dirty="0" smtClean="0"/>
-              <a:t>	#</a:t>
-            </a:r>
-            <a:r>
-              <a:rPr lang="en-US" altLang="zh-TW" dirty="0"/>
-              <a:t> 5</a:t>
-            </a:r>
-          </a:p>
-          <a:p>
-            <a:r>
-              <a:rPr lang="en-US" altLang="zh-TW" dirty="0"/>
-              <a:t>        </a:t>
-            </a:r>
-            <a:r>
-              <a:rPr lang="en-US" altLang="zh-TW" dirty="0" err="1"/>
-              <a:t>elif</a:t>
-            </a:r>
-            <a:r>
-              <a:rPr lang="en-US" altLang="zh-TW" dirty="0"/>
-              <a:t>(</a:t>
-            </a:r>
-            <a:r>
-              <a:rPr lang="en-US" altLang="zh-TW" dirty="0" err="1"/>
-              <a:t>i</a:t>
-            </a:r>
-            <a:r>
-              <a:rPr lang="en-US" altLang="zh-TW" dirty="0"/>
-              <a:t>[2] &lt; 130):</a:t>
-            </a:r>
-          </a:p>
-          <a:p>
-            <a:r>
-              <a:rPr lang="en-US" altLang="zh-TW" dirty="0"/>
-              <a:t>            price += 5</a:t>
-            </a:r>
-          </a:p>
-          <a:p>
-            <a:r>
-              <a:rPr lang="en-US" altLang="zh-TW" dirty="0"/>
-              <a:t>            cv2.rectangle(img_3, (</a:t>
-            </a:r>
-            <a:r>
-              <a:rPr lang="en-US" altLang="zh-TW" dirty="0" err="1"/>
-              <a:t>i</a:t>
-            </a:r>
-            <a:r>
-              <a:rPr lang="en-US" altLang="zh-TW" dirty="0"/>
-              <a:t>[0]-</a:t>
-            </a:r>
-            <a:r>
-              <a:rPr lang="en-US" altLang="zh-TW" dirty="0" err="1"/>
-              <a:t>i</a:t>
-            </a:r>
-            <a:r>
-              <a:rPr lang="en-US" altLang="zh-TW" dirty="0"/>
-              <a:t>[2], </a:t>
-            </a:r>
-            <a:r>
-              <a:rPr lang="en-US" altLang="zh-TW" dirty="0" err="1"/>
-              <a:t>i</a:t>
-            </a:r>
-            <a:r>
-              <a:rPr lang="en-US" altLang="zh-TW" dirty="0"/>
-              <a:t>[1]+</a:t>
-            </a:r>
-            <a:r>
-              <a:rPr lang="en-US" altLang="zh-TW" dirty="0" err="1"/>
-              <a:t>i</a:t>
-            </a:r>
-            <a:r>
-              <a:rPr lang="en-US" altLang="zh-TW" dirty="0"/>
-              <a:t>[2]),</a:t>
-            </a:r>
-          </a:p>
-          <a:p>
-            <a:r>
-              <a:rPr lang="en-US" altLang="zh-TW" dirty="0"/>
-              <a:t>                          (</a:t>
-            </a:r>
-            <a:r>
-              <a:rPr lang="en-US" altLang="zh-TW" dirty="0" err="1"/>
-              <a:t>i</a:t>
-            </a:r>
-            <a:r>
-              <a:rPr lang="en-US" altLang="zh-TW" dirty="0"/>
-              <a:t>[0]+</a:t>
-            </a:r>
-            <a:r>
-              <a:rPr lang="en-US" altLang="zh-TW" dirty="0" err="1"/>
-              <a:t>i</a:t>
-            </a:r>
-            <a:r>
-              <a:rPr lang="en-US" altLang="zh-TW" dirty="0"/>
-              <a:t>[2], </a:t>
-            </a:r>
-            <a:r>
-              <a:rPr lang="en-US" altLang="zh-TW" dirty="0" err="1"/>
-              <a:t>i</a:t>
-            </a:r>
-            <a:r>
-              <a:rPr lang="en-US" altLang="zh-TW" dirty="0"/>
-              <a:t>[1]-</a:t>
-            </a:r>
-            <a:r>
-              <a:rPr lang="en-US" altLang="zh-TW" dirty="0" err="1"/>
-              <a:t>i</a:t>
-            </a:r>
-            <a:r>
-              <a:rPr lang="en-US" altLang="zh-TW" dirty="0"/>
-              <a:t>[2]), (0, 125, 255), 10)</a:t>
-            </a:r>
-          </a:p>
-          <a:p>
-            <a:r>
-              <a:rPr lang="en-US" altLang="zh-TW" dirty="0"/>
-              <a:t>        # 50</a:t>
-            </a:r>
-          </a:p>
-          <a:p>
-            <a:r>
-              <a:rPr lang="en-US" altLang="zh-TW" dirty="0"/>
-              <a:t>        </a:t>
-            </a:r>
-            <a:r>
-              <a:rPr lang="en-US" altLang="zh-TW" dirty="0" err="1"/>
-              <a:t>elif</a:t>
-            </a:r>
-            <a:r>
-              <a:rPr lang="en-US" altLang="zh-TW" dirty="0"/>
-              <a:t>(</a:t>
-            </a:r>
-            <a:r>
-              <a:rPr lang="en-US" altLang="zh-TW" dirty="0" err="1"/>
-              <a:t>i</a:t>
-            </a:r>
-            <a:r>
-              <a:rPr lang="en-US" altLang="zh-TW" dirty="0"/>
-              <a:t>[2] &gt; 150):</a:t>
-            </a:r>
-          </a:p>
-          <a:p>
-            <a:r>
-              <a:rPr lang="en-US" altLang="zh-TW" dirty="0"/>
-              <a:t>            price += 50</a:t>
-            </a:r>
-          </a:p>
-          <a:p>
-            <a:r>
-              <a:rPr lang="en-US" altLang="zh-TW" dirty="0"/>
-              <a:t>            cv2.rectangle(img_3, (</a:t>
-            </a:r>
-            <a:r>
-              <a:rPr lang="en-US" altLang="zh-TW" dirty="0" err="1"/>
-              <a:t>i</a:t>
-            </a:r>
-            <a:r>
-              <a:rPr lang="en-US" altLang="zh-TW" dirty="0"/>
-              <a:t>[0]-</a:t>
-            </a:r>
-            <a:r>
-              <a:rPr lang="en-US" altLang="zh-TW" dirty="0" err="1"/>
-              <a:t>i</a:t>
-            </a:r>
-            <a:r>
-              <a:rPr lang="en-US" altLang="zh-TW" dirty="0"/>
-              <a:t>[2], </a:t>
-            </a:r>
-            <a:r>
-              <a:rPr lang="en-US" altLang="zh-TW" dirty="0" err="1"/>
-              <a:t>i</a:t>
-            </a:r>
-            <a:r>
-              <a:rPr lang="en-US" altLang="zh-TW" dirty="0"/>
-              <a:t>[1]+</a:t>
-            </a:r>
-            <a:r>
-              <a:rPr lang="en-US" altLang="zh-TW" dirty="0" err="1"/>
-              <a:t>i</a:t>
-            </a:r>
-            <a:r>
-              <a:rPr lang="en-US" altLang="zh-TW" dirty="0"/>
-              <a:t>[2]),</a:t>
-            </a:r>
-          </a:p>
-          <a:p>
-            <a:r>
-              <a:rPr lang="en-US" altLang="zh-TW" dirty="0"/>
-              <a:t>                          (</a:t>
-            </a:r>
-            <a:r>
-              <a:rPr lang="en-US" altLang="zh-TW" dirty="0" err="1"/>
-              <a:t>i</a:t>
-            </a:r>
-            <a:r>
-              <a:rPr lang="en-US" altLang="zh-TW" dirty="0"/>
-              <a:t>[0]+</a:t>
-            </a:r>
-            <a:r>
-              <a:rPr lang="en-US" altLang="zh-TW" dirty="0" err="1"/>
-              <a:t>i</a:t>
-            </a:r>
-            <a:r>
-              <a:rPr lang="en-US" altLang="zh-TW" dirty="0"/>
-              <a:t>[2], </a:t>
-            </a:r>
-            <a:r>
-              <a:rPr lang="en-US" altLang="zh-TW" dirty="0" err="1"/>
-              <a:t>i</a:t>
-            </a:r>
-            <a:r>
-              <a:rPr lang="en-US" altLang="zh-TW" dirty="0"/>
-              <a:t>[1]-</a:t>
-            </a:r>
-            <a:r>
-              <a:rPr lang="en-US" altLang="zh-TW" dirty="0" err="1"/>
-              <a:t>i</a:t>
-            </a:r>
-            <a:r>
-              <a:rPr lang="en-US" altLang="zh-TW" dirty="0"/>
-              <a:t>[2]), (0, 255, 0), 10)</a:t>
-            </a:r>
-          </a:p>
-          <a:p>
-            <a:r>
-              <a:rPr lang="en-US" altLang="zh-TW" dirty="0"/>
-              <a:t>        # 10</a:t>
-            </a:r>
-          </a:p>
-          <a:p>
-            <a:r>
-              <a:rPr lang="en-US" altLang="zh-TW" dirty="0"/>
-              <a:t>        else:</a:t>
-            </a:r>
-          </a:p>
-          <a:p>
-            <a:r>
-              <a:rPr lang="en-US" altLang="zh-TW" dirty="0"/>
-              <a:t>            price += 10</a:t>
-            </a:r>
-          </a:p>
-          <a:p>
-            <a:r>
-              <a:rPr lang="en-US" altLang="zh-TW" dirty="0"/>
-              <a:t>            cv2.rectangle(img_3, (</a:t>
-            </a:r>
-            <a:r>
-              <a:rPr lang="en-US" altLang="zh-TW" dirty="0" err="1"/>
-              <a:t>i</a:t>
-            </a:r>
-            <a:r>
-              <a:rPr lang="en-US" altLang="zh-TW" dirty="0"/>
-              <a:t>[0]-</a:t>
-            </a:r>
-            <a:r>
-              <a:rPr lang="en-US" altLang="zh-TW" dirty="0" err="1"/>
-              <a:t>i</a:t>
-            </a:r>
-            <a:r>
-              <a:rPr lang="en-US" altLang="zh-TW" dirty="0"/>
-              <a:t>[2], </a:t>
-            </a:r>
-            <a:r>
-              <a:rPr lang="en-US" altLang="zh-TW" dirty="0" err="1"/>
-              <a:t>i</a:t>
-            </a:r>
-            <a:r>
-              <a:rPr lang="en-US" altLang="zh-TW" dirty="0"/>
-              <a:t>[1]+</a:t>
-            </a:r>
-            <a:r>
-              <a:rPr lang="en-US" altLang="zh-TW" dirty="0" err="1"/>
-              <a:t>i</a:t>
-            </a:r>
-            <a:r>
-              <a:rPr lang="en-US" altLang="zh-TW" dirty="0"/>
-              <a:t>[2]),</a:t>
-            </a:r>
-          </a:p>
-          <a:p>
-            <a:r>
-              <a:rPr lang="en-US" altLang="zh-TW" dirty="0"/>
-              <a:t>                          (</a:t>
-            </a:r>
-            <a:r>
-              <a:rPr lang="en-US" altLang="zh-TW" dirty="0" err="1"/>
-              <a:t>i</a:t>
-            </a:r>
-            <a:r>
-              <a:rPr lang="en-US" altLang="zh-TW" dirty="0"/>
-              <a:t>[0]+</a:t>
-            </a:r>
-            <a:r>
-              <a:rPr lang="en-US" altLang="zh-TW" dirty="0" err="1"/>
-              <a:t>i</a:t>
-            </a:r>
-            <a:r>
-              <a:rPr lang="en-US" altLang="zh-TW" dirty="0"/>
-              <a:t>[2], </a:t>
-            </a:r>
-            <a:r>
-              <a:rPr lang="en-US" altLang="zh-TW" dirty="0" err="1"/>
-              <a:t>i</a:t>
-            </a:r>
-            <a:r>
-              <a:rPr lang="en-US" altLang="zh-TW" dirty="0"/>
-              <a:t>[1]-</a:t>
-            </a:r>
-            <a:r>
-              <a:rPr lang="en-US" altLang="zh-TW" dirty="0" err="1"/>
-              <a:t>i</a:t>
-            </a:r>
-            <a:r>
-              <a:rPr lang="en-US" altLang="zh-TW" dirty="0"/>
-              <a:t>[2]), (0, 255, 255), 10)</a:t>
-            </a:r>
-          </a:p>
-          <a:p>
-            <a:r>
-              <a:rPr lang="en-US" altLang="zh-TW" dirty="0"/>
-              <a:t/>
-            </a:r>
-            <a:br>
-              <a:rPr lang="en-US" altLang="zh-TW" dirty="0"/>
-            </a:br>
-            <a:r>
-              <a:rPr lang="en-US" altLang="zh-TW" dirty="0"/>
-              <a:t>print("Total money is: " + </a:t>
-            </a:r>
-            <a:r>
-              <a:rPr lang="en-US" altLang="zh-TW" dirty="0" err="1"/>
-              <a:t>str</a:t>
-            </a:r>
-            <a:r>
-              <a:rPr lang="en-US" altLang="zh-TW" dirty="0"/>
-              <a:t>(price))</a:t>
-            </a:r>
-          </a:p>
-          <a:p>
-            <a:endParaRPr lang="zh-TW" altLang="en-US" dirty="0"/>
-          </a:p>
-        </p:txBody>
-      </p:sp>
-    </p:spTree>
-    <p:extLst>
-      <p:ext uri="{BB962C8B-B14F-4D97-AF65-F5344CB8AC3E}">
-        <p14:creationId xmlns:p14="http://schemas.microsoft.com/office/powerpoint/2010/main" val="652539882"/>
-      </p:ext>
-    </p:extLst>
-  </p:cSld>
-  <p:clrMapOvr>
-    <a:masterClrMapping/>
-  </p:clrMapOvr>
-</p:sld>
-</file>
-
-<file path=ppt/slides/slide13.xml><?xml version="1.0" encoding="utf-8"?>
-<p:sld xmlns:a="http://schemas.openxmlformats.org/drawingml/2006/main" xmlns:r="http://schemas.openxmlformats.org/officeDocument/2006/relationships" xmlns:p="http://schemas.openxmlformats.org/presentationml/2006/main">
-  <p:cSld>
-    <p:spTree>
-      <p:nvGrpSpPr>
-        <p:cNvPr id="1" name=""/>
-        <p:cNvGrpSpPr/>
-        <p:nvPr/>
-      </p:nvGrpSpPr>
-      <p:grpSpPr>
-        <a:xfrm>
-          <a:off x="0" y="0"/>
-          <a:ext cx="0" cy="0"/>
-          <a:chOff x="0" y="0"/>
-          <a:chExt cx="0" cy="0"/>
-        </a:xfrm>
-      </p:grpSpPr>
-      <p:sp>
-        <p:nvSpPr>
-          <p:cNvPr id="2" name="標題 1"/>
-          <p:cNvSpPr>
-            <a:spLocks noGrp="1"/>
-          </p:cNvSpPr>
-          <p:nvPr>
-            <p:ph type="ctrTitle"/>
-          </p:nvPr>
-        </p:nvSpPr>
-        <p:spPr/>
-        <p:txBody>
-          <a:bodyPr/>
-          <a:lstStyle/>
-          <a:p>
-            <a:r>
-              <a:rPr lang="zh-TW" altLang="en-US" dirty="0">
-                <a:latin typeface="微軟正黑體" panose="020B0604030504040204" pitchFamily="34" charset="-120"/>
-                <a:ea typeface="微軟正黑體" panose="020B0604030504040204" pitchFamily="34" charset="-120"/>
-              </a:rPr>
-              <a:t>題目四</a:t>
-            </a:r>
-          </a:p>
-        </p:txBody>
-      </p:sp>
-      <p:sp>
-        <p:nvSpPr>
-          <p:cNvPr id="3" name="副標題 2"/>
-          <p:cNvSpPr>
-            <a:spLocks noGrp="1"/>
-          </p:cNvSpPr>
-          <p:nvPr>
-            <p:ph type="subTitle" idx="1"/>
-          </p:nvPr>
-        </p:nvSpPr>
-        <p:spPr/>
-        <p:txBody>
-          <a:bodyPr/>
-          <a:lstStyle/>
-          <a:p>
-            <a:endParaRPr lang="zh-TW" altLang="en-US" dirty="0"/>
-          </a:p>
-        </p:txBody>
-      </p:sp>
-    </p:spTree>
-    <p:extLst>
-      <p:ext uri="{BB962C8B-B14F-4D97-AF65-F5344CB8AC3E}">
-        <p14:creationId xmlns:p14="http://schemas.microsoft.com/office/powerpoint/2010/main" val="1144695565"/>
-      </p:ext>
-    </p:extLst>
-  </p:cSld>
-  <p:clrMapOvr>
-    <a:masterClrMapping/>
-  </p:clrMapOvr>
-</p:sld>
-</file>
-
-<file path=ppt/slides/slide14.xml><?xml version="1.0" encoding="utf-8"?>
-<p:sld xmlns:a="http://schemas.openxmlformats.org/drawingml/2006/main" xmlns:r="http://schemas.openxmlformats.org/officeDocument/2006/relationships" xmlns:p="http://schemas.openxmlformats.org/presentationml/2006/main">
-  <p:cSld>
-    <p:spTree>
-      <p:nvGrpSpPr>
-        <p:cNvPr id="1" name=""/>
-        <p:cNvGrpSpPr/>
-        <p:nvPr/>
-      </p:nvGrpSpPr>
-      <p:grpSpPr>
-        <a:xfrm>
-          <a:off x="0" y="0"/>
-          <a:ext cx="0" cy="0"/>
-          <a:chOff x="0" y="0"/>
-          <a:chExt cx="0" cy="0"/>
-        </a:xfrm>
-      </p:grpSpPr>
-      <p:sp>
-        <p:nvSpPr>
-          <p:cNvPr id="2" name="標題 1"/>
-          <p:cNvSpPr>
-            <a:spLocks noGrp="1"/>
-          </p:cNvSpPr>
-          <p:nvPr>
-            <p:ph type="title"/>
-          </p:nvPr>
-        </p:nvSpPr>
-        <p:spPr/>
-        <p:txBody>
-          <a:bodyPr>
-            <a:normAutofit/>
-          </a:bodyPr>
-          <a:lstStyle/>
-          <a:p>
-            <a:r>
-              <a:rPr lang="zh-TW" altLang="en-US" sz="4000" dirty="0">
-                <a:latin typeface="微軟正黑體" panose="020B0604030504040204" pitchFamily="34" charset="-120"/>
-                <a:ea typeface="微軟正黑體" panose="020B0604030504040204" pitchFamily="34" charset="-120"/>
-              </a:rPr>
-              <a:t>成果圖</a:t>
-            </a:r>
-            <a:endParaRPr lang="zh-TW" altLang="en-US" sz="4000" dirty="0">
-              <a:ea typeface="微軟正黑體" panose="020B0604030504040204" pitchFamily="34" charset="-120"/>
-            </a:endParaRPr>
-          </a:p>
-        </p:txBody>
-      </p:sp>
-      <p:sp>
-        <p:nvSpPr>
-          <p:cNvPr id="8" name="向右箭號 7"/>
-          <p:cNvSpPr/>
-          <p:nvPr/>
-        </p:nvSpPr>
-        <p:spPr>
-          <a:xfrm>
-            <a:off x="6038889" y="3429000"/>
-            <a:ext cx="914400" cy="710119"/>
-          </a:xfrm>
-          <a:prstGeom prst="rightArrow">
-            <a:avLst/>
-          </a:prstGeom>
-        </p:spPr>
-        <p:style>
-          <a:lnRef idx="2">
-            <a:schemeClr val="accent1">
-              <a:shade val="50000"/>
-            </a:schemeClr>
-          </a:lnRef>
-          <a:fillRef idx="1">
-            <a:schemeClr val="accent1"/>
-          </a:fillRef>
-          <a:effectRef idx="0">
-            <a:schemeClr val="accent1"/>
-          </a:effectRef>
-          <a:fontRef idx="minor">
-            <a:schemeClr val="lt1"/>
-          </a:fontRef>
-        </p:style>
-        <p:txBody>
-          <a:bodyPr rtlCol="0" anchor="ctr"/>
-          <a:lstStyle/>
-          <a:p>
-            <a:pPr algn="ctr"/>
-            <a:endParaRPr lang="zh-TW" altLang="en-US" dirty="0"/>
-          </a:p>
-        </p:txBody>
-      </p:sp>
-      <p:pic>
-        <p:nvPicPr>
-          <p:cNvPr id="4" name="圖片 3">
-            <a:extLst>
-              <a:ext uri="{FF2B5EF4-FFF2-40B4-BE49-F238E27FC236}">
-                <a16:creationId xmlns:a16="http://schemas.microsoft.com/office/drawing/2014/main" id="{10A3882F-DC0D-49A1-A9AB-E6ADBD2DB1CF}"/>
-              </a:ext>
-            </a:extLst>
-          </p:cNvPr>
-          <p:cNvPicPr>
-            <a:picLocks noChangeAspect="1"/>
-          </p:cNvPicPr>
-          <p:nvPr/>
-        </p:nvPicPr>
-        <p:blipFill>
-          <a:blip r:embed="rId2">
-            <a:extLst>
-              <a:ext uri="{28A0092B-C50C-407E-A947-70E740481C1C}">
-                <a14:useLocalDpi xmlns:a14="http://schemas.microsoft.com/office/drawing/2010/main" val="0"/>
-              </a:ext>
-            </a:extLst>
-          </a:blip>
-          <a:stretch>
-            <a:fillRect/>
-          </a:stretch>
-        </p:blipFill>
-        <p:spPr>
-          <a:xfrm>
-            <a:off x="270833" y="2625435"/>
-            <a:ext cx="2634411" cy="2634411"/>
-          </a:xfrm>
-          <a:prstGeom prst="rect">
-            <a:avLst/>
-          </a:prstGeom>
-        </p:spPr>
-      </p:pic>
-      <p:pic>
-        <p:nvPicPr>
-          <p:cNvPr id="7" name="圖片 6">
-            <a:extLst>
-              <a:ext uri="{FF2B5EF4-FFF2-40B4-BE49-F238E27FC236}">
-                <a16:creationId xmlns:a16="http://schemas.microsoft.com/office/drawing/2014/main" id="{97ED89A0-AEF8-41DD-8C30-047ED09E4F34}"/>
-              </a:ext>
-            </a:extLst>
-          </p:cNvPr>
-          <p:cNvPicPr>
-            <a:picLocks noChangeAspect="1"/>
-          </p:cNvPicPr>
-          <p:nvPr/>
-        </p:nvPicPr>
-        <p:blipFill>
-          <a:blip r:embed="rId3">
-            <a:extLst>
-              <a:ext uri="{28A0092B-C50C-407E-A947-70E740481C1C}">
-                <a14:useLocalDpi xmlns:a14="http://schemas.microsoft.com/office/drawing/2010/main" val="0"/>
-              </a:ext>
-            </a:extLst>
-          </a:blip>
-          <a:stretch>
-            <a:fillRect/>
-          </a:stretch>
-        </p:blipFill>
-        <p:spPr>
-          <a:xfrm>
-            <a:off x="3043268" y="2625436"/>
-            <a:ext cx="2634411" cy="2634411"/>
-          </a:xfrm>
-          <a:prstGeom prst="rect">
-            <a:avLst/>
-          </a:prstGeom>
-        </p:spPr>
-      </p:pic>
-      <p:pic>
-        <p:nvPicPr>
-          <p:cNvPr id="11" name="圖片 10">
-            <a:extLst>
-              <a:ext uri="{FF2B5EF4-FFF2-40B4-BE49-F238E27FC236}">
-                <a16:creationId xmlns:a16="http://schemas.microsoft.com/office/drawing/2014/main" id="{DBCE65AC-7C67-42FF-9FD9-C2373C4EAE37}"/>
-              </a:ext>
-            </a:extLst>
-          </p:cNvPr>
-          <p:cNvPicPr>
-            <a:picLocks noChangeAspect="1"/>
-          </p:cNvPicPr>
-          <p:nvPr/>
-        </p:nvPicPr>
-        <p:blipFill>
-          <a:blip r:embed="rId4">
-            <a:extLst>
-              <a:ext uri="{28A0092B-C50C-407E-A947-70E740481C1C}">
-                <a14:useLocalDpi xmlns:a14="http://schemas.microsoft.com/office/drawing/2010/main" val="0"/>
-              </a:ext>
-            </a:extLst>
-          </a:blip>
-          <a:stretch>
-            <a:fillRect/>
-          </a:stretch>
-        </p:blipFill>
-        <p:spPr>
-          <a:xfrm>
-            <a:off x="7573294" y="2361455"/>
-            <a:ext cx="3162369" cy="3162369"/>
-          </a:xfrm>
-          <a:prstGeom prst="rect">
-            <a:avLst/>
-          </a:prstGeom>
-        </p:spPr>
-      </p:pic>
-    </p:spTree>
-    <p:extLst>
-      <p:ext uri="{BB962C8B-B14F-4D97-AF65-F5344CB8AC3E}">
-        <p14:creationId xmlns:p14="http://schemas.microsoft.com/office/powerpoint/2010/main" val="3176151749"/>
-      </p:ext>
-    </p:extLst>
-  </p:cSld>
-  <p:clrMapOvr>
-    <a:masterClrMapping/>
-  </p:clrMapOvr>
-</p:sld>
-</file>
-
-<file path=ppt/slides/slide15.xml><?xml version="1.0" encoding="utf-8"?>
-<p:sld xmlns:a="http://schemas.openxmlformats.org/drawingml/2006/main" xmlns:r="http://schemas.openxmlformats.org/officeDocument/2006/relationships" xmlns:p="http://schemas.openxmlformats.org/presentationml/2006/main">
-  <p:cSld>
-    <p:spTree>
-      <p:nvGrpSpPr>
-        <p:cNvPr id="1" name=""/>
-        <p:cNvGrpSpPr/>
-        <p:nvPr/>
-      </p:nvGrpSpPr>
-      <p:grpSpPr>
-        <a:xfrm>
-          <a:off x="0" y="0"/>
-          <a:ext cx="0" cy="0"/>
-          <a:chOff x="0" y="0"/>
-          <a:chExt cx="0" cy="0"/>
-        </a:xfrm>
-      </p:grpSpPr>
-      <p:sp>
-        <p:nvSpPr>
-          <p:cNvPr id="2" name="矩形 1"/>
-          <p:cNvSpPr/>
-          <p:nvPr/>
-        </p:nvSpPr>
-        <p:spPr>
-          <a:xfrm>
-            <a:off x="983226" y="333985"/>
-            <a:ext cx="4236416" cy="646331"/>
-          </a:xfrm>
-          <a:prstGeom prst="rect">
-            <a:avLst/>
-          </a:prstGeom>
-        </p:spPr>
-        <p:txBody>
-          <a:bodyPr wrap="none">
-            <a:spAutoFit/>
-          </a:bodyPr>
-          <a:lstStyle/>
-          <a:p>
-            <a:r>
-              <a:rPr lang="en-US" altLang="zh-TW" sz="3600" dirty="0">
-                <a:ea typeface="微軟正黑體" panose="020B0604030504040204" pitchFamily="34" charset="-120"/>
-              </a:rPr>
-              <a:t>f</a:t>
-            </a:r>
-            <a:r>
-              <a:rPr lang="en-US" altLang="zh-TW" sz="3600" dirty="0" smtClean="0">
-                <a:ea typeface="微軟正黑體" panose="020B0604030504040204" pitchFamily="34" charset="-120"/>
-              </a:rPr>
-              <a:t>ruit.py</a:t>
-            </a:r>
-            <a:r>
-              <a:rPr lang="zh-TW" altLang="en-US" sz="3600" dirty="0" smtClean="0">
-                <a:ea typeface="微軟正黑體" panose="020B0604030504040204" pitchFamily="34" charset="-120"/>
-              </a:rPr>
-              <a:t>演算法流程</a:t>
-            </a:r>
-            <a:r>
-              <a:rPr lang="en-US" altLang="zh-TW" sz="3600" dirty="0" smtClean="0">
-                <a:ea typeface="微軟正黑體" panose="020B0604030504040204" pitchFamily="34" charset="-120"/>
-              </a:rPr>
-              <a:t>-1</a:t>
-            </a:r>
-            <a:endParaRPr lang="zh-TW" altLang="en-US" sz="3600" dirty="0"/>
-          </a:p>
-        </p:txBody>
-      </p:sp>
-      <p:sp>
-        <p:nvSpPr>
-          <p:cNvPr id="3" name="文字方塊 2"/>
-          <p:cNvSpPr txBox="1"/>
-          <p:nvPr/>
-        </p:nvSpPr>
-        <p:spPr>
-          <a:xfrm>
-            <a:off x="714829" y="980316"/>
-            <a:ext cx="5115700" cy="4801314"/>
-          </a:xfrm>
-          <a:prstGeom prst="rect">
-            <a:avLst/>
-          </a:prstGeom>
-          <a:noFill/>
-        </p:spPr>
-        <p:txBody>
-          <a:bodyPr wrap="square" rtlCol="0">
-            <a:spAutoFit/>
-          </a:bodyPr>
-          <a:lstStyle/>
-          <a:p>
-            <a:r>
-              <a:rPr lang="en-US" altLang="zh-TW" dirty="0" err="1"/>
-              <a:t>def</a:t>
-            </a:r>
-            <a:r>
-              <a:rPr lang="en-US" altLang="zh-TW" dirty="0"/>
-              <a:t> </a:t>
-            </a:r>
-            <a:r>
-              <a:rPr lang="en-US" altLang="zh-TW" dirty="0" err="1"/>
-              <a:t>getLplacianAdd</a:t>
-            </a:r>
-            <a:r>
-              <a:rPr lang="en-US" altLang="zh-TW" dirty="0"/>
-              <a:t>(gauss, g):</a:t>
-            </a:r>
-          </a:p>
-          <a:p>
-            <a:r>
-              <a:rPr lang="en-US" altLang="zh-TW" dirty="0"/>
-              <a:t>    </a:t>
-            </a:r>
-            <a:r>
-              <a:rPr lang="en-US" altLang="zh-TW" dirty="0" err="1"/>
-              <a:t>gauss_width</a:t>
-            </a:r>
-            <a:r>
-              <a:rPr lang="en-US" altLang="zh-TW" dirty="0"/>
-              <a:t> = </a:t>
-            </a:r>
-            <a:r>
-              <a:rPr lang="en-US" altLang="zh-TW" dirty="0" err="1"/>
-              <a:t>gauss.shape</a:t>
-            </a:r>
-            <a:r>
-              <a:rPr lang="en-US" altLang="zh-TW" dirty="0"/>
-              <a:t>[0]</a:t>
-            </a:r>
-          </a:p>
-          <a:p>
-            <a:r>
-              <a:rPr lang="en-US" altLang="zh-TW" dirty="0"/>
-              <a:t>    </a:t>
-            </a:r>
-            <a:r>
-              <a:rPr lang="en-US" altLang="zh-TW" dirty="0" err="1"/>
-              <a:t>gauss_height</a:t>
-            </a:r>
-            <a:r>
-              <a:rPr lang="en-US" altLang="zh-TW" dirty="0"/>
-              <a:t> = </a:t>
-            </a:r>
-            <a:r>
-              <a:rPr lang="en-US" altLang="zh-TW" dirty="0" err="1"/>
-              <a:t>gauss.shape</a:t>
-            </a:r>
-            <a:r>
-              <a:rPr lang="en-US" altLang="zh-TW" dirty="0"/>
-              <a:t>[1]</a:t>
-            </a:r>
-          </a:p>
-          <a:p>
-            <a:r>
-              <a:rPr lang="en-US" altLang="zh-TW" dirty="0"/>
-              <a:t>    </a:t>
-            </a:r>
-            <a:r>
-              <a:rPr lang="en-US" altLang="zh-TW" dirty="0" err="1"/>
-              <a:t>g_width</a:t>
-            </a:r>
-            <a:r>
-              <a:rPr lang="en-US" altLang="zh-TW" dirty="0"/>
-              <a:t> = </a:t>
-            </a:r>
-            <a:r>
-              <a:rPr lang="en-US" altLang="zh-TW" dirty="0" err="1"/>
-              <a:t>g.shape</a:t>
-            </a:r>
-            <a:r>
-              <a:rPr lang="en-US" altLang="zh-TW" dirty="0"/>
-              <a:t>[0]</a:t>
-            </a:r>
-          </a:p>
-          <a:p>
-            <a:r>
-              <a:rPr lang="en-US" altLang="zh-TW" dirty="0"/>
-              <a:t>    </a:t>
-            </a:r>
-            <a:r>
-              <a:rPr lang="en-US" altLang="zh-TW" dirty="0" err="1"/>
-              <a:t>g_height</a:t>
-            </a:r>
-            <a:r>
-              <a:rPr lang="en-US" altLang="zh-TW" dirty="0"/>
-              <a:t> = </a:t>
-            </a:r>
-            <a:r>
-              <a:rPr lang="en-US" altLang="zh-TW" dirty="0" err="1"/>
-              <a:t>g.shape</a:t>
-            </a:r>
-            <a:r>
-              <a:rPr lang="en-US" altLang="zh-TW" dirty="0"/>
-              <a:t>[1]</a:t>
-            </a:r>
-          </a:p>
-          <a:p>
-            <a:r>
-              <a:rPr lang="en-US" altLang="zh-TW" dirty="0"/>
-              <a:t>    </a:t>
-            </a:r>
-            <a:r>
-              <a:rPr lang="en-US" altLang="zh-TW" dirty="0" err="1"/>
-              <a:t>d_width</a:t>
-            </a:r>
-            <a:r>
-              <a:rPr lang="en-US" altLang="zh-TW" dirty="0"/>
-              <a:t> = </a:t>
-            </a:r>
-            <a:r>
-              <a:rPr lang="en-US" altLang="zh-TW" dirty="0" err="1"/>
-              <a:t>g_width</a:t>
-            </a:r>
-            <a:r>
-              <a:rPr lang="en-US" altLang="zh-TW" dirty="0"/>
-              <a:t> - </a:t>
-            </a:r>
-            <a:r>
-              <a:rPr lang="en-US" altLang="zh-TW" dirty="0" err="1"/>
-              <a:t>gauss_width</a:t>
-            </a:r>
-            <a:endParaRPr lang="en-US" altLang="zh-TW" dirty="0"/>
-          </a:p>
-          <a:p>
-            <a:r>
-              <a:rPr lang="en-US" altLang="zh-TW" dirty="0"/>
-              <a:t>    </a:t>
-            </a:r>
-            <a:r>
-              <a:rPr lang="en-US" altLang="zh-TW" dirty="0" err="1"/>
-              <a:t>d_height</a:t>
-            </a:r>
-            <a:r>
-              <a:rPr lang="en-US" altLang="zh-TW" dirty="0"/>
-              <a:t> = </a:t>
-            </a:r>
-            <a:r>
-              <a:rPr lang="en-US" altLang="zh-TW" dirty="0" err="1"/>
-              <a:t>g_height</a:t>
-            </a:r>
-            <a:r>
-              <a:rPr lang="en-US" altLang="zh-TW" dirty="0"/>
-              <a:t> - </a:t>
-            </a:r>
-            <a:r>
-              <a:rPr lang="en-US" altLang="zh-TW" dirty="0" err="1"/>
-              <a:t>gauss_height</a:t>
-            </a:r>
-            <a:endParaRPr lang="en-US" altLang="zh-TW" dirty="0"/>
-          </a:p>
-          <a:p>
-            <a:r>
-              <a:rPr lang="en-US" altLang="zh-TW" dirty="0"/>
-              <a:t>    if </a:t>
-            </a:r>
-            <a:r>
-              <a:rPr lang="en-US" altLang="zh-TW" dirty="0" err="1"/>
-              <a:t>d_width</a:t>
-            </a:r>
-            <a:r>
-              <a:rPr lang="en-US" altLang="zh-TW" dirty="0"/>
-              <a:t> != 0 or </a:t>
-            </a:r>
-            <a:r>
-              <a:rPr lang="en-US" altLang="zh-TW" dirty="0" err="1"/>
-              <a:t>d_height</a:t>
-            </a:r>
-            <a:r>
-              <a:rPr lang="en-US" altLang="zh-TW" dirty="0"/>
-              <a:t> != 0:</a:t>
-            </a:r>
-          </a:p>
-          <a:p>
-            <a:r>
-              <a:rPr lang="en-US" altLang="zh-TW" dirty="0"/>
-              <a:t>        temp = cv2.copyMakeBorder(</a:t>
-            </a:r>
-          </a:p>
-          <a:p>
-            <a:r>
-              <a:rPr lang="en-US" altLang="zh-TW" dirty="0"/>
-              <a:t>            gauss, </a:t>
-            </a:r>
-            <a:r>
-              <a:rPr lang="en-US" altLang="zh-TW" dirty="0" err="1"/>
-              <a:t>d_width</a:t>
-            </a:r>
-            <a:r>
-              <a:rPr lang="en-US" altLang="zh-TW" dirty="0"/>
-              <a:t>, 0, </a:t>
-            </a:r>
-            <a:r>
-              <a:rPr lang="en-US" altLang="zh-TW" dirty="0" err="1"/>
-              <a:t>d_height</a:t>
-            </a:r>
-            <a:r>
-              <a:rPr lang="en-US" altLang="zh-TW" dirty="0"/>
-              <a:t>, 0, cv2.BORDER_REPLICATE)</a:t>
-            </a:r>
-          </a:p>
-          <a:p>
-            <a:r>
-              <a:rPr lang="en-US" altLang="zh-TW" dirty="0"/>
-              <a:t>    else:</a:t>
-            </a:r>
-          </a:p>
-          <a:p>
-            <a:r>
-              <a:rPr lang="en-US" altLang="zh-TW" dirty="0"/>
-              <a:t>        temp = gauss</a:t>
-            </a:r>
-          </a:p>
-          <a:p>
-            <a:r>
-              <a:rPr lang="en-US" altLang="zh-TW" dirty="0"/>
-              <a:t>    layer = cv2.add(temp, g)</a:t>
-            </a:r>
-          </a:p>
-          <a:p>
-            <a:r>
-              <a:rPr lang="en-US" altLang="zh-TW" dirty="0"/>
-              <a:t>    return layer</a:t>
-            </a:r>
-          </a:p>
-          <a:p>
-            <a:r>
-              <a:rPr lang="en-US" altLang="zh-TW" dirty="0"/>
-              <a:t/>
-            </a:r>
-            <a:br>
-              <a:rPr lang="en-US" altLang="zh-TW" dirty="0"/>
-            </a:br>
-            <a:endParaRPr lang="en-US" altLang="zh-TW" dirty="0"/>
-          </a:p>
-        </p:txBody>
-      </p:sp>
-      <p:sp>
-        <p:nvSpPr>
-          <p:cNvPr id="4" name="文字方塊 3"/>
-          <p:cNvSpPr txBox="1"/>
-          <p:nvPr/>
-        </p:nvSpPr>
-        <p:spPr>
-          <a:xfrm>
-            <a:off x="6272980" y="980316"/>
-            <a:ext cx="5309420" cy="4524315"/>
-          </a:xfrm>
-          <a:prstGeom prst="rect">
-            <a:avLst/>
-          </a:prstGeom>
-          <a:noFill/>
-        </p:spPr>
-        <p:txBody>
-          <a:bodyPr wrap="square" rtlCol="0">
-            <a:spAutoFit/>
-          </a:bodyPr>
-          <a:lstStyle/>
-          <a:p>
-            <a:r>
-              <a:rPr lang="en-US" altLang="zh-TW" dirty="0" err="1" smtClean="0"/>
-              <a:t>def</a:t>
-            </a:r>
-            <a:r>
-              <a:rPr lang="en-US" altLang="zh-TW" dirty="0"/>
-              <a:t> </a:t>
-            </a:r>
-            <a:r>
-              <a:rPr lang="en-US" altLang="zh-TW" dirty="0" err="1"/>
-              <a:t>getLplacianSub</a:t>
-            </a:r>
-            <a:r>
-              <a:rPr lang="en-US" altLang="zh-TW" dirty="0"/>
-              <a:t>(gauss, g):</a:t>
-            </a:r>
-          </a:p>
-          <a:p>
-            <a:r>
-              <a:rPr lang="en-US" altLang="zh-TW" dirty="0"/>
-              <a:t>    </a:t>
-            </a:r>
-            <a:r>
-              <a:rPr lang="en-US" altLang="zh-TW" dirty="0" err="1"/>
-              <a:t>gauss_width</a:t>
-            </a:r>
-            <a:r>
-              <a:rPr lang="en-US" altLang="zh-TW" dirty="0"/>
-              <a:t> = </a:t>
-            </a:r>
-            <a:r>
-              <a:rPr lang="en-US" altLang="zh-TW" dirty="0" err="1"/>
-              <a:t>gauss.shape</a:t>
-            </a:r>
-            <a:r>
-              <a:rPr lang="en-US" altLang="zh-TW" dirty="0"/>
-              <a:t>[0]</a:t>
-            </a:r>
-          </a:p>
-          <a:p>
-            <a:r>
-              <a:rPr lang="en-US" altLang="zh-TW" dirty="0"/>
-              <a:t>    </a:t>
-            </a:r>
-            <a:r>
-              <a:rPr lang="en-US" altLang="zh-TW" dirty="0" err="1"/>
-              <a:t>gauss_height</a:t>
-            </a:r>
-            <a:r>
-              <a:rPr lang="en-US" altLang="zh-TW" dirty="0"/>
-              <a:t> = </a:t>
-            </a:r>
-            <a:r>
-              <a:rPr lang="en-US" altLang="zh-TW" dirty="0" err="1"/>
-              <a:t>gauss.shape</a:t>
-            </a:r>
-            <a:r>
-              <a:rPr lang="en-US" altLang="zh-TW" dirty="0"/>
-              <a:t>[1]</a:t>
-            </a:r>
-          </a:p>
-          <a:p>
-            <a:r>
-              <a:rPr lang="en-US" altLang="zh-TW" dirty="0"/>
-              <a:t>    </a:t>
-            </a:r>
-            <a:r>
-              <a:rPr lang="en-US" altLang="zh-TW" dirty="0" err="1"/>
-              <a:t>g_width</a:t>
-            </a:r>
-            <a:r>
-              <a:rPr lang="en-US" altLang="zh-TW" dirty="0"/>
-              <a:t> = </a:t>
-            </a:r>
-            <a:r>
-              <a:rPr lang="en-US" altLang="zh-TW" dirty="0" err="1"/>
-              <a:t>g.shape</a:t>
-            </a:r>
-            <a:r>
-              <a:rPr lang="en-US" altLang="zh-TW" dirty="0"/>
-              <a:t>[0]</a:t>
-            </a:r>
-          </a:p>
-          <a:p>
-            <a:r>
-              <a:rPr lang="en-US" altLang="zh-TW" dirty="0"/>
-              <a:t>    </a:t>
-            </a:r>
-            <a:r>
-              <a:rPr lang="en-US" altLang="zh-TW" dirty="0" err="1"/>
-              <a:t>g_height</a:t>
-            </a:r>
-            <a:r>
-              <a:rPr lang="en-US" altLang="zh-TW" dirty="0"/>
-              <a:t> = </a:t>
-            </a:r>
-            <a:r>
-              <a:rPr lang="en-US" altLang="zh-TW" dirty="0" err="1"/>
-              <a:t>g.shape</a:t>
-            </a:r>
-            <a:r>
-              <a:rPr lang="en-US" altLang="zh-TW" dirty="0"/>
-              <a:t>[1]</a:t>
-            </a:r>
-          </a:p>
-          <a:p>
-            <a:r>
-              <a:rPr lang="en-US" altLang="zh-TW" dirty="0"/>
-              <a:t>    </a:t>
-            </a:r>
-            <a:r>
-              <a:rPr lang="en-US" altLang="zh-TW" dirty="0" err="1"/>
-              <a:t>d_width</a:t>
-            </a:r>
-            <a:r>
-              <a:rPr lang="en-US" altLang="zh-TW" dirty="0"/>
-              <a:t> = </a:t>
-            </a:r>
-            <a:r>
-              <a:rPr lang="en-US" altLang="zh-TW" dirty="0" err="1"/>
-              <a:t>g_width</a:t>
-            </a:r>
-            <a:r>
-              <a:rPr lang="en-US" altLang="zh-TW" dirty="0"/>
-              <a:t> - </a:t>
-            </a:r>
-            <a:r>
-              <a:rPr lang="en-US" altLang="zh-TW" dirty="0" err="1"/>
-              <a:t>gauss_width</a:t>
-            </a:r>
-            <a:endParaRPr lang="en-US" altLang="zh-TW" dirty="0"/>
-          </a:p>
-          <a:p>
-            <a:r>
-              <a:rPr lang="en-US" altLang="zh-TW" dirty="0"/>
-              <a:t>    </a:t>
-            </a:r>
-            <a:r>
-              <a:rPr lang="en-US" altLang="zh-TW" dirty="0" err="1"/>
-              <a:t>d_height</a:t>
-            </a:r>
-            <a:r>
-              <a:rPr lang="en-US" altLang="zh-TW" dirty="0"/>
-              <a:t> = </a:t>
-            </a:r>
-            <a:r>
-              <a:rPr lang="en-US" altLang="zh-TW" dirty="0" err="1"/>
-              <a:t>g_height</a:t>
-            </a:r>
-            <a:r>
-              <a:rPr lang="en-US" altLang="zh-TW" dirty="0"/>
-              <a:t> - </a:t>
-            </a:r>
-            <a:r>
-              <a:rPr lang="en-US" altLang="zh-TW" dirty="0" err="1"/>
-              <a:t>gauss_height</a:t>
-            </a:r>
-            <a:endParaRPr lang="en-US" altLang="zh-TW" dirty="0"/>
-          </a:p>
-          <a:p>
-            <a:r>
-              <a:rPr lang="en-US" altLang="zh-TW" dirty="0"/>
-              <a:t>    if </a:t>
-            </a:r>
-            <a:r>
-              <a:rPr lang="en-US" altLang="zh-TW" dirty="0" err="1"/>
-              <a:t>d_width</a:t>
-            </a:r>
-            <a:r>
-              <a:rPr lang="en-US" altLang="zh-TW" dirty="0"/>
-              <a:t> != 0 or </a:t>
-            </a:r>
-            <a:r>
-              <a:rPr lang="en-US" altLang="zh-TW" dirty="0" err="1"/>
-              <a:t>d_height</a:t>
-            </a:r>
-            <a:r>
-              <a:rPr lang="en-US" altLang="zh-TW" dirty="0"/>
-              <a:t> != 0:</a:t>
-            </a:r>
-          </a:p>
-          <a:p>
-            <a:r>
-              <a:rPr lang="en-US" altLang="zh-TW" dirty="0"/>
-              <a:t>        temp = cv2.copyMakeBorder(</a:t>
-            </a:r>
-          </a:p>
-          <a:p>
-            <a:r>
-              <a:rPr lang="en-US" altLang="zh-TW" dirty="0"/>
-              <a:t>            gauss, </a:t>
-            </a:r>
-            <a:r>
-              <a:rPr lang="en-US" altLang="zh-TW" dirty="0" err="1"/>
-              <a:t>d_width</a:t>
-            </a:r>
-            <a:r>
-              <a:rPr lang="en-US" altLang="zh-TW" dirty="0"/>
-              <a:t>, 0, </a:t>
-            </a:r>
-            <a:r>
-              <a:rPr lang="en-US" altLang="zh-TW" dirty="0" err="1"/>
-              <a:t>d_height</a:t>
-            </a:r>
-            <a:r>
-              <a:rPr lang="en-US" altLang="zh-TW" dirty="0"/>
-              <a:t>, 0, cv2.BORDER_REPLICATE)</a:t>
-            </a:r>
-          </a:p>
-          <a:p>
-            <a:r>
-              <a:rPr lang="en-US" altLang="zh-TW" dirty="0"/>
-              <a:t>    else:</a:t>
-            </a:r>
-          </a:p>
-          <a:p>
-            <a:r>
-              <a:rPr lang="en-US" altLang="zh-TW" dirty="0"/>
-              <a:t>        temp = gauss</a:t>
-            </a:r>
-          </a:p>
-          <a:p>
-            <a:r>
-              <a:rPr lang="en-US" altLang="zh-TW" dirty="0"/>
-              <a:t>    layer = cv2.subtract(temp, g)</a:t>
-            </a:r>
-          </a:p>
-          <a:p>
-            <a:r>
-              <a:rPr lang="en-US" altLang="zh-TW" dirty="0"/>
-              <a:t>    return layer</a:t>
-            </a:r>
-          </a:p>
-          <a:p>
-            <a:endParaRPr lang="zh-TW" altLang="en-US" dirty="0"/>
-          </a:p>
-        </p:txBody>
-      </p:sp>
-    </p:spTree>
-    <p:extLst>
-      <p:ext uri="{BB962C8B-B14F-4D97-AF65-F5344CB8AC3E}">
-        <p14:creationId xmlns:p14="http://schemas.microsoft.com/office/powerpoint/2010/main" val="3008266299"/>
-      </p:ext>
-    </p:extLst>
-  </p:cSld>
-  <p:clrMapOvr>
-    <a:masterClrMapping/>
-  </p:clrMapOvr>
-</p:sld>
-</file>
-
-<file path=ppt/slides/slide16.xml><?xml version="1.0" encoding="utf-8"?>
-<p:sld xmlns:a="http://schemas.openxmlformats.org/drawingml/2006/main" xmlns:r="http://schemas.openxmlformats.org/officeDocument/2006/relationships" xmlns:p="http://schemas.openxmlformats.org/presentationml/2006/main">
-  <p:cSld>
-    <p:spTree>
-      <p:nvGrpSpPr>
-        <p:cNvPr id="1" name=""/>
-        <p:cNvGrpSpPr/>
-        <p:nvPr/>
-      </p:nvGrpSpPr>
-      <p:grpSpPr>
-        <a:xfrm>
-          <a:off x="0" y="0"/>
-          <a:ext cx="0" cy="0"/>
-          <a:chOff x="0" y="0"/>
-          <a:chExt cx="0" cy="0"/>
-        </a:xfrm>
-      </p:grpSpPr>
-      <p:sp>
-        <p:nvSpPr>
-          <p:cNvPr id="2" name="矩形 1"/>
-          <p:cNvSpPr/>
-          <p:nvPr/>
-        </p:nvSpPr>
-        <p:spPr>
-          <a:xfrm>
-            <a:off x="884904" y="980316"/>
-            <a:ext cx="5112774" cy="4524315"/>
-          </a:xfrm>
-          <a:prstGeom prst="rect">
-            <a:avLst/>
-          </a:prstGeom>
-        </p:spPr>
-        <p:txBody>
-          <a:bodyPr wrap="square">
-            <a:spAutoFit/>
-          </a:bodyPr>
-          <a:lstStyle/>
-          <a:p>
-            <a:r>
-              <a:rPr lang="en-US" altLang="zh-TW" dirty="0" err="1"/>
-              <a:t>def</a:t>
-            </a:r>
-            <a:r>
-              <a:rPr lang="en-US" altLang="zh-TW" dirty="0"/>
-              <a:t> </a:t>
-            </a:r>
-            <a:r>
-              <a:rPr lang="en-US" altLang="zh-TW" dirty="0" err="1"/>
-              <a:t>restoreXY</a:t>
-            </a:r>
-            <a:r>
-              <a:rPr lang="en-US" altLang="zh-TW" dirty="0"/>
-              <a:t>(origin, present):</a:t>
-            </a:r>
-          </a:p>
-          <a:p>
-            <a:r>
-              <a:rPr lang="en-US" altLang="zh-TW" dirty="0"/>
-              <a:t>    </a:t>
-            </a:r>
-            <a:r>
-              <a:rPr lang="en-US" altLang="zh-TW" dirty="0" err="1"/>
-              <a:t>ori_row</a:t>
-            </a:r>
-            <a:r>
-              <a:rPr lang="en-US" altLang="zh-TW" dirty="0"/>
-              <a:t> = </a:t>
-            </a:r>
-            <a:r>
-              <a:rPr lang="en-US" altLang="zh-TW" dirty="0" err="1"/>
-              <a:t>origin.shape</a:t>
-            </a:r>
-            <a:r>
-              <a:rPr lang="en-US" altLang="zh-TW" dirty="0"/>
-              <a:t>[0]</a:t>
-            </a:r>
-          </a:p>
-          <a:p>
-            <a:r>
-              <a:rPr lang="en-US" altLang="zh-TW" dirty="0"/>
-              <a:t>    </a:t>
-            </a:r>
-            <a:r>
-              <a:rPr lang="en-US" altLang="zh-TW" dirty="0" err="1"/>
-              <a:t>ori_col</a:t>
-            </a:r>
-            <a:r>
-              <a:rPr lang="en-US" altLang="zh-TW" dirty="0"/>
-              <a:t> = </a:t>
-            </a:r>
-            <a:r>
-              <a:rPr lang="en-US" altLang="zh-TW" dirty="0" err="1"/>
-              <a:t>origin.shape</a:t>
-            </a:r>
-            <a:r>
-              <a:rPr lang="en-US" altLang="zh-TW" dirty="0"/>
-              <a:t>[1]</a:t>
-            </a:r>
-          </a:p>
-          <a:p>
-            <a:r>
-              <a:rPr lang="en-US" altLang="zh-TW" dirty="0"/>
-              <a:t>    </a:t>
-            </a:r>
-            <a:r>
-              <a:rPr lang="en-US" altLang="zh-TW" dirty="0" err="1"/>
-              <a:t>pre_row</a:t>
-            </a:r>
-            <a:r>
-              <a:rPr lang="en-US" altLang="zh-TW" dirty="0"/>
-              <a:t> = </a:t>
-            </a:r>
-            <a:r>
-              <a:rPr lang="en-US" altLang="zh-TW" dirty="0" err="1"/>
-              <a:t>present.shape</a:t>
-            </a:r>
-            <a:r>
-              <a:rPr lang="en-US" altLang="zh-TW" dirty="0"/>
-              <a:t>[0]</a:t>
-            </a:r>
-          </a:p>
-          <a:p>
-            <a:r>
-              <a:rPr lang="en-US" altLang="zh-TW" dirty="0"/>
-              <a:t>    </a:t>
-            </a:r>
-            <a:r>
-              <a:rPr lang="en-US" altLang="zh-TW" dirty="0" err="1"/>
-              <a:t>pre_col</a:t>
-            </a:r>
-            <a:r>
-              <a:rPr lang="en-US" altLang="zh-TW" dirty="0"/>
-              <a:t> = </a:t>
-            </a:r>
-            <a:r>
-              <a:rPr lang="en-US" altLang="zh-TW" dirty="0" err="1"/>
-              <a:t>present.shape</a:t>
-            </a:r>
-            <a:r>
-              <a:rPr lang="en-US" altLang="zh-TW" dirty="0"/>
-              <a:t>[1]</a:t>
-            </a:r>
-          </a:p>
-          <a:p>
-            <a:r>
-              <a:rPr lang="en-US" altLang="zh-TW" dirty="0"/>
-              <a:t>    if </a:t>
-            </a:r>
-            <a:r>
-              <a:rPr lang="en-US" altLang="zh-TW" dirty="0" err="1"/>
-              <a:t>ori_row</a:t>
-            </a:r>
-            <a:r>
-              <a:rPr lang="en-US" altLang="zh-TW" dirty="0"/>
-              <a:t> != </a:t>
-            </a:r>
-            <a:r>
-              <a:rPr lang="en-US" altLang="zh-TW" dirty="0" err="1"/>
-              <a:t>pre_row</a:t>
-            </a:r>
-            <a:r>
-              <a:rPr lang="en-US" altLang="zh-TW" dirty="0"/>
-              <a:t> or </a:t>
-            </a:r>
-            <a:r>
-              <a:rPr lang="en-US" altLang="zh-TW" dirty="0" err="1"/>
-              <a:t>ori_col</a:t>
-            </a:r>
-            <a:r>
-              <a:rPr lang="en-US" altLang="zh-TW" dirty="0"/>
-              <a:t> != </a:t>
-            </a:r>
-            <a:r>
-              <a:rPr lang="en-US" altLang="zh-TW" dirty="0" err="1"/>
-              <a:t>pre_col</a:t>
-            </a:r>
-            <a:r>
-              <a:rPr lang="en-US" altLang="zh-TW" dirty="0"/>
-              <a:t>:</a:t>
-            </a:r>
-          </a:p>
-          <a:p>
-            <a:r>
-              <a:rPr lang="en-US" altLang="zh-TW" dirty="0"/>
-              <a:t>        result = present[</a:t>
-            </a:r>
-            <a:r>
-              <a:rPr lang="en-US" altLang="zh-TW" dirty="0" err="1"/>
-              <a:t>pre_row</a:t>
-            </a:r>
-            <a:r>
-              <a:rPr lang="en-US" altLang="zh-TW" dirty="0"/>
-              <a:t> - </a:t>
-            </a:r>
-            <a:r>
-              <a:rPr lang="en-US" altLang="zh-TW" dirty="0" err="1"/>
-              <a:t>ori_row</a:t>
-            </a:r>
-            <a:r>
-              <a:rPr lang="en-US" altLang="zh-TW" dirty="0"/>
-              <a:t>:, </a:t>
-            </a:r>
-            <a:r>
-              <a:rPr lang="en-US" altLang="zh-TW" dirty="0" err="1"/>
-              <a:t>pre_col</a:t>
-            </a:r>
-            <a:r>
-              <a:rPr lang="en-US" altLang="zh-TW" dirty="0"/>
-              <a:t> - </a:t>
-            </a:r>
-            <a:r>
-              <a:rPr lang="en-US" altLang="zh-TW" dirty="0" err="1"/>
-              <a:t>ori_col</a:t>
-            </a:r>
-            <a:r>
-              <a:rPr lang="en-US" altLang="zh-TW" dirty="0"/>
-              <a:t>:]</a:t>
-            </a:r>
-          </a:p>
-          <a:p>
-            <a:r>
-              <a:rPr lang="en-US" altLang="zh-TW" dirty="0"/>
-              <a:t>    else:</a:t>
-            </a:r>
-          </a:p>
-          <a:p>
-            <a:r>
-              <a:rPr lang="en-US" altLang="zh-TW" dirty="0"/>
-              <a:t>        result = present</a:t>
-            </a:r>
-          </a:p>
-          <a:p>
-            <a:r>
-              <a:rPr lang="en-US" altLang="zh-TW" dirty="0"/>
-              <a:t>    return result</a:t>
-            </a:r>
-          </a:p>
-          <a:p>
-            <a:r>
-              <a:rPr lang="en-US" altLang="zh-TW" dirty="0"/>
-              <a:t/>
-            </a:r>
-            <a:br>
-              <a:rPr lang="en-US" altLang="zh-TW" dirty="0"/>
-            </a:br>
-            <a:r>
-              <a:rPr lang="en-US" altLang="zh-TW" dirty="0"/>
-              <a:t>apple = cv2.imread("./images/apple.jpg")</a:t>
-            </a:r>
-          </a:p>
-          <a:p>
-            <a:r>
-              <a:rPr lang="en-US" altLang="zh-TW" dirty="0"/>
-              <a:t>orange = cv2.imread("./images/orange.jpg")</a:t>
-            </a:r>
-          </a:p>
-          <a:p>
-            <a:r>
-              <a:rPr lang="en-US" altLang="zh-TW" dirty="0"/>
-              <a:t/>
-            </a:r>
-            <a:br>
-              <a:rPr lang="en-US" altLang="zh-TW" dirty="0"/>
-            </a:br>
-            <a:r>
-              <a:rPr lang="en-US" altLang="zh-TW" dirty="0" err="1"/>
-              <a:t>gpL</a:t>
-            </a:r>
-            <a:r>
-              <a:rPr lang="en-US" altLang="zh-TW" dirty="0"/>
-              <a:t> = 6</a:t>
-            </a:r>
-          </a:p>
-        </p:txBody>
-      </p:sp>
-      <p:sp>
-        <p:nvSpPr>
-          <p:cNvPr id="3" name="矩形 2"/>
-          <p:cNvSpPr/>
-          <p:nvPr/>
-        </p:nvSpPr>
-        <p:spPr>
-          <a:xfrm>
-            <a:off x="983226" y="333985"/>
-            <a:ext cx="4236416" cy="646331"/>
-          </a:xfrm>
-          <a:prstGeom prst="rect">
-            <a:avLst/>
-          </a:prstGeom>
-        </p:spPr>
-        <p:txBody>
-          <a:bodyPr wrap="none">
-            <a:spAutoFit/>
-          </a:bodyPr>
-          <a:lstStyle/>
-          <a:p>
-            <a:r>
-              <a:rPr lang="en-US" altLang="zh-TW" sz="3600" dirty="0">
-                <a:ea typeface="微軟正黑體" panose="020B0604030504040204" pitchFamily="34" charset="-120"/>
-              </a:rPr>
-              <a:t>fruit.py</a:t>
-            </a:r>
-            <a:r>
-              <a:rPr lang="zh-TW" altLang="en-US" sz="3600" dirty="0" smtClean="0">
-                <a:ea typeface="微軟正黑體" panose="020B0604030504040204" pitchFamily="34" charset="-120"/>
-              </a:rPr>
-              <a:t>演算法流程</a:t>
-            </a:r>
-            <a:r>
-              <a:rPr lang="en-US" altLang="zh-TW" sz="3600" dirty="0" smtClean="0">
-                <a:ea typeface="微軟正黑體" panose="020B0604030504040204" pitchFamily="34" charset="-120"/>
-              </a:rPr>
-              <a:t>-2</a:t>
-            </a:r>
-            <a:endParaRPr lang="zh-TW" altLang="en-US" sz="3600" dirty="0"/>
-          </a:p>
-        </p:txBody>
-      </p:sp>
-      <p:sp>
-        <p:nvSpPr>
-          <p:cNvPr id="4" name="文字方塊 3"/>
-          <p:cNvSpPr txBox="1"/>
-          <p:nvPr/>
-        </p:nvSpPr>
-        <p:spPr>
-          <a:xfrm>
-            <a:off x="6292645" y="835742"/>
-            <a:ext cx="5486400" cy="5355312"/>
-          </a:xfrm>
-          <a:prstGeom prst="rect">
-            <a:avLst/>
-          </a:prstGeom>
-          <a:noFill/>
-        </p:spPr>
-        <p:txBody>
-          <a:bodyPr wrap="square" rtlCol="0">
-            <a:spAutoFit/>
-          </a:bodyPr>
-          <a:lstStyle/>
-          <a:p>
-            <a:r>
-              <a:rPr lang="en-US" altLang="zh-TW" dirty="0" smtClean="0"/>
-              <a:t>#</a:t>
-            </a:r>
-            <a:r>
-              <a:rPr lang="en-US" altLang="zh-TW" dirty="0"/>
-              <a:t> apple</a:t>
-            </a:r>
-          </a:p>
-          <a:p>
-            <a:r>
-              <a:rPr lang="en-US" altLang="zh-TW" dirty="0" err="1"/>
-              <a:t>gpA</a:t>
-            </a:r>
-            <a:r>
-              <a:rPr lang="en-US" altLang="zh-TW" dirty="0"/>
-              <a:t> = [apple]</a:t>
-            </a:r>
-          </a:p>
-          <a:p>
-            <a:r>
-              <a:rPr lang="en-US" altLang="zh-TW" dirty="0"/>
-              <a:t>for </a:t>
-            </a:r>
-            <a:r>
-              <a:rPr lang="en-US" altLang="zh-TW" dirty="0" err="1"/>
-              <a:t>i</a:t>
-            </a:r>
-            <a:r>
-              <a:rPr lang="en-US" altLang="zh-TW" dirty="0"/>
-              <a:t> in range(</a:t>
-            </a:r>
-            <a:r>
-              <a:rPr lang="en-US" altLang="zh-TW" dirty="0" err="1"/>
-              <a:t>gpL</a:t>
-            </a:r>
-            <a:r>
-              <a:rPr lang="en-US" altLang="zh-TW" dirty="0"/>
-              <a:t>):</a:t>
-            </a:r>
-          </a:p>
-          <a:p>
-            <a:r>
-              <a:rPr lang="en-US" altLang="zh-TW" dirty="0"/>
-              <a:t>    g = cv2.pyrDown(</a:t>
-            </a:r>
-            <a:r>
-              <a:rPr lang="en-US" altLang="zh-TW" dirty="0" err="1"/>
-              <a:t>gpA</a:t>
-            </a:r>
-            <a:r>
-              <a:rPr lang="en-US" altLang="zh-TW" dirty="0"/>
-              <a:t>[</a:t>
-            </a:r>
-            <a:r>
-              <a:rPr lang="en-US" altLang="zh-TW" dirty="0" err="1"/>
-              <a:t>i</a:t>
-            </a:r>
-            <a:r>
-              <a:rPr lang="en-US" altLang="zh-TW" dirty="0"/>
-              <a:t>])</a:t>
-            </a:r>
-          </a:p>
-          <a:p>
-            <a:r>
-              <a:rPr lang="en-US" altLang="zh-TW" dirty="0"/>
-              <a:t>    </a:t>
-            </a:r>
-            <a:r>
-              <a:rPr lang="en-US" altLang="zh-TW" dirty="0" err="1"/>
-              <a:t>gpA.append</a:t>
-            </a:r>
-            <a:r>
-              <a:rPr lang="en-US" altLang="zh-TW" dirty="0"/>
-              <a:t>(g)</a:t>
-            </a:r>
-          </a:p>
-          <a:p>
-            <a:r>
-              <a:rPr lang="en-US" altLang="zh-TW" dirty="0"/>
-              <a:t/>
-            </a:r>
-            <a:br>
-              <a:rPr lang="en-US" altLang="zh-TW" dirty="0"/>
-            </a:br>
-            <a:r>
-              <a:rPr lang="en-US" altLang="zh-TW" dirty="0"/>
-              <a:t># orange</a:t>
-            </a:r>
-          </a:p>
-          <a:p>
-            <a:r>
-              <a:rPr lang="en-US" altLang="zh-TW" dirty="0" err="1"/>
-              <a:t>gpO</a:t>
-            </a:r>
-            <a:r>
-              <a:rPr lang="en-US" altLang="zh-TW" dirty="0"/>
-              <a:t> = [orange]</a:t>
-            </a:r>
-          </a:p>
-          <a:p>
-            <a:r>
-              <a:rPr lang="en-US" altLang="zh-TW" dirty="0"/>
-              <a:t>for </a:t>
-            </a:r>
-            <a:r>
-              <a:rPr lang="en-US" altLang="zh-TW" dirty="0" err="1"/>
-              <a:t>i</a:t>
-            </a:r>
-            <a:r>
-              <a:rPr lang="en-US" altLang="zh-TW" dirty="0"/>
-              <a:t> in range(</a:t>
-            </a:r>
-            <a:r>
-              <a:rPr lang="en-US" altLang="zh-TW" dirty="0" err="1"/>
-              <a:t>gpL</a:t>
-            </a:r>
-            <a:r>
-              <a:rPr lang="en-US" altLang="zh-TW" dirty="0"/>
-              <a:t>):</a:t>
-            </a:r>
-          </a:p>
-          <a:p>
-            <a:r>
-              <a:rPr lang="en-US" altLang="zh-TW" dirty="0"/>
-              <a:t>    g = cv2.pyrDown(</a:t>
-            </a:r>
-            <a:r>
-              <a:rPr lang="en-US" altLang="zh-TW" dirty="0" err="1"/>
-              <a:t>gpO</a:t>
-            </a:r>
-            <a:r>
-              <a:rPr lang="en-US" altLang="zh-TW" dirty="0"/>
-              <a:t>[</a:t>
-            </a:r>
-            <a:r>
-              <a:rPr lang="en-US" altLang="zh-TW" dirty="0" err="1"/>
-              <a:t>i</a:t>
-            </a:r>
-            <a:r>
-              <a:rPr lang="en-US" altLang="zh-TW" dirty="0"/>
-              <a:t>])</a:t>
-            </a:r>
-          </a:p>
-          <a:p>
-            <a:r>
-              <a:rPr lang="en-US" altLang="zh-TW" dirty="0"/>
-              <a:t>    </a:t>
-            </a:r>
-            <a:r>
-              <a:rPr lang="en-US" altLang="zh-TW" dirty="0" err="1"/>
-              <a:t>gpO.append</a:t>
-            </a:r>
-            <a:r>
-              <a:rPr lang="en-US" altLang="zh-TW" dirty="0"/>
-              <a:t>(g)</a:t>
-            </a:r>
-          </a:p>
-          <a:p>
-            <a:r>
-              <a:rPr lang="en-US" altLang="zh-TW" dirty="0"/>
-              <a:t/>
-            </a:r>
-            <a:br>
-              <a:rPr lang="en-US" altLang="zh-TW" dirty="0"/>
-            </a:br>
-            <a:r>
-              <a:rPr lang="en-US" altLang="zh-TW" dirty="0" err="1"/>
-              <a:t>lpA</a:t>
-            </a:r>
-            <a:r>
-              <a:rPr lang="en-US" altLang="zh-TW" dirty="0"/>
-              <a:t> = []</a:t>
-            </a:r>
-          </a:p>
-          <a:p>
-            <a:r>
-              <a:rPr lang="en-US" altLang="zh-TW" dirty="0"/>
-              <a:t>for </a:t>
-            </a:r>
-            <a:r>
-              <a:rPr lang="en-US" altLang="zh-TW" dirty="0" err="1"/>
-              <a:t>i</a:t>
-            </a:r>
-            <a:r>
-              <a:rPr lang="en-US" altLang="zh-TW" dirty="0"/>
-              <a:t> in range(</a:t>
-            </a:r>
-            <a:r>
-              <a:rPr lang="en-US" altLang="zh-TW" dirty="0" err="1"/>
-              <a:t>gpL</a:t>
-            </a:r>
-            <a:r>
-              <a:rPr lang="en-US" altLang="zh-TW" dirty="0"/>
-              <a:t>, 0, -1):</a:t>
-            </a:r>
-          </a:p>
-          <a:p>
-            <a:r>
-              <a:rPr lang="en-US" altLang="zh-TW" dirty="0"/>
-              <a:t>    l = </a:t>
-            </a:r>
-            <a:r>
-              <a:rPr lang="en-US" altLang="zh-TW" dirty="0" err="1"/>
-              <a:t>getLplacianSub</a:t>
-            </a:r>
-            <a:r>
-              <a:rPr lang="en-US" altLang="zh-TW" dirty="0"/>
-              <a:t>(</a:t>
-            </a:r>
-            <a:r>
-              <a:rPr lang="en-US" altLang="zh-TW" dirty="0" err="1"/>
-              <a:t>gpA</a:t>
-            </a:r>
-            <a:r>
-              <a:rPr lang="en-US" altLang="zh-TW" dirty="0"/>
-              <a:t>[</a:t>
-            </a:r>
-            <a:r>
-              <a:rPr lang="en-US" altLang="zh-TW" dirty="0" err="1"/>
-              <a:t>i</a:t>
-            </a:r>
-            <a:r>
-              <a:rPr lang="en-US" altLang="zh-TW" dirty="0"/>
-              <a:t> - 1], cv2.pyrUp(</a:t>
-            </a:r>
-            <a:r>
-              <a:rPr lang="en-US" altLang="zh-TW" dirty="0" err="1"/>
-              <a:t>gpA</a:t>
-            </a:r>
-            <a:r>
-              <a:rPr lang="en-US" altLang="zh-TW" dirty="0"/>
-              <a:t>[</a:t>
-            </a:r>
-            <a:r>
-              <a:rPr lang="en-US" altLang="zh-TW" dirty="0" err="1"/>
-              <a:t>i</a:t>
-            </a:r>
-            <a:r>
-              <a:rPr lang="en-US" altLang="zh-TW" dirty="0"/>
-              <a:t>]))</a:t>
-            </a:r>
-          </a:p>
-          <a:p>
-            <a:r>
-              <a:rPr lang="en-US" altLang="zh-TW" dirty="0"/>
-              <a:t>    </a:t>
-            </a:r>
-            <a:r>
-              <a:rPr lang="en-US" altLang="zh-TW" dirty="0" err="1"/>
-              <a:t>lpA.append</a:t>
-            </a:r>
-            <a:r>
-              <a:rPr lang="en-US" altLang="zh-TW" dirty="0"/>
-              <a:t>(l)</a:t>
-            </a:r>
-          </a:p>
-          <a:p>
-            <a:r>
-              <a:rPr lang="en-US" altLang="zh-TW" dirty="0" err="1"/>
-              <a:t>lpA</a:t>
-            </a:r>
-            <a:r>
-              <a:rPr lang="en-US" altLang="zh-TW" dirty="0"/>
-              <a:t>[0] = </a:t>
-            </a:r>
-            <a:r>
-              <a:rPr lang="en-US" altLang="zh-TW" dirty="0" err="1"/>
-              <a:t>gpA</a:t>
-            </a:r>
-            <a:r>
-              <a:rPr lang="en-US" altLang="zh-TW" dirty="0"/>
-              <a:t>[-2]</a:t>
-            </a:r>
-          </a:p>
-          <a:p>
-            <a:r>
-              <a:rPr lang="en-US" altLang="zh-TW" dirty="0"/>
-              <a:t/>
-            </a:r>
-            <a:br>
-              <a:rPr lang="en-US" altLang="zh-TW" dirty="0"/>
-            </a:br>
-            <a:r>
-              <a:rPr lang="en-US" altLang="zh-TW" dirty="0" err="1"/>
-              <a:t>lpO</a:t>
-            </a:r>
-            <a:r>
-              <a:rPr lang="en-US" altLang="zh-TW" dirty="0"/>
-              <a:t> = []</a:t>
-            </a:r>
-          </a:p>
-        </p:txBody>
-      </p:sp>
-    </p:spTree>
-    <p:extLst>
-      <p:ext uri="{BB962C8B-B14F-4D97-AF65-F5344CB8AC3E}">
-        <p14:creationId xmlns:p14="http://schemas.microsoft.com/office/powerpoint/2010/main" val="1971892208"/>
-      </p:ext>
-    </p:extLst>
-  </p:cSld>
-  <p:clrMapOvr>
-    <a:masterClrMapping/>
-  </p:clrMapOvr>
-</p:sld>
-</file>
-
-<file path=ppt/slides/slide17.xml><?xml version="1.0" encoding="utf-8"?>
-<p:sld xmlns:a="http://schemas.openxmlformats.org/drawingml/2006/main" xmlns:r="http://schemas.openxmlformats.org/officeDocument/2006/relationships" xmlns:p="http://schemas.openxmlformats.org/presentationml/2006/main">
-  <p:cSld>
-    <p:spTree>
-      <p:nvGrpSpPr>
-        <p:cNvPr id="1" name=""/>
-        <p:cNvGrpSpPr/>
-        <p:nvPr/>
-      </p:nvGrpSpPr>
-      <p:grpSpPr>
-        <a:xfrm>
-          <a:off x="0" y="0"/>
-          <a:ext cx="0" cy="0"/>
-          <a:chOff x="0" y="0"/>
-          <a:chExt cx="0" cy="0"/>
-        </a:xfrm>
-      </p:grpSpPr>
-      <p:sp>
-        <p:nvSpPr>
-          <p:cNvPr id="2" name="矩形 1"/>
-          <p:cNvSpPr/>
-          <p:nvPr/>
-        </p:nvSpPr>
-        <p:spPr>
-          <a:xfrm>
-            <a:off x="884904" y="980316"/>
-            <a:ext cx="5112774" cy="5632311"/>
-          </a:xfrm>
-          <a:prstGeom prst="rect">
-            <a:avLst/>
-          </a:prstGeom>
-        </p:spPr>
-        <p:txBody>
-          <a:bodyPr wrap="square">
-            <a:spAutoFit/>
-          </a:bodyPr>
-          <a:lstStyle/>
-          <a:p>
-            <a:r>
-              <a:rPr lang="en-US" altLang="zh-TW" dirty="0"/>
-              <a:t>for </a:t>
-            </a:r>
-            <a:r>
-              <a:rPr lang="en-US" altLang="zh-TW" dirty="0" err="1"/>
-              <a:t>i</a:t>
-            </a:r>
-            <a:r>
-              <a:rPr lang="en-US" altLang="zh-TW" dirty="0"/>
-              <a:t> in range(</a:t>
-            </a:r>
-            <a:r>
-              <a:rPr lang="en-US" altLang="zh-TW" dirty="0" err="1"/>
-              <a:t>gpL</a:t>
-            </a:r>
-            <a:r>
-              <a:rPr lang="en-US" altLang="zh-TW" dirty="0"/>
-              <a:t>, 0, -1):</a:t>
-            </a:r>
-          </a:p>
-          <a:p>
-            <a:r>
-              <a:rPr lang="en-US" altLang="zh-TW" dirty="0"/>
-              <a:t>    l = </a:t>
-            </a:r>
-            <a:r>
-              <a:rPr lang="en-US" altLang="zh-TW" dirty="0" err="1"/>
-              <a:t>getLplacianSub</a:t>
-            </a:r>
-            <a:r>
-              <a:rPr lang="en-US" altLang="zh-TW" dirty="0"/>
-              <a:t>(</a:t>
-            </a:r>
-            <a:r>
-              <a:rPr lang="en-US" altLang="zh-TW" dirty="0" err="1"/>
-              <a:t>gpO</a:t>
-            </a:r>
-            <a:r>
-              <a:rPr lang="en-US" altLang="zh-TW" dirty="0"/>
-              <a:t>[</a:t>
-            </a:r>
-            <a:r>
-              <a:rPr lang="en-US" altLang="zh-TW" dirty="0" err="1"/>
-              <a:t>i</a:t>
-            </a:r>
-            <a:r>
-              <a:rPr lang="en-US" altLang="zh-TW" dirty="0"/>
-              <a:t> - 1], cv2.pyrUp(</a:t>
-            </a:r>
-            <a:r>
-              <a:rPr lang="en-US" altLang="zh-TW" dirty="0" err="1"/>
-              <a:t>gpO</a:t>
-            </a:r>
-            <a:r>
-              <a:rPr lang="en-US" altLang="zh-TW" dirty="0"/>
-              <a:t>[</a:t>
-            </a:r>
-            <a:r>
-              <a:rPr lang="en-US" altLang="zh-TW" dirty="0" err="1"/>
-              <a:t>i</a:t>
-            </a:r>
-            <a:r>
-              <a:rPr lang="en-US" altLang="zh-TW" dirty="0"/>
-              <a:t>]))</a:t>
-            </a:r>
-          </a:p>
-          <a:p>
-            <a:r>
-              <a:rPr lang="en-US" altLang="zh-TW" dirty="0"/>
-              <a:t>    </a:t>
-            </a:r>
-            <a:r>
-              <a:rPr lang="en-US" altLang="zh-TW" dirty="0" err="1"/>
-              <a:t>lpO.append</a:t>
-            </a:r>
-            <a:r>
-              <a:rPr lang="en-US" altLang="zh-TW" dirty="0"/>
-              <a:t>(l)</a:t>
-            </a:r>
-          </a:p>
-          <a:p>
-            <a:r>
-              <a:rPr lang="en-US" altLang="zh-TW" dirty="0" err="1"/>
-              <a:t>lpO</a:t>
-            </a:r>
-            <a:r>
-              <a:rPr lang="en-US" altLang="zh-TW" dirty="0"/>
-              <a:t>[0] = </a:t>
-            </a:r>
-            <a:r>
-              <a:rPr lang="en-US" altLang="zh-TW" dirty="0" err="1"/>
-              <a:t>gpO</a:t>
-            </a:r>
-            <a:r>
-              <a:rPr lang="en-US" altLang="zh-TW" dirty="0"/>
-              <a:t>[-2]</a:t>
-            </a:r>
-          </a:p>
-          <a:p>
-            <a:r>
-              <a:rPr lang="en-US" altLang="zh-TW" dirty="0"/>
-              <a:t/>
-            </a:r>
-            <a:br>
-              <a:rPr lang="en-US" altLang="zh-TW" dirty="0"/>
-            </a:br>
-            <a:r>
-              <a:rPr lang="en-US" altLang="zh-TW" dirty="0" err="1"/>
-              <a:t>lpAO</a:t>
-            </a:r>
-            <a:r>
-              <a:rPr lang="en-US" altLang="zh-TW" dirty="0"/>
-              <a:t> = []</a:t>
-            </a:r>
-          </a:p>
-          <a:p>
-            <a:r>
-              <a:rPr lang="en-US" altLang="zh-TW" dirty="0"/>
-              <a:t>for </a:t>
-            </a:r>
-            <a:r>
-              <a:rPr lang="en-US" altLang="zh-TW" dirty="0" err="1"/>
-              <a:t>i</a:t>
-            </a:r>
-            <a:r>
-              <a:rPr lang="en-US" altLang="zh-TW" dirty="0"/>
-              <a:t> in range(</a:t>
-            </a:r>
-            <a:r>
-              <a:rPr lang="en-US" altLang="zh-TW" dirty="0" err="1"/>
-              <a:t>gpL</a:t>
-            </a:r>
-            <a:r>
-              <a:rPr lang="en-US" altLang="zh-TW" dirty="0"/>
-              <a:t>):</a:t>
-            </a:r>
-          </a:p>
-          <a:p>
-            <a:r>
-              <a:rPr lang="en-US" altLang="zh-TW" dirty="0"/>
-              <a:t>    rows, cols, </a:t>
-            </a:r>
-            <a:r>
-              <a:rPr lang="en-US" altLang="zh-TW" dirty="0" err="1"/>
-              <a:t>bpt</a:t>
-            </a:r>
-            <a:r>
-              <a:rPr lang="en-US" altLang="zh-TW" dirty="0"/>
-              <a:t> = </a:t>
-            </a:r>
-            <a:r>
-              <a:rPr lang="en-US" altLang="zh-TW" dirty="0" err="1"/>
-              <a:t>lpA</a:t>
-            </a:r>
-            <a:r>
-              <a:rPr lang="en-US" altLang="zh-TW" dirty="0"/>
-              <a:t>[</a:t>
-            </a:r>
-            <a:r>
-              <a:rPr lang="en-US" altLang="zh-TW" dirty="0" err="1"/>
-              <a:t>i</a:t>
-            </a:r>
-            <a:r>
-              <a:rPr lang="en-US" altLang="zh-TW" dirty="0"/>
-              <a:t>].shape</a:t>
-            </a:r>
-          </a:p>
-          <a:p>
-            <a:r>
-              <a:rPr lang="en-US" altLang="zh-TW" dirty="0"/>
-              <a:t>    </a:t>
-            </a:r>
-            <a:r>
-              <a:rPr lang="en-US" altLang="zh-TW" dirty="0" err="1"/>
-              <a:t>lp</a:t>
-            </a:r>
-            <a:r>
-              <a:rPr lang="en-US" altLang="zh-TW" dirty="0"/>
-              <a:t> = </a:t>
-            </a:r>
-            <a:r>
-              <a:rPr lang="en-US" altLang="zh-TW" dirty="0" err="1"/>
-              <a:t>np.hstack</a:t>
-            </a:r>
-            <a:r>
-              <a:rPr lang="en-US" altLang="zh-TW" dirty="0"/>
-              <a:t>((</a:t>
-            </a:r>
-            <a:r>
-              <a:rPr lang="en-US" altLang="zh-TW" dirty="0" err="1"/>
-              <a:t>lpA</a:t>
-            </a:r>
-            <a:r>
-              <a:rPr lang="en-US" altLang="zh-TW" dirty="0"/>
-              <a:t>[</a:t>
-            </a:r>
-            <a:r>
-              <a:rPr lang="en-US" altLang="zh-TW" dirty="0" err="1"/>
-              <a:t>i</a:t>
-            </a:r>
-            <a:r>
-              <a:rPr lang="en-US" altLang="zh-TW" dirty="0"/>
-              <a:t>][:, :cols // 2, :], </a:t>
-            </a:r>
-            <a:r>
-              <a:rPr lang="en-US" altLang="zh-TW" dirty="0" err="1"/>
-              <a:t>lpO</a:t>
-            </a:r>
-            <a:r>
-              <a:rPr lang="en-US" altLang="zh-TW" dirty="0"/>
-              <a:t>[</a:t>
-            </a:r>
-            <a:r>
-              <a:rPr lang="en-US" altLang="zh-TW" dirty="0" err="1"/>
-              <a:t>i</a:t>
-            </a:r>
-            <a:r>
-              <a:rPr lang="en-US" altLang="zh-TW" dirty="0"/>
-              <a:t>][:, cols // 2:, :]))</a:t>
-            </a:r>
-          </a:p>
-          <a:p>
-            <a:r>
-              <a:rPr lang="en-US" altLang="zh-TW" dirty="0"/>
-              <a:t>    </a:t>
-            </a:r>
-            <a:r>
-              <a:rPr lang="en-US" altLang="zh-TW" dirty="0" err="1"/>
-              <a:t>lpAO.append</a:t>
-            </a:r>
-            <a:r>
-              <a:rPr lang="en-US" altLang="zh-TW" dirty="0"/>
-              <a:t>(</a:t>
-            </a:r>
-            <a:r>
-              <a:rPr lang="en-US" altLang="zh-TW" dirty="0" err="1"/>
-              <a:t>lp</a:t>
-            </a:r>
-            <a:r>
-              <a:rPr lang="en-US" altLang="zh-TW" dirty="0"/>
-              <a:t>)</a:t>
-            </a:r>
-          </a:p>
-          <a:p>
-            <a:r>
-              <a:rPr lang="en-US" altLang="zh-TW" dirty="0"/>
-              <a:t/>
-            </a:r>
-            <a:br>
-              <a:rPr lang="en-US" altLang="zh-TW" dirty="0"/>
-            </a:br>
-            <a:r>
-              <a:rPr lang="en-US" altLang="zh-TW" dirty="0" err="1"/>
-              <a:t>gao</a:t>
-            </a:r>
-            <a:r>
-              <a:rPr lang="en-US" altLang="zh-TW" dirty="0"/>
-              <a:t> = </a:t>
-            </a:r>
-            <a:r>
-              <a:rPr lang="en-US" altLang="zh-TW" dirty="0" err="1"/>
-              <a:t>lpAO</a:t>
-            </a:r>
-            <a:r>
-              <a:rPr lang="en-US" altLang="zh-TW" dirty="0"/>
-              <a:t>[0]</a:t>
-            </a:r>
-          </a:p>
-          <a:p>
-            <a:r>
-              <a:rPr lang="en-US" altLang="zh-TW" dirty="0"/>
-              <a:t>for </a:t>
-            </a:r>
-            <a:r>
-              <a:rPr lang="en-US" altLang="zh-TW" dirty="0" err="1"/>
-              <a:t>i</a:t>
-            </a:r>
-            <a:r>
-              <a:rPr lang="en-US" altLang="zh-TW" dirty="0"/>
-              <a:t> in range(</a:t>
-            </a:r>
-            <a:r>
-              <a:rPr lang="en-US" altLang="zh-TW" dirty="0" err="1"/>
-              <a:t>gpL</a:t>
-            </a:r>
-            <a:r>
-              <a:rPr lang="en-US" altLang="zh-TW" dirty="0"/>
-              <a:t> - 1):</a:t>
-            </a:r>
-          </a:p>
-          <a:p>
-            <a:r>
-              <a:rPr lang="en-US" altLang="zh-TW" dirty="0"/>
-              <a:t>    </a:t>
-            </a:r>
-            <a:r>
-              <a:rPr lang="en-US" altLang="zh-TW" dirty="0" err="1"/>
-              <a:t>gao</a:t>
-            </a:r>
-            <a:r>
-              <a:rPr lang="en-US" altLang="zh-TW" dirty="0"/>
-              <a:t> = cv2.pyrUp(</a:t>
-            </a:r>
-            <a:r>
-              <a:rPr lang="en-US" altLang="zh-TW" dirty="0" err="1"/>
-              <a:t>gao</a:t>
-            </a:r>
-            <a:r>
-              <a:rPr lang="en-US" altLang="zh-TW" dirty="0"/>
-              <a:t>)</a:t>
-            </a:r>
-          </a:p>
-          <a:p>
-            <a:r>
-              <a:rPr lang="en-US" altLang="zh-TW" dirty="0"/>
-              <a:t>    </a:t>
-            </a:r>
-            <a:r>
-              <a:rPr lang="en-US" altLang="zh-TW" dirty="0" err="1"/>
-              <a:t>gao</a:t>
-            </a:r>
-            <a:r>
-              <a:rPr lang="en-US" altLang="zh-TW" dirty="0"/>
-              <a:t> = </a:t>
-            </a:r>
-            <a:r>
-              <a:rPr lang="en-US" altLang="zh-TW" dirty="0" err="1"/>
-              <a:t>getLplacianAdd</a:t>
-            </a:r>
-            <a:r>
-              <a:rPr lang="en-US" altLang="zh-TW" dirty="0"/>
-              <a:t>(</a:t>
-            </a:r>
-            <a:r>
-              <a:rPr lang="en-US" altLang="zh-TW" dirty="0" err="1"/>
-              <a:t>lpAO</a:t>
-            </a:r>
-            <a:r>
-              <a:rPr lang="en-US" altLang="zh-TW" dirty="0"/>
-              <a:t>[</a:t>
-            </a:r>
-            <a:r>
-              <a:rPr lang="en-US" altLang="zh-TW" dirty="0" err="1"/>
-              <a:t>i</a:t>
-            </a:r>
-            <a:r>
-              <a:rPr lang="en-US" altLang="zh-TW" dirty="0"/>
-              <a:t> + 1], </a:t>
-            </a:r>
-            <a:r>
-              <a:rPr lang="en-US" altLang="zh-TW" dirty="0" err="1"/>
-              <a:t>gao</a:t>
-            </a:r>
-            <a:r>
-              <a:rPr lang="en-US" altLang="zh-TW" dirty="0"/>
-              <a:t>)</a:t>
-            </a:r>
-          </a:p>
-          <a:p>
-            <a:r>
-              <a:rPr lang="en-US" altLang="zh-TW" dirty="0"/>
-              <a:t/>
-            </a:r>
-            <a:br>
-              <a:rPr lang="en-US" altLang="zh-TW" dirty="0"/>
-            </a:br>
-            <a:r>
-              <a:rPr lang="en-US" altLang="zh-TW" dirty="0" err="1"/>
-              <a:t>gao</a:t>
-            </a:r>
-            <a:r>
-              <a:rPr lang="en-US" altLang="zh-TW" dirty="0"/>
-              <a:t> = </a:t>
-            </a:r>
-            <a:r>
-              <a:rPr lang="en-US" altLang="zh-TW" dirty="0" err="1"/>
-              <a:t>restoreXY</a:t>
-            </a:r>
-            <a:r>
-              <a:rPr lang="en-US" altLang="zh-TW" dirty="0"/>
-              <a:t>(apple, </a:t>
-            </a:r>
-            <a:r>
-              <a:rPr lang="en-US" altLang="zh-TW" dirty="0" err="1"/>
-              <a:t>gao</a:t>
-            </a:r>
-            <a:r>
-              <a:rPr lang="en-US" altLang="zh-TW" dirty="0" smtClean="0"/>
-              <a:t>)</a:t>
-            </a:r>
-          </a:p>
-          <a:p>
-            <a:r>
-              <a:rPr lang="en-US" altLang="zh-TW" dirty="0"/>
-              <a:t>cv2.imwrite("./outcome/fruit_out.jpg", </a:t>
-            </a:r>
-            <a:r>
-              <a:rPr lang="en-US" altLang="zh-TW" dirty="0" err="1"/>
-              <a:t>gao</a:t>
-            </a:r>
-            <a:r>
-              <a:rPr lang="en-US" altLang="zh-TW" dirty="0"/>
-              <a:t>)</a:t>
-            </a:r>
-          </a:p>
-          <a:p>
-            <a:endParaRPr lang="en-US" altLang="zh-TW" dirty="0"/>
-          </a:p>
-        </p:txBody>
-      </p:sp>
-      <p:sp>
-        <p:nvSpPr>
-          <p:cNvPr id="3" name="矩形 2"/>
-          <p:cNvSpPr/>
-          <p:nvPr/>
-        </p:nvSpPr>
-        <p:spPr>
-          <a:xfrm>
-            <a:off x="983226" y="333985"/>
-            <a:ext cx="4236416" cy="646331"/>
-          </a:xfrm>
-          <a:prstGeom prst="rect">
-            <a:avLst/>
-          </a:prstGeom>
-        </p:spPr>
-        <p:txBody>
-          <a:bodyPr wrap="none">
-            <a:spAutoFit/>
-          </a:bodyPr>
-          <a:lstStyle/>
-          <a:p>
-            <a:r>
-              <a:rPr lang="en-US" altLang="zh-TW" sz="3600" dirty="0">
-                <a:ea typeface="微軟正黑體" panose="020B0604030504040204" pitchFamily="34" charset="-120"/>
-              </a:rPr>
-              <a:t>fruit.py</a:t>
-            </a:r>
-            <a:r>
-              <a:rPr lang="zh-TW" altLang="en-US" sz="3600" dirty="0" smtClean="0">
-                <a:ea typeface="微軟正黑體" panose="020B0604030504040204" pitchFamily="34" charset="-120"/>
-              </a:rPr>
-              <a:t>演算法流程</a:t>
-            </a:r>
-            <a:r>
-              <a:rPr lang="en-US" altLang="zh-TW" sz="3600" dirty="0" smtClean="0">
-                <a:ea typeface="微軟正黑體" panose="020B0604030504040204" pitchFamily="34" charset="-120"/>
-              </a:rPr>
-              <a:t>-3</a:t>
-            </a:r>
-            <a:endParaRPr lang="zh-TW" altLang="en-US" sz="3600" dirty="0"/>
-          </a:p>
-        </p:txBody>
-      </p:sp>
-    </p:spTree>
-    <p:extLst>
-      <p:ext uri="{BB962C8B-B14F-4D97-AF65-F5344CB8AC3E}">
-        <p14:creationId xmlns:p14="http://schemas.microsoft.com/office/powerpoint/2010/main" val="2105633635"/>
-      </p:ext>
-    </p:extLst>
-  </p:cSld>
-  <p:clrMapOvr>
-    <a:masterClrMapping/>
-  </p:clrMapOvr>
-</p:sld>
-</file>
-
-<file path=ppt/slides/slide18.xml><?xml version="1.0" encoding="utf-8"?>
-<p:sld xmlns:a="http://schemas.openxmlformats.org/drawingml/2006/main" xmlns:r="http://schemas.openxmlformats.org/officeDocument/2006/relationships" xmlns:p="http://schemas.openxmlformats.org/presentationml/2006/main">
-  <p:cSld>
-    <p:spTree>
-      <p:nvGrpSpPr>
-        <p:cNvPr id="1" name=""/>
-        <p:cNvGrpSpPr/>
-        <p:nvPr/>
-      </p:nvGrpSpPr>
-      <p:grpSpPr>
-        <a:xfrm>
-          <a:off x="0" y="0"/>
-          <a:ext cx="0" cy="0"/>
-          <a:chOff x="0" y="0"/>
-          <a:chExt cx="0" cy="0"/>
-        </a:xfrm>
-      </p:grpSpPr>
-      <p:sp>
-        <p:nvSpPr>
-          <p:cNvPr id="2" name="標題 1"/>
-          <p:cNvSpPr>
-            <a:spLocks noGrp="1"/>
-          </p:cNvSpPr>
-          <p:nvPr>
-            <p:ph type="title"/>
-          </p:nvPr>
-        </p:nvSpPr>
-        <p:spPr/>
-        <p:txBody>
-          <a:bodyPr>
-            <a:normAutofit/>
-          </a:bodyPr>
-          <a:lstStyle/>
-          <a:p>
-            <a:r>
-              <a:rPr lang="zh-TW" altLang="en-US" sz="4000" dirty="0">
-                <a:latin typeface="微軟正黑體" panose="020B0604030504040204" pitchFamily="34" charset="-120"/>
-                <a:ea typeface="微軟正黑體" panose="020B0604030504040204" pitchFamily="34" charset="-120"/>
-              </a:rPr>
-              <a:t>遇到的困難即解決方法</a:t>
-            </a:r>
-          </a:p>
-        </p:txBody>
-      </p:sp>
-      <p:sp>
-        <p:nvSpPr>
-          <p:cNvPr id="3" name="內容版面配置區 2"/>
-          <p:cNvSpPr>
-            <a:spLocks noGrp="1"/>
-          </p:cNvSpPr>
-          <p:nvPr>
-            <p:ph idx="1"/>
-          </p:nvPr>
-        </p:nvSpPr>
-        <p:spPr>
-          <a:xfrm>
-            <a:off x="688257" y="2103087"/>
-            <a:ext cx="7118555" cy="4023393"/>
-          </a:xfrm>
-        </p:spPr>
-        <p:txBody>
-          <a:bodyPr>
-            <a:normAutofit/>
-          </a:bodyPr>
-          <a:lstStyle/>
-          <a:p>
-            <a:pPr marL="0" indent="0">
-              <a:lnSpc>
-                <a:spcPct val="150000"/>
-              </a:lnSpc>
-              <a:buNone/>
-            </a:pPr>
-            <a:r>
-              <a:rPr lang="zh-TW" altLang="en-US" dirty="0">
-                <a:latin typeface="微軟正黑體" panose="020B0604030504040204" pitchFamily="34" charset="-120"/>
-                <a:ea typeface="微軟正黑體" panose="020B0604030504040204" pitchFamily="34" charset="-120"/>
-              </a:rPr>
-              <a:t>一開始，我們打算用連通物件來做第一題與第三題。在做連通前，為了消除硬幣</a:t>
-            </a:r>
-            <a:r>
-              <a:rPr lang="zh-TW" altLang="en-US" dirty="0" smtClean="0">
-                <a:latin typeface="微軟正黑體" panose="020B0604030504040204" pitchFamily="34" charset="-120"/>
-                <a:ea typeface="微軟正黑體" panose="020B0604030504040204" pitchFamily="34" charset="-120"/>
-              </a:rPr>
-              <a:t>表面不平滑的雜質，我們先</a:t>
-            </a:r>
-            <a:r>
-              <a:rPr lang="zh-TW" altLang="en-US" dirty="0">
-                <a:latin typeface="微軟正黑體" panose="020B0604030504040204" pitchFamily="34" charset="-120"/>
-                <a:ea typeface="微軟正黑體" panose="020B0604030504040204" pitchFamily="34" charset="-120"/>
-              </a:rPr>
-              <a:t>使用</a:t>
-            </a:r>
-            <a:r>
-              <a:rPr lang="zh-TW" altLang="en-US" dirty="0" smtClean="0">
-                <a:latin typeface="微軟正黑體" panose="020B0604030504040204" pitchFamily="34" charset="-120"/>
-                <a:ea typeface="微軟正黑體" panose="020B0604030504040204" pitchFamily="34" charset="-120"/>
-              </a:rPr>
-              <a:t>侵蝕</a:t>
-            </a:r>
-            <a:r>
-              <a:rPr lang="zh-TW" altLang="en-US" dirty="0">
-                <a:latin typeface="微軟正黑體" panose="020B0604030504040204" pitchFamily="34" charset="-120"/>
-                <a:ea typeface="微軟正黑體" panose="020B0604030504040204" pitchFamily="34" charset="-120"/>
-              </a:rPr>
-              <a:t>膨脹，卻發現硬幣間距離太近，造成兩個鄰近的硬幣在侵蝕膨脹後變成相連</a:t>
-            </a:r>
-            <a:r>
-              <a:rPr lang="zh-TW" altLang="en-US" dirty="0" smtClean="0">
-                <a:latin typeface="微軟正黑體" panose="020B0604030504040204" pitchFamily="34" charset="-120"/>
-                <a:ea typeface="微軟正黑體" panose="020B0604030504040204" pitchFamily="34" charset="-120"/>
-              </a:rPr>
-              <a:t>的</a:t>
-            </a:r>
-            <a:r>
-              <a:rPr lang="en-US" altLang="zh-TW" dirty="0" smtClean="0">
-                <a:latin typeface="微軟正黑體" panose="020B0604030504040204" pitchFamily="34" charset="-120"/>
-                <a:ea typeface="微軟正黑體" panose="020B0604030504040204" pitchFamily="34" charset="-120"/>
-              </a:rPr>
-              <a:t>(</a:t>
-            </a:r>
-            <a:r>
-              <a:rPr lang="zh-TW" altLang="en-US" dirty="0" smtClean="0">
-                <a:latin typeface="微軟正黑體" panose="020B0604030504040204" pitchFamily="34" charset="-120"/>
-                <a:ea typeface="微軟正黑體" panose="020B0604030504040204" pitchFamily="34" charset="-120"/>
-              </a:rPr>
-              <a:t>如右圖</a:t>
-            </a:r>
-            <a:r>
-              <a:rPr lang="en-US" altLang="zh-TW" dirty="0" smtClean="0">
-                <a:latin typeface="微軟正黑體" panose="020B0604030504040204" pitchFamily="34" charset="-120"/>
-                <a:ea typeface="微軟正黑體" panose="020B0604030504040204" pitchFamily="34" charset="-120"/>
-              </a:rPr>
-              <a:t>)</a:t>
-            </a:r>
-            <a:r>
-              <a:rPr lang="zh-TW" altLang="en-US" dirty="0" smtClean="0">
-                <a:latin typeface="微軟正黑體" panose="020B0604030504040204" pitchFamily="34" charset="-120"/>
-                <a:ea typeface="微軟正黑體" panose="020B0604030504040204" pitchFamily="34" charset="-120"/>
-              </a:rPr>
-              <a:t>。因為無法找到完美的參數讓硬幣分離又能讓雜質消除，所以</a:t>
-            </a:r>
-            <a:r>
-              <a:rPr lang="zh-TW" altLang="en-US" dirty="0">
-                <a:latin typeface="微軟正黑體" panose="020B0604030504040204" pitchFamily="34" charset="-120"/>
-                <a:ea typeface="微軟正黑體" panose="020B0604030504040204" pitchFamily="34" charset="-120"/>
-              </a:rPr>
-              <a:t>，後來我們改變方式，靠著調整霍夫圓的參數，去找硬幣位置；而紙鈔的部分，</a:t>
-            </a:r>
-            <a:r>
-              <a:rPr lang="zh-TW" altLang="en-US" dirty="0" smtClean="0">
-                <a:latin typeface="微軟正黑體" panose="020B0604030504040204" pitchFamily="34" charset="-120"/>
-                <a:ea typeface="微軟正黑體" panose="020B0604030504040204" pitchFamily="34" charset="-120"/>
-              </a:rPr>
-              <a:t>因為外</a:t>
-            </a:r>
-            <a:r>
-              <a:rPr lang="zh-TW" altLang="en-US" dirty="0">
-                <a:latin typeface="微軟正黑體" panose="020B0604030504040204" pitchFamily="34" charset="-120"/>
-                <a:ea typeface="微軟正黑體" panose="020B0604030504040204" pitchFamily="34" charset="-120"/>
-              </a:rPr>
-              <a:t>框</a:t>
-            </a:r>
-            <a:r>
-              <a:rPr lang="zh-TW" altLang="en-US" dirty="0" smtClean="0">
-                <a:latin typeface="微軟正黑體" panose="020B0604030504040204" pitchFamily="34" charset="-120"/>
-                <a:ea typeface="微軟正黑體" panose="020B0604030504040204" pitchFamily="34" charset="-120"/>
-              </a:rPr>
-              <a:t>並不是很直的直線，無法使用霍夫線尋找，但卻是三個明顯分離的物件，所以選擇</a:t>
-            </a:r>
-            <a:r>
-              <a:rPr lang="zh-TW" altLang="en-US" dirty="0">
-                <a:latin typeface="微軟正黑體" panose="020B0604030504040204" pitchFamily="34" charset="-120"/>
-                <a:ea typeface="微軟正黑體" panose="020B0604030504040204" pitchFamily="34" charset="-120"/>
-              </a:rPr>
-              <a:t>使用連通</a:t>
-            </a:r>
-            <a:r>
-              <a:rPr lang="zh-TW" altLang="en-US" dirty="0" smtClean="0">
-                <a:latin typeface="微軟正黑體" panose="020B0604030504040204" pitchFamily="34" charset="-120"/>
-                <a:ea typeface="微軟正黑體" panose="020B0604030504040204" pitchFamily="34" charset="-120"/>
-              </a:rPr>
-              <a:t>物件並搭配面積參數來確定是哪個</a:t>
-            </a:r>
-            <a:r>
-              <a:rPr lang="en-US" altLang="zh-TW" dirty="0" smtClean="0">
-                <a:latin typeface="微軟正黑體" panose="020B0604030504040204" pitchFamily="34" charset="-120"/>
-                <a:ea typeface="微軟正黑體" panose="020B0604030504040204" pitchFamily="34" charset="-120"/>
-              </a:rPr>
-              <a:t>label</a:t>
-            </a:r>
-            <a:r>
-              <a:rPr lang="zh-TW" altLang="en-US" dirty="0" smtClean="0">
-                <a:latin typeface="微軟正黑體" panose="020B0604030504040204" pitchFamily="34" charset="-120"/>
-                <a:ea typeface="微軟正黑體" panose="020B0604030504040204" pitchFamily="34" charset="-120"/>
-              </a:rPr>
-              <a:t>並使用回傳參數畫上矩形。</a:t>
-            </a:r>
-            <a:endParaRPr lang="en-US" altLang="zh-TW" dirty="0">
-              <a:latin typeface="微軟正黑體" panose="020B0604030504040204" pitchFamily="34" charset="-120"/>
-              <a:ea typeface="微軟正黑體" panose="020B0604030504040204" pitchFamily="34" charset="-120"/>
-            </a:endParaRPr>
-          </a:p>
-        </p:txBody>
-      </p:sp>
-      <p:pic>
-        <p:nvPicPr>
-          <p:cNvPr id="5" name="圖片 4">
-            <a:extLst>
-              <a:ext uri="{FF2B5EF4-FFF2-40B4-BE49-F238E27FC236}">
-                <a16:creationId xmlns:a16="http://schemas.microsoft.com/office/drawing/2014/main" id="{84208A33-6674-47F8-A113-8E5C6B173C12}"/>
-              </a:ext>
-            </a:extLst>
-          </p:cNvPr>
-          <p:cNvPicPr>
-            <a:picLocks noChangeAspect="1"/>
-          </p:cNvPicPr>
-          <p:nvPr/>
-        </p:nvPicPr>
-        <p:blipFill>
-          <a:blip r:embed="rId2" cstate="print">
-            <a:extLst>
-              <a:ext uri="{28A0092B-C50C-407E-A947-70E740481C1C}">
-                <a14:useLocalDpi xmlns:a14="http://schemas.microsoft.com/office/drawing/2010/main" val="0"/>
-              </a:ext>
-            </a:extLst>
-          </a:blip>
-          <a:stretch>
-            <a:fillRect/>
-          </a:stretch>
-        </p:blipFill>
-        <p:spPr>
-          <a:xfrm>
-            <a:off x="8097356" y="2031820"/>
-            <a:ext cx="3781733" cy="2127225"/>
-          </a:xfrm>
-          <a:prstGeom prst="rect">
-            <a:avLst/>
-          </a:prstGeom>
-        </p:spPr>
-      </p:pic>
-    </p:spTree>
-    <p:extLst>
-      <p:ext uri="{BB962C8B-B14F-4D97-AF65-F5344CB8AC3E}">
-        <p14:creationId xmlns:p14="http://schemas.microsoft.com/office/powerpoint/2010/main" val="3512597139"/>
       </p:ext>
     </p:extLst>
   </p:cSld>
@@ -8412,52 +4830,381 @@
       </p:grpSpPr>
       <p:sp>
         <p:nvSpPr>
-          <p:cNvPr id="2" name="標題 1"/>
-          <p:cNvSpPr>
-            <a:spLocks noGrp="1"/>
-          </p:cNvSpPr>
-          <p:nvPr>
-            <p:ph type="ctrTitle"/>
-          </p:nvPr>
-        </p:nvSpPr>
-        <p:spPr/>
-        <p:txBody>
-          <a:bodyPr/>
+          <p:cNvPr id="2" name="矩形 1"/>
+          <p:cNvSpPr/>
+          <p:nvPr/>
+        </p:nvSpPr>
+        <p:spPr>
+          <a:xfrm>
+            <a:off x="983226" y="333985"/>
+            <a:ext cx="1657185" cy="646331"/>
+          </a:xfrm>
+          <a:prstGeom prst="rect">
+            <a:avLst/>
+          </a:prstGeom>
+        </p:spPr>
+        <p:txBody>
+          <a:bodyPr wrap="none">
+            <a:spAutoFit/>
+          </a:bodyPr>
           <a:lstStyle/>
           <a:p>
             <a:r>
-              <a:rPr lang="zh-TW" altLang="en-US" dirty="0">
-                <a:latin typeface="微軟正黑體" panose="020B0604030504040204" pitchFamily="34" charset="-120"/>
+              <a:rPr lang="en-US" altLang="zh-TW" sz="3600" dirty="0" smtClean="0">
                 <a:ea typeface="微軟正黑體" panose="020B0604030504040204" pitchFamily="34" charset="-120"/>
               </a:rPr>
-              <a:t>題目一</a:t>
-            </a:r>
-          </a:p>
-        </p:txBody>
-      </p:sp>
-      <p:sp>
-        <p:nvSpPr>
-          <p:cNvPr id="3" name="副標題 2"/>
-          <p:cNvSpPr>
-            <a:spLocks noGrp="1"/>
-          </p:cNvSpPr>
-          <p:nvPr>
-            <p:ph type="subTitle" idx="1"/>
-          </p:nvPr>
-        </p:nvSpPr>
-        <p:spPr/>
-        <p:txBody>
-          <a:bodyPr/>
+              <a:t>wine</a:t>
+            </a:r>
+            <a:r>
+              <a:rPr lang="en-US" altLang="zh-TW" sz="3600" dirty="0" smtClean="0">
+                <a:ea typeface="微軟正黑體" panose="020B0604030504040204" pitchFamily="34" charset="-120"/>
+              </a:rPr>
+              <a:t>.py</a:t>
+            </a:r>
+            <a:endParaRPr lang="zh-TW" altLang="en-US" sz="3600" dirty="0"/>
+          </a:p>
+        </p:txBody>
+      </p:sp>
+      <p:sp>
+        <p:nvSpPr>
+          <p:cNvPr id="3" name="文字方塊 2"/>
+          <p:cNvSpPr txBox="1"/>
+          <p:nvPr/>
+        </p:nvSpPr>
+        <p:spPr>
+          <a:xfrm>
+            <a:off x="983226" y="1146572"/>
+            <a:ext cx="6424337" cy="4247317"/>
+          </a:xfrm>
+          <a:prstGeom prst="rect">
+            <a:avLst/>
+          </a:prstGeom>
+          <a:noFill/>
+        </p:spPr>
+        <p:txBody>
+          <a:bodyPr wrap="square" rtlCol="0">
+            <a:spAutoFit/>
+          </a:bodyPr>
           <a:lstStyle/>
           <a:p>
-            <a:endParaRPr lang="zh-TW" altLang="en-US"/>
+            <a:r>
+              <a:rPr lang="en-US" altLang="zh-TW" dirty="0"/>
+              <a:t>from </a:t>
+            </a:r>
+            <a:r>
+              <a:rPr lang="en-US" altLang="zh-TW" dirty="0" err="1"/>
+              <a:t>sklearn</a:t>
+            </a:r>
+            <a:r>
+              <a:rPr lang="en-US" altLang="zh-TW" dirty="0"/>
+              <a:t> import datasets</a:t>
+            </a:r>
+          </a:p>
+          <a:p>
+            <a:r>
+              <a:rPr lang="en-US" altLang="zh-TW" dirty="0"/>
+              <a:t>from </a:t>
+            </a:r>
+            <a:r>
+              <a:rPr lang="en-US" altLang="zh-TW" dirty="0" err="1"/>
+              <a:t>sklearn.model_selection</a:t>
+            </a:r>
+            <a:r>
+              <a:rPr lang="en-US" altLang="zh-TW" dirty="0"/>
+              <a:t> import </a:t>
+            </a:r>
+            <a:r>
+              <a:rPr lang="en-US" altLang="zh-TW" dirty="0" err="1"/>
+              <a:t>train_test_split</a:t>
+            </a:r>
+            <a:endParaRPr lang="en-US" altLang="zh-TW" dirty="0"/>
+          </a:p>
+          <a:p>
+            <a:r>
+              <a:rPr lang="en-US" altLang="zh-TW" dirty="0"/>
+              <a:t>from </a:t>
+            </a:r>
+            <a:r>
+              <a:rPr lang="en-US" altLang="zh-TW" dirty="0" err="1"/>
+              <a:t>sklearn</a:t>
+            </a:r>
+            <a:r>
+              <a:rPr lang="en-US" altLang="zh-TW" dirty="0"/>
+              <a:t> import </a:t>
+            </a:r>
+            <a:r>
+              <a:rPr lang="en-US" altLang="zh-TW" dirty="0" err="1"/>
+              <a:t>svm</a:t>
+            </a:r>
+            <a:endParaRPr lang="en-US" altLang="zh-TW" dirty="0"/>
+          </a:p>
+          <a:p>
+            <a:endParaRPr lang="zh-TW" altLang="en-US" dirty="0"/>
+          </a:p>
+          <a:p>
+            <a:r>
+              <a:rPr lang="en-US" altLang="zh-TW" dirty="0"/>
+              <a:t>wine = </a:t>
+            </a:r>
+            <a:r>
+              <a:rPr lang="en-US" altLang="zh-TW" dirty="0" err="1"/>
+              <a:t>datasets.load_wine</a:t>
+            </a:r>
+            <a:r>
+              <a:rPr lang="en-US" altLang="zh-TW" dirty="0"/>
+              <a:t>()</a:t>
+            </a:r>
+          </a:p>
+          <a:p>
+            <a:r>
+              <a:rPr lang="en-US" altLang="zh-TW" dirty="0"/>
+              <a:t/>
+            </a:r>
+            <a:br>
+              <a:rPr lang="en-US" altLang="zh-TW" dirty="0"/>
+            </a:br>
+            <a:r>
+              <a:rPr lang="en-US" altLang="zh-TW" dirty="0"/>
+              <a:t>X = </a:t>
+            </a:r>
+            <a:r>
+              <a:rPr lang="en-US" altLang="zh-TW" dirty="0" err="1" smtClean="0"/>
+              <a:t>wine.data</a:t>
+            </a:r>
+            <a:endParaRPr lang="en-US" altLang="zh-TW" dirty="0"/>
+          </a:p>
+          <a:p>
+            <a:r>
+              <a:rPr lang="en-US" altLang="zh-TW" dirty="0"/>
+              <a:t>y = </a:t>
+            </a:r>
+            <a:r>
+              <a:rPr lang="en-US" altLang="zh-TW" dirty="0" err="1" smtClean="0"/>
+              <a:t>wine.target</a:t>
+            </a:r>
+            <a:endParaRPr lang="en-US" altLang="zh-TW" dirty="0"/>
+          </a:p>
+          <a:p>
+            <a:r>
+              <a:rPr lang="en-US" altLang="zh-TW" dirty="0"/>
+              <a:t/>
+            </a:r>
+            <a:br>
+              <a:rPr lang="en-US" altLang="zh-TW" dirty="0"/>
+            </a:br>
+            <a:r>
+              <a:rPr lang="en-US" altLang="zh-TW" dirty="0" err="1"/>
+              <a:t>X_train</a:t>
+            </a:r>
+            <a:r>
+              <a:rPr lang="en-US" altLang="zh-TW" dirty="0"/>
+              <a:t>, </a:t>
+            </a:r>
+            <a:r>
+              <a:rPr lang="en-US" altLang="zh-TW" dirty="0" err="1"/>
+              <a:t>X_test</a:t>
+            </a:r>
+            <a:r>
+              <a:rPr lang="en-US" altLang="zh-TW" dirty="0"/>
+              <a:t>, </a:t>
+            </a:r>
+            <a:r>
+              <a:rPr lang="en-US" altLang="zh-TW" dirty="0" err="1"/>
+              <a:t>y_train</a:t>
+            </a:r>
+            <a:r>
+              <a:rPr lang="en-US" altLang="zh-TW" dirty="0"/>
+              <a:t>, </a:t>
+            </a:r>
+            <a:r>
+              <a:rPr lang="en-US" altLang="zh-TW" dirty="0" err="1"/>
+              <a:t>y_test</a:t>
+            </a:r>
+            <a:r>
+              <a:rPr lang="en-US" altLang="zh-TW" dirty="0"/>
+              <a:t> = </a:t>
+            </a:r>
+            <a:r>
+              <a:rPr lang="en-US" altLang="zh-TW" dirty="0" err="1"/>
+              <a:t>train_test_split</a:t>
+            </a:r>
+            <a:r>
+              <a:rPr lang="en-US" altLang="zh-TW" dirty="0"/>
+              <a:t>(X, y, </a:t>
+            </a:r>
+            <a:r>
+              <a:rPr lang="en-US" altLang="zh-TW" dirty="0" err="1"/>
+              <a:t>test_size</a:t>
+            </a:r>
+            <a:r>
+              <a:rPr lang="en-US" altLang="zh-TW" dirty="0"/>
+              <a:t>=0.3) </a:t>
+            </a:r>
+          </a:p>
+          <a:p>
+            <a:r>
+              <a:rPr lang="en-US" altLang="zh-TW" dirty="0"/>
+              <a:t/>
+            </a:r>
+            <a:br>
+              <a:rPr lang="en-US" altLang="zh-TW" dirty="0"/>
+            </a:br>
+            <a:r>
+              <a:rPr lang="en-US" altLang="zh-TW" dirty="0" err="1"/>
+              <a:t>clf</a:t>
+            </a:r>
+            <a:r>
+              <a:rPr lang="en-US" altLang="zh-TW" dirty="0"/>
+              <a:t> = </a:t>
+            </a:r>
+            <a:r>
+              <a:rPr lang="en-US" altLang="zh-TW" dirty="0" err="1"/>
+              <a:t>svm.SVC</a:t>
+            </a:r>
+            <a:r>
+              <a:rPr lang="en-US" altLang="zh-TW" dirty="0"/>
+              <a:t>(C=1, kernel='linear', gamma='scale')</a:t>
+            </a:r>
+          </a:p>
+          <a:p>
+            <a:r>
+              <a:rPr lang="en-US" altLang="zh-TW" dirty="0" err="1"/>
+              <a:t>clf.fit</a:t>
+            </a:r>
+            <a:r>
+              <a:rPr lang="en-US" altLang="zh-TW" dirty="0"/>
+              <a:t>(</a:t>
+            </a:r>
+            <a:r>
+              <a:rPr lang="en-US" altLang="zh-TW" dirty="0" err="1"/>
+              <a:t>X_train</a:t>
+            </a:r>
+            <a:r>
+              <a:rPr lang="en-US" altLang="zh-TW" dirty="0"/>
+              <a:t>, </a:t>
+            </a:r>
+            <a:r>
+              <a:rPr lang="en-US" altLang="zh-TW" dirty="0" err="1"/>
+              <a:t>y_train</a:t>
+            </a:r>
+            <a:r>
+              <a:rPr lang="en-US" altLang="zh-TW" dirty="0"/>
+              <a:t>) # </a:t>
+            </a:r>
+            <a:r>
+              <a:rPr lang="zh-TW" altLang="en-US" dirty="0"/>
+              <a:t>將訓練集送入訓練</a:t>
+            </a:r>
+            <a:r>
+              <a:rPr lang="en-US" altLang="zh-TW" dirty="0"/>
+              <a:t>(fit)</a:t>
+            </a:r>
+          </a:p>
+          <a:p>
+            <a:endParaRPr lang="en-US" altLang="zh-TW" dirty="0"/>
+          </a:p>
+        </p:txBody>
+      </p:sp>
+      <p:sp>
+        <p:nvSpPr>
+          <p:cNvPr id="4" name="文字方塊 3"/>
+          <p:cNvSpPr txBox="1"/>
+          <p:nvPr/>
+        </p:nvSpPr>
+        <p:spPr>
+          <a:xfrm>
+            <a:off x="983226" y="5219164"/>
+            <a:ext cx="4839855" cy="1200329"/>
+          </a:xfrm>
+          <a:prstGeom prst="rect">
+            <a:avLst/>
+          </a:prstGeom>
+          <a:noFill/>
+        </p:spPr>
+        <p:txBody>
+          <a:bodyPr wrap="square" rtlCol="0">
+            <a:spAutoFit/>
+          </a:bodyPr>
+          <a:lstStyle/>
+          <a:p>
+            <a:r>
+              <a:rPr lang="en-US" altLang="zh-TW" dirty="0" smtClean="0"/>
+              <a:t>print</a:t>
+            </a:r>
+            <a:r>
+              <a:rPr lang="en-US" altLang="zh-TW" dirty="0"/>
+              <a:t>("Accuracy")</a:t>
+            </a:r>
+          </a:p>
+          <a:p>
+            <a:r>
+              <a:rPr lang="en-US" altLang="zh-TW" dirty="0"/>
+              <a:t>print(</a:t>
+            </a:r>
+            <a:r>
+              <a:rPr lang="en-US" altLang="zh-TW" dirty="0" err="1"/>
+              <a:t>clf.score</a:t>
+            </a:r>
+            <a:r>
+              <a:rPr lang="en-US" altLang="zh-TW" dirty="0"/>
+              <a:t>(</a:t>
+            </a:r>
+            <a:r>
+              <a:rPr lang="en-US" altLang="zh-TW" dirty="0" err="1"/>
+              <a:t>X_train</a:t>
+            </a:r>
+            <a:r>
+              <a:rPr lang="en-US" altLang="zh-TW" dirty="0"/>
+              <a:t>, </a:t>
+            </a:r>
+            <a:r>
+              <a:rPr lang="en-US" altLang="zh-TW" dirty="0" err="1"/>
+              <a:t>y_train</a:t>
+            </a:r>
+            <a:r>
+              <a:rPr lang="en-US" altLang="zh-TW" dirty="0"/>
+              <a:t>))</a:t>
+            </a:r>
+          </a:p>
+          <a:p>
+            <a:r>
+              <a:rPr lang="en-US" altLang="zh-TW" dirty="0"/>
+              <a:t>print(</a:t>
+            </a:r>
+            <a:r>
+              <a:rPr lang="en-US" altLang="zh-TW" dirty="0" err="1"/>
+              <a:t>clf.score</a:t>
+            </a:r>
+            <a:r>
+              <a:rPr lang="en-US" altLang="zh-TW" dirty="0"/>
+              <a:t>(</a:t>
+            </a:r>
+            <a:r>
+              <a:rPr lang="en-US" altLang="zh-TW" dirty="0" err="1"/>
+              <a:t>X_test</a:t>
+            </a:r>
+            <a:r>
+              <a:rPr lang="en-US" altLang="zh-TW" dirty="0"/>
+              <a:t>, </a:t>
+            </a:r>
+            <a:r>
+              <a:rPr lang="en-US" altLang="zh-TW" dirty="0" err="1"/>
+              <a:t>y_test</a:t>
+            </a:r>
+            <a:r>
+              <a:rPr lang="en-US" altLang="zh-TW" dirty="0"/>
+              <a:t>))</a:t>
+            </a:r>
+          </a:p>
+          <a:p>
+            <a:endParaRPr lang="zh-TW" altLang="en-US" dirty="0"/>
           </a:p>
         </p:txBody>
       </p:sp>
     </p:spTree>
     <p:extLst>
       <p:ext uri="{BB962C8B-B14F-4D97-AF65-F5344CB8AC3E}">
-        <p14:creationId xmlns:p14="http://schemas.microsoft.com/office/powerpoint/2010/main" val="1882263840"/>
+        <p14:creationId xmlns:p14="http://schemas.microsoft.com/office/powerpoint/2010/main" val="2949491647"/>
       </p:ext>
     </p:extLst>
   </p:cSld>
@@ -8486,162 +5233,1286 @@
       </p:grpSpPr>
       <p:sp>
         <p:nvSpPr>
-          <p:cNvPr id="2" name="標題 1"/>
-          <p:cNvSpPr>
-            <a:spLocks noGrp="1"/>
-          </p:cNvSpPr>
-          <p:nvPr>
-            <p:ph type="title"/>
-          </p:nvPr>
-        </p:nvSpPr>
-        <p:spPr/>
-        <p:txBody>
-          <a:bodyPr>
-            <a:normAutofit/>
-          </a:bodyPr>
-          <a:lstStyle/>
-          <a:p>
-            <a:r>
-              <a:rPr lang="zh-TW" altLang="en-US" sz="4000" dirty="0">
-                <a:latin typeface="微軟正黑體" panose="020B0604030504040204" pitchFamily="34" charset="-120"/>
-                <a:ea typeface="微軟正黑體" panose="020B0604030504040204" pitchFamily="34" charset="-120"/>
-              </a:rPr>
-              <a:t>成果圖</a:t>
-            </a:r>
-            <a:endParaRPr lang="zh-TW" altLang="en-US" sz="4000" dirty="0">
-              <a:ea typeface="微軟正黑體" panose="020B0604030504040204" pitchFamily="34" charset="-120"/>
-            </a:endParaRPr>
-          </a:p>
-        </p:txBody>
-      </p:sp>
-      <p:sp>
-        <p:nvSpPr>
-          <p:cNvPr id="8" name="向右箭號 7"/>
+          <p:cNvPr id="2" name="矩形 1"/>
           <p:cNvSpPr/>
           <p:nvPr/>
         </p:nvSpPr>
         <p:spPr>
           <a:xfrm>
-            <a:off x="5669280" y="3229582"/>
-            <a:ext cx="914400" cy="710119"/>
-          </a:xfrm>
-          <a:prstGeom prst="rightArrow">
-            <a:avLst/>
-          </a:prstGeom>
-        </p:spPr>
-        <p:style>
-          <a:lnRef idx="2">
-            <a:schemeClr val="accent1">
-              <a:shade val="50000"/>
-            </a:schemeClr>
-          </a:lnRef>
-          <a:fillRef idx="1">
-            <a:schemeClr val="accent1"/>
-          </a:fillRef>
-          <a:effectRef idx="0">
-            <a:schemeClr val="accent1"/>
-          </a:effectRef>
-          <a:fontRef idx="minor">
-            <a:schemeClr val="lt1"/>
-          </a:fontRef>
-        </p:style>
-        <p:txBody>
-          <a:bodyPr rtlCol="0" anchor="ctr"/>
-          <a:lstStyle/>
-          <a:p>
-            <a:pPr algn="ctr"/>
-            <a:endParaRPr lang="zh-TW" altLang="en-US"/>
-          </a:p>
-        </p:txBody>
-      </p:sp>
-      <p:pic>
-        <p:nvPicPr>
-          <p:cNvPr id="4" name="圖片 3">
-            <a:extLst>
-              <a:ext uri="{FF2B5EF4-FFF2-40B4-BE49-F238E27FC236}">
-                <a16:creationId xmlns:a16="http://schemas.microsoft.com/office/drawing/2014/main" id="{6DC3B89B-3933-450E-BCB6-67751C686D8D}"/>
-              </a:ext>
-            </a:extLst>
-          </p:cNvPr>
-          <p:cNvPicPr>
-            <a:picLocks noChangeAspect="1"/>
-          </p:cNvPicPr>
-          <p:nvPr/>
-        </p:nvPicPr>
-        <p:blipFill>
-          <a:blip r:embed="rId2" cstate="print">
-            <a:extLst>
-              <a:ext uri="{28A0092B-C50C-407E-A947-70E740481C1C}">
-                <a14:useLocalDpi xmlns:a14="http://schemas.microsoft.com/office/drawing/2010/main" val="0"/>
-              </a:ext>
-            </a:extLst>
-          </a:blip>
-          <a:stretch>
-            <a:fillRect/>
-          </a:stretch>
-        </p:blipFill>
-        <p:spPr>
-          <a:xfrm>
-            <a:off x="708893" y="2295881"/>
-            <a:ext cx="4578192" cy="2575233"/>
+            <a:off x="886692" y="602734"/>
+            <a:ext cx="6186309" cy="646331"/>
           </a:xfrm>
           <a:prstGeom prst="rect">
             <a:avLst/>
           </a:prstGeom>
         </p:spPr>
-      </p:pic>
-      <p:pic>
-        <p:nvPicPr>
-          <p:cNvPr id="9" name="圖片 8">
-            <a:extLst>
-              <a:ext uri="{FF2B5EF4-FFF2-40B4-BE49-F238E27FC236}">
-                <a16:creationId xmlns:a16="http://schemas.microsoft.com/office/drawing/2014/main" id="{087F7A30-0F2A-4178-BE15-D3FBE4A2EB8B}"/>
-              </a:ext>
-            </a:extLst>
-          </p:cNvPr>
-          <p:cNvPicPr>
-            <a:picLocks noChangeAspect="1"/>
-          </p:cNvPicPr>
+        <p:txBody>
+          <a:bodyPr wrap="none">
+            <a:spAutoFit/>
+          </a:bodyPr>
+          <a:lstStyle/>
+          <a:p>
+            <a:r>
+              <a:rPr lang="zh-TW" altLang="en-US" sz="3600" dirty="0">
+                <a:ea typeface="微軟正黑體" panose="020B0604030504040204" pitchFamily="34" charset="-120"/>
+              </a:rPr>
+              <a:t>測試過的變數</a:t>
+            </a:r>
+            <a:r>
+              <a:rPr lang="zh-TW" altLang="en-US" sz="3600" dirty="0">
+                <a:ea typeface="微軟正黑體" panose="020B0604030504040204" pitchFamily="34" charset="-120"/>
+              </a:rPr>
+              <a:t>組合及觀察結果</a:t>
+            </a:r>
+            <a:endParaRPr lang="zh-TW" altLang="en-US" sz="3600" dirty="0">
+              <a:ea typeface="微軟正黑體" panose="020B0604030504040204" pitchFamily="34" charset="-120"/>
+            </a:endParaRPr>
+          </a:p>
+        </p:txBody>
+      </p:sp>
+      <p:graphicFrame>
+        <p:nvGraphicFramePr>
+          <p:cNvPr id="3" name="表格 2"/>
+          <p:cNvGraphicFramePr>
+            <a:graphicFrameLocks noGrp="1"/>
+          </p:cNvGraphicFramePr>
+          <p:nvPr>
+            <p:extLst>
+              <p:ext uri="{D42A27DB-BD31-4B8C-83A1-F6EECF244321}">
+                <p14:modId xmlns:p14="http://schemas.microsoft.com/office/powerpoint/2010/main" val="3474981764"/>
+              </p:ext>
+            </p:extLst>
+          </p:nvPr>
+        </p:nvGraphicFramePr>
+        <p:xfrm>
+          <a:off x="886692" y="1422397"/>
+          <a:ext cx="10704944" cy="4141119"/>
+        </p:xfrm>
+        <a:graphic>
+          <a:graphicData uri="http://schemas.openxmlformats.org/drawingml/2006/table">
+            <a:tbl>
+              <a:tblPr firstRow="1" bandRow="1">
+                <a:tableStyleId>{5C22544A-7EE6-4342-B048-85BDC9FD1C3A}</a:tableStyleId>
+              </a:tblPr>
+              <a:tblGrid>
+                <a:gridCol w="1668421">
+                  <a:extLst>
+                    <a:ext uri="{9D8B030D-6E8A-4147-A177-3AD203B41FA5}">
+                      <a16:colId xmlns:a16="http://schemas.microsoft.com/office/drawing/2014/main" val="183811352"/>
+                    </a:ext>
+                  </a:extLst>
+                </a:gridCol>
+                <a:gridCol w="1415577">
+                  <a:extLst>
+                    <a:ext uri="{9D8B030D-6E8A-4147-A177-3AD203B41FA5}">
+                      <a16:colId xmlns:a16="http://schemas.microsoft.com/office/drawing/2014/main" val="3287907290"/>
+                    </a:ext>
+                  </a:extLst>
+                </a:gridCol>
+                <a:gridCol w="3843282">
+                  <a:extLst>
+                    <a:ext uri="{9D8B030D-6E8A-4147-A177-3AD203B41FA5}">
+                      <a16:colId xmlns:a16="http://schemas.microsoft.com/office/drawing/2014/main" val="2556857751"/>
+                    </a:ext>
+                  </a:extLst>
+                </a:gridCol>
+                <a:gridCol w="1865737">
+                  <a:extLst>
+                    <a:ext uri="{9D8B030D-6E8A-4147-A177-3AD203B41FA5}">
+                      <a16:colId xmlns:a16="http://schemas.microsoft.com/office/drawing/2014/main" val="148177576"/>
+                    </a:ext>
+                  </a:extLst>
+                </a:gridCol>
+                <a:gridCol w="1911927">
+                  <a:extLst>
+                    <a:ext uri="{9D8B030D-6E8A-4147-A177-3AD203B41FA5}">
+                      <a16:colId xmlns:a16="http://schemas.microsoft.com/office/drawing/2014/main" val="2963406726"/>
+                    </a:ext>
+                  </a:extLst>
+                </a:gridCol>
+              </a:tblGrid>
+              <a:tr h="654631">
+                <a:tc>
+                  <a:txBody>
+                    <a:bodyPr/>
+                    <a:lstStyle/>
+                    <a:p>
+                      <a:r>
+                        <a:rPr lang="en-US" altLang="zh-TW" dirty="0" smtClean="0"/>
+                        <a:t>data</a:t>
+                      </a:r>
+                      <a:endParaRPr lang="zh-TW" altLang="en-US" dirty="0"/>
+                    </a:p>
+                  </a:txBody>
+                  <a:tcPr/>
+                </a:tc>
+                <a:tc>
+                  <a:txBody>
+                    <a:bodyPr/>
+                    <a:lstStyle/>
+                    <a:p>
+                      <a:r>
+                        <a:rPr lang="en-US" altLang="zh-TW" dirty="0" err="1" smtClean="0"/>
+                        <a:t>Test_size</a:t>
+                      </a:r>
+                      <a:endParaRPr lang="zh-TW" altLang="en-US" dirty="0"/>
+                    </a:p>
+                  </a:txBody>
+                  <a:tcPr/>
+                </a:tc>
+                <a:tc>
+                  <a:txBody>
+                    <a:bodyPr/>
+                    <a:lstStyle/>
+                    <a:p>
+                      <a:r>
+                        <a:rPr lang="en-US" altLang="zh-TW" dirty="0" smtClean="0"/>
+                        <a:t>SVC</a:t>
+                      </a:r>
+                      <a:endParaRPr lang="zh-TW" altLang="en-US" dirty="0"/>
+                    </a:p>
+                  </a:txBody>
+                  <a:tcPr/>
+                </a:tc>
+                <a:tc>
+                  <a:txBody>
+                    <a:bodyPr/>
+                    <a:lstStyle/>
+                    <a:p>
+                      <a:pPr marL="0" marR="0" lvl="0" indent="0" algn="l" defTabSz="914400" rtl="0" eaLnBrk="1" fontAlgn="auto" latinLnBrk="0" hangingPunct="1">
+                        <a:lnSpc>
+                          <a:spcPct val="100000"/>
+                        </a:lnSpc>
+                        <a:spcBef>
+                          <a:spcPts val="0"/>
+                        </a:spcBef>
+                        <a:spcAft>
+                          <a:spcPts val="0"/>
+                        </a:spcAft>
+                        <a:buClrTx/>
+                        <a:buSzTx/>
+                        <a:buFontTx/>
+                        <a:buNone/>
+                        <a:tabLst/>
+                        <a:defRPr/>
+                      </a:pPr>
+                      <a:r>
+                        <a:rPr lang="en-US" altLang="zh-TW" dirty="0" err="1" smtClean="0"/>
+                        <a:t>Train_data</a:t>
+                      </a:r>
+                      <a:r>
+                        <a:rPr lang="en-US" altLang="zh-TW" dirty="0" smtClean="0"/>
+                        <a:t> accuracy</a:t>
+                      </a:r>
+                      <a:endParaRPr lang="zh-TW" altLang="en-US" dirty="0" smtClean="0"/>
+                    </a:p>
+                  </a:txBody>
+                  <a:tcPr/>
+                </a:tc>
+                <a:tc>
+                  <a:txBody>
+                    <a:bodyPr/>
+                    <a:lstStyle/>
+                    <a:p>
+                      <a:r>
+                        <a:rPr lang="en-US" altLang="zh-TW" dirty="0" err="1" smtClean="0"/>
+                        <a:t>Test_data</a:t>
+                      </a:r>
+                      <a:r>
+                        <a:rPr lang="en-US" altLang="zh-TW" dirty="0" smtClean="0"/>
+                        <a:t> accuracy</a:t>
+                      </a:r>
+                      <a:endParaRPr lang="zh-TW" altLang="en-US" dirty="0"/>
+                    </a:p>
+                  </a:txBody>
+                  <a:tcPr/>
+                </a:tc>
+                <a:extLst>
+                  <a:ext uri="{0D108BD9-81ED-4DB2-BD59-A6C34878D82A}">
+                    <a16:rowId xmlns:a16="http://schemas.microsoft.com/office/drawing/2014/main" val="1158119426"/>
+                  </a:ext>
+                </a:extLst>
+              </a:tr>
+              <a:tr h="435811">
+                <a:tc>
+                  <a:txBody>
+                    <a:bodyPr/>
+                    <a:lstStyle/>
+                    <a:p>
+                      <a:r>
+                        <a:rPr lang="en-US" altLang="zh-TW" dirty="0" smtClean="0"/>
+                        <a:t>All</a:t>
+                      </a:r>
+                      <a:endParaRPr lang="zh-TW" altLang="en-US" dirty="0"/>
+                    </a:p>
+                  </a:txBody>
+                  <a:tcPr/>
+                </a:tc>
+                <a:tc>
+                  <a:txBody>
+                    <a:bodyPr/>
+                    <a:lstStyle/>
+                    <a:p>
+                      <a:r>
+                        <a:rPr lang="en-US" altLang="zh-TW" dirty="0" smtClean="0"/>
+                        <a:t>0.3</a:t>
+                      </a:r>
+                      <a:endParaRPr lang="zh-TW" altLang="en-US" dirty="0"/>
+                    </a:p>
+                  </a:txBody>
+                  <a:tcPr/>
+                </a:tc>
+                <a:tc>
+                  <a:txBody>
+                    <a:bodyPr/>
+                    <a:lstStyle/>
+                    <a:p>
+                      <a:pPr marL="0" marR="0" lvl="0" indent="0" algn="l" defTabSz="914400" rtl="0" eaLnBrk="1" fontAlgn="auto" latinLnBrk="0" hangingPunct="1">
+                        <a:lnSpc>
+                          <a:spcPct val="100000"/>
+                        </a:lnSpc>
+                        <a:spcBef>
+                          <a:spcPts val="0"/>
+                        </a:spcBef>
+                        <a:spcAft>
+                          <a:spcPts val="0"/>
+                        </a:spcAft>
+                        <a:buClrTx/>
+                        <a:buSzTx/>
+                        <a:buFontTx/>
+                        <a:buNone/>
+                        <a:tabLst/>
+                        <a:defRPr/>
+                      </a:pPr>
+                      <a:r>
+                        <a:rPr lang="it-IT" altLang="zh-TW" sz="1800" b="0" kern="1200" dirty="0" smtClean="0">
+                          <a:solidFill>
+                            <a:schemeClr val="dk1"/>
+                          </a:solidFill>
+                          <a:effectLst/>
+                          <a:latin typeface="+mn-lt"/>
+                          <a:ea typeface="+mn-ea"/>
+                          <a:cs typeface="+mn-cs"/>
+                        </a:rPr>
+                        <a:t>C=1, kernel='linear', gamma='scale'</a:t>
+                      </a:r>
+                    </a:p>
+                  </a:txBody>
+                  <a:tcPr/>
+                </a:tc>
+                <a:tc>
+                  <a:txBody>
+                    <a:bodyPr/>
+                    <a:lstStyle/>
+                    <a:p>
+                      <a:r>
+                        <a:rPr lang="en-US" altLang="zh-TW" dirty="0" smtClean="0"/>
+                        <a:t>1.0</a:t>
+                      </a:r>
+                      <a:endParaRPr lang="zh-TW" altLang="en-US" dirty="0"/>
+                    </a:p>
+                  </a:txBody>
+                  <a:tcPr/>
+                </a:tc>
+                <a:tc>
+                  <a:txBody>
+                    <a:bodyPr/>
+                    <a:lstStyle/>
+                    <a:p>
+                      <a:r>
+                        <a:rPr lang="en-US" altLang="zh-TW" sz="1800" b="0" kern="1200" dirty="0" smtClean="0">
+                          <a:solidFill>
+                            <a:schemeClr val="dk1"/>
+                          </a:solidFill>
+                          <a:effectLst/>
+                          <a:latin typeface="+mn-lt"/>
+                          <a:ea typeface="+mn-ea"/>
+                          <a:cs typeface="+mn-cs"/>
+                        </a:rPr>
+                        <a:t>0.9629629629629</a:t>
+                      </a:r>
+                      <a:endParaRPr lang="zh-TW" altLang="en-US" sz="1800" b="0" kern="1200" dirty="0">
+                        <a:solidFill>
+                          <a:schemeClr val="dk1"/>
+                        </a:solidFill>
+                        <a:effectLst/>
+                        <a:latin typeface="+mn-lt"/>
+                        <a:ea typeface="+mn-ea"/>
+                        <a:cs typeface="+mn-cs"/>
+                      </a:endParaRPr>
+                    </a:p>
+                  </a:txBody>
+                  <a:tcPr/>
+                </a:tc>
+                <a:extLst>
+                  <a:ext uri="{0D108BD9-81ED-4DB2-BD59-A6C34878D82A}">
+                    <a16:rowId xmlns:a16="http://schemas.microsoft.com/office/drawing/2014/main" val="4117751483"/>
+                  </a:ext>
+                </a:extLst>
+              </a:tr>
+              <a:tr h="435811">
+                <a:tc>
+                  <a:txBody>
+                    <a:bodyPr/>
+                    <a:lstStyle/>
+                    <a:p>
+                      <a:r>
+                        <a:rPr lang="en-US" altLang="zh-TW" sz="1800" b="0" kern="1200" dirty="0" smtClean="0">
+                          <a:solidFill>
+                            <a:srgbClr val="7030A0"/>
+                          </a:solidFill>
+                          <a:effectLst/>
+                          <a:latin typeface="+mn-lt"/>
+                          <a:ea typeface="+mn-ea"/>
+                          <a:cs typeface="+mn-cs"/>
+                        </a:rPr>
+                        <a:t>data[:,0:5:2]</a:t>
+                      </a:r>
+                      <a:endParaRPr lang="en-US" altLang="zh-TW" sz="1800" b="0" kern="1200" dirty="0">
+                        <a:solidFill>
+                          <a:srgbClr val="7030A0"/>
+                        </a:solidFill>
+                        <a:effectLst/>
+                        <a:latin typeface="+mn-lt"/>
+                        <a:ea typeface="+mn-ea"/>
+                        <a:cs typeface="+mn-cs"/>
+                      </a:endParaRPr>
+                    </a:p>
+                  </a:txBody>
+                  <a:tcPr/>
+                </a:tc>
+                <a:tc>
+                  <a:txBody>
+                    <a:bodyPr/>
+                    <a:lstStyle/>
+                    <a:p>
+                      <a:r>
+                        <a:rPr lang="en-US" altLang="zh-TW" dirty="0" smtClean="0"/>
+                        <a:t>0.3</a:t>
+                      </a:r>
+                      <a:endParaRPr lang="zh-TW" altLang="en-US" dirty="0"/>
+                    </a:p>
+                  </a:txBody>
+                  <a:tcPr/>
+                </a:tc>
+                <a:tc>
+                  <a:txBody>
+                    <a:bodyPr/>
+                    <a:lstStyle/>
+                    <a:p>
+                      <a:pPr marL="0" marR="0" lvl="0" indent="0" algn="l" defTabSz="914400" rtl="0" eaLnBrk="1" fontAlgn="auto" latinLnBrk="0" hangingPunct="1">
+                        <a:lnSpc>
+                          <a:spcPct val="100000"/>
+                        </a:lnSpc>
+                        <a:spcBef>
+                          <a:spcPts val="0"/>
+                        </a:spcBef>
+                        <a:spcAft>
+                          <a:spcPts val="0"/>
+                        </a:spcAft>
+                        <a:buClrTx/>
+                        <a:buSzTx/>
+                        <a:buFontTx/>
+                        <a:buNone/>
+                        <a:tabLst/>
+                        <a:defRPr/>
+                      </a:pPr>
+                      <a:r>
+                        <a:rPr lang="it-IT" altLang="zh-TW" sz="1800" b="0" kern="1200" dirty="0" smtClean="0">
+                          <a:solidFill>
+                            <a:schemeClr val="dk1"/>
+                          </a:solidFill>
+                          <a:effectLst/>
+                          <a:latin typeface="+mn-lt"/>
+                          <a:ea typeface="+mn-ea"/>
+                          <a:cs typeface="+mn-cs"/>
+                        </a:rPr>
+                        <a:t>C=1, kernel='linear', gamma='scale'</a:t>
+                      </a:r>
+                    </a:p>
+                  </a:txBody>
+                  <a:tcPr/>
+                </a:tc>
+                <a:tc>
+                  <a:txBody>
+                    <a:bodyPr/>
+                    <a:lstStyle/>
+                    <a:p>
+                      <a:r>
+                        <a:rPr lang="en-US" altLang="zh-TW" dirty="0" smtClean="0"/>
+                        <a:t>0.7177419354838</a:t>
+                      </a:r>
+                      <a:endParaRPr lang="zh-TW" altLang="en-US" dirty="0"/>
+                    </a:p>
+                  </a:txBody>
+                  <a:tcPr/>
+                </a:tc>
+                <a:tc>
+                  <a:txBody>
+                    <a:bodyPr/>
+                    <a:lstStyle/>
+                    <a:p>
+                      <a:r>
+                        <a:rPr lang="en-US" altLang="zh-TW" dirty="0" smtClean="0"/>
+                        <a:t>0.6851851851851</a:t>
+                      </a:r>
+                      <a:endParaRPr lang="zh-TW" altLang="en-US" dirty="0"/>
+                    </a:p>
+                  </a:txBody>
+                  <a:tcPr/>
+                </a:tc>
+                <a:extLst>
+                  <a:ext uri="{0D108BD9-81ED-4DB2-BD59-A6C34878D82A}">
+                    <a16:rowId xmlns:a16="http://schemas.microsoft.com/office/drawing/2014/main" val="1557231469"/>
+                  </a:ext>
+                </a:extLst>
+              </a:tr>
+              <a:tr h="435811">
+                <a:tc>
+                  <a:txBody>
+                    <a:bodyPr/>
+                    <a:lstStyle/>
+                    <a:p>
+                      <a:r>
+                        <a:rPr lang="en-US" altLang="zh-TW" sz="1800" b="0" kern="1200" dirty="0" smtClean="0">
+                          <a:solidFill>
+                            <a:srgbClr val="7030A0"/>
+                          </a:solidFill>
+                          <a:effectLst/>
+                          <a:latin typeface="+mn-lt"/>
+                          <a:ea typeface="+mn-ea"/>
+                          <a:cs typeface="+mn-cs"/>
+                        </a:rPr>
+                        <a:t>data[:,0:13:2]</a:t>
+                      </a:r>
+                      <a:endParaRPr lang="en-US" altLang="zh-TW" sz="1800" b="0" kern="1200" dirty="0">
+                        <a:solidFill>
+                          <a:srgbClr val="7030A0"/>
+                        </a:solidFill>
+                        <a:effectLst/>
+                        <a:latin typeface="+mn-lt"/>
+                        <a:ea typeface="+mn-ea"/>
+                        <a:cs typeface="+mn-cs"/>
+                      </a:endParaRPr>
+                    </a:p>
+                  </a:txBody>
+                  <a:tcPr/>
+                </a:tc>
+                <a:tc>
+                  <a:txBody>
+                    <a:bodyPr/>
+                    <a:lstStyle/>
+                    <a:p>
+                      <a:r>
+                        <a:rPr lang="en-US" altLang="zh-TW" dirty="0" smtClean="0"/>
+                        <a:t>0.3</a:t>
+                      </a:r>
+                      <a:endParaRPr lang="zh-TW" altLang="en-US" dirty="0"/>
+                    </a:p>
+                  </a:txBody>
+                  <a:tcPr/>
+                </a:tc>
+                <a:tc>
+                  <a:txBody>
+                    <a:bodyPr/>
+                    <a:lstStyle/>
+                    <a:p>
+                      <a:pPr marL="0" marR="0" lvl="0" indent="0" algn="l" defTabSz="914400" rtl="0" eaLnBrk="1" fontAlgn="auto" latinLnBrk="0" hangingPunct="1">
+                        <a:lnSpc>
+                          <a:spcPct val="100000"/>
+                        </a:lnSpc>
+                        <a:spcBef>
+                          <a:spcPts val="0"/>
+                        </a:spcBef>
+                        <a:spcAft>
+                          <a:spcPts val="0"/>
+                        </a:spcAft>
+                        <a:buClrTx/>
+                        <a:buSzTx/>
+                        <a:buFontTx/>
+                        <a:buNone/>
+                        <a:tabLst/>
+                        <a:defRPr/>
+                      </a:pPr>
+                      <a:r>
+                        <a:rPr lang="it-IT" altLang="zh-TW" sz="1800" b="0" kern="1200" dirty="0" smtClean="0">
+                          <a:solidFill>
+                            <a:schemeClr val="dk1"/>
+                          </a:solidFill>
+                          <a:effectLst/>
+                          <a:latin typeface="+mn-lt"/>
+                          <a:ea typeface="+mn-ea"/>
+                          <a:cs typeface="+mn-cs"/>
+                        </a:rPr>
+                        <a:t>C=1, kernel='linear', gamma='scale'</a:t>
+                      </a:r>
+                      <a:endParaRPr lang="it-IT" altLang="zh-TW" sz="1800" b="0" kern="1200" dirty="0" smtClean="0">
+                        <a:solidFill>
+                          <a:schemeClr val="dk1"/>
+                        </a:solidFill>
+                        <a:effectLst/>
+                        <a:latin typeface="+mn-lt"/>
+                        <a:ea typeface="+mn-ea"/>
+                        <a:cs typeface="+mn-cs"/>
+                      </a:endParaRPr>
+                    </a:p>
+                  </a:txBody>
+                  <a:tcPr/>
+                </a:tc>
+                <a:tc>
+                  <a:txBody>
+                    <a:bodyPr/>
+                    <a:lstStyle/>
+                    <a:p>
+                      <a:r>
+                        <a:rPr lang="en-US" altLang="zh-TW" dirty="0" smtClean="0"/>
+                        <a:t>0.9677419354838</a:t>
+                      </a:r>
+                      <a:endParaRPr lang="zh-TW" altLang="en-US" dirty="0"/>
+                    </a:p>
+                  </a:txBody>
+                  <a:tcPr/>
+                </a:tc>
+                <a:tc>
+                  <a:txBody>
+                    <a:bodyPr/>
+                    <a:lstStyle/>
+                    <a:p>
+                      <a:r>
+                        <a:rPr lang="en-US" altLang="zh-TW" dirty="0" smtClean="0"/>
+                        <a:t>0.9814814814814</a:t>
+                      </a:r>
+                      <a:endParaRPr lang="zh-TW" altLang="en-US" dirty="0"/>
+                    </a:p>
+                  </a:txBody>
+                  <a:tcPr/>
+                </a:tc>
+                <a:extLst>
+                  <a:ext uri="{0D108BD9-81ED-4DB2-BD59-A6C34878D82A}">
+                    <a16:rowId xmlns:a16="http://schemas.microsoft.com/office/drawing/2014/main" val="2743681111"/>
+                  </a:ext>
+                </a:extLst>
+              </a:tr>
+              <a:tr h="435811">
+                <a:tc>
+                  <a:txBody>
+                    <a:bodyPr/>
+                    <a:lstStyle/>
+                    <a:p>
+                      <a:r>
+                        <a:rPr lang="en-US" altLang="zh-TW" dirty="0" smtClean="0"/>
+                        <a:t>All</a:t>
+                      </a:r>
+                      <a:endParaRPr lang="zh-TW" altLang="en-US" dirty="0"/>
+                    </a:p>
+                  </a:txBody>
+                  <a:tcPr/>
+                </a:tc>
+                <a:tc>
+                  <a:txBody>
+                    <a:bodyPr/>
+                    <a:lstStyle/>
+                    <a:p>
+                      <a:r>
+                        <a:rPr lang="en-US" altLang="zh-TW" dirty="0" smtClean="0">
+                          <a:solidFill>
+                            <a:srgbClr val="7030A0"/>
+                          </a:solidFill>
+                        </a:rPr>
+                        <a:t>0.5</a:t>
+                      </a:r>
+                      <a:endParaRPr lang="zh-TW" altLang="en-US" dirty="0">
+                        <a:solidFill>
+                          <a:srgbClr val="7030A0"/>
+                        </a:solidFill>
+                      </a:endParaRPr>
+                    </a:p>
+                  </a:txBody>
+                  <a:tcPr/>
+                </a:tc>
+                <a:tc>
+                  <a:txBody>
+                    <a:bodyPr/>
+                    <a:lstStyle/>
+                    <a:p>
+                      <a:pPr marL="0" marR="0" lvl="0" indent="0" algn="l" defTabSz="914400" rtl="0" eaLnBrk="1" fontAlgn="auto" latinLnBrk="0" hangingPunct="1">
+                        <a:lnSpc>
+                          <a:spcPct val="100000"/>
+                        </a:lnSpc>
+                        <a:spcBef>
+                          <a:spcPts val="0"/>
+                        </a:spcBef>
+                        <a:spcAft>
+                          <a:spcPts val="0"/>
+                        </a:spcAft>
+                        <a:buClrTx/>
+                        <a:buSzTx/>
+                        <a:buFontTx/>
+                        <a:buNone/>
+                        <a:tabLst/>
+                        <a:defRPr/>
+                      </a:pPr>
+                      <a:r>
+                        <a:rPr lang="it-IT" altLang="zh-TW" sz="1800" b="0" kern="1200" dirty="0" smtClean="0">
+                          <a:solidFill>
+                            <a:schemeClr val="dk1"/>
+                          </a:solidFill>
+                          <a:effectLst/>
+                          <a:latin typeface="+mn-lt"/>
+                          <a:ea typeface="+mn-ea"/>
+                          <a:cs typeface="+mn-cs"/>
+                        </a:rPr>
+                        <a:t>C=1, kernel='linear', gamma='scale'</a:t>
+                      </a:r>
+                    </a:p>
+                  </a:txBody>
+                  <a:tcPr/>
+                </a:tc>
+                <a:tc>
+                  <a:txBody>
+                    <a:bodyPr/>
+                    <a:lstStyle/>
+                    <a:p>
+                      <a:r>
+                        <a:rPr lang="en-US" altLang="zh-TW" dirty="0" smtClean="0"/>
+                        <a:t>1.0</a:t>
+                      </a:r>
+                      <a:endParaRPr lang="zh-TW" altLang="en-US" dirty="0"/>
+                    </a:p>
+                  </a:txBody>
+                  <a:tcPr/>
+                </a:tc>
+                <a:tc>
+                  <a:txBody>
+                    <a:bodyPr/>
+                    <a:lstStyle/>
+                    <a:p>
+                      <a:r>
+                        <a:rPr lang="en-US" altLang="zh-TW" dirty="0" smtClean="0"/>
+                        <a:t>0.9550561797752</a:t>
+                      </a:r>
+                      <a:endParaRPr lang="zh-TW" altLang="en-US" dirty="0"/>
+                    </a:p>
+                  </a:txBody>
+                  <a:tcPr/>
+                </a:tc>
+                <a:extLst>
+                  <a:ext uri="{0D108BD9-81ED-4DB2-BD59-A6C34878D82A}">
+                    <a16:rowId xmlns:a16="http://schemas.microsoft.com/office/drawing/2014/main" val="555416364"/>
+                  </a:ext>
+                </a:extLst>
+              </a:tr>
+              <a:tr h="435811">
+                <a:tc>
+                  <a:txBody>
+                    <a:bodyPr/>
+                    <a:lstStyle/>
+                    <a:p>
+                      <a:r>
+                        <a:rPr lang="en-US" altLang="zh-TW" dirty="0" smtClean="0"/>
+                        <a:t>All</a:t>
+                      </a:r>
+                      <a:endParaRPr lang="zh-TW" altLang="en-US" dirty="0"/>
+                    </a:p>
+                  </a:txBody>
+                  <a:tcPr/>
+                </a:tc>
+                <a:tc>
+                  <a:txBody>
+                    <a:bodyPr/>
+                    <a:lstStyle/>
+                    <a:p>
+                      <a:r>
+                        <a:rPr lang="en-US" altLang="zh-TW" dirty="0" smtClean="0"/>
+                        <a:t>0.3</a:t>
+                      </a:r>
+                      <a:endParaRPr lang="zh-TW" altLang="en-US" dirty="0"/>
+                    </a:p>
+                  </a:txBody>
+                  <a:tcPr/>
+                </a:tc>
+                <a:tc>
+                  <a:txBody>
+                    <a:bodyPr/>
+                    <a:lstStyle/>
+                    <a:p>
+                      <a:pPr marL="0" marR="0" lvl="0" indent="0" algn="l" defTabSz="914400" rtl="0" eaLnBrk="1" fontAlgn="auto" latinLnBrk="0" hangingPunct="1">
+                        <a:lnSpc>
+                          <a:spcPct val="100000"/>
+                        </a:lnSpc>
+                        <a:spcBef>
+                          <a:spcPts val="0"/>
+                        </a:spcBef>
+                        <a:spcAft>
+                          <a:spcPts val="0"/>
+                        </a:spcAft>
+                        <a:buClrTx/>
+                        <a:buSzTx/>
+                        <a:buFontTx/>
+                        <a:buNone/>
+                        <a:tabLst/>
+                        <a:defRPr/>
+                      </a:pPr>
+                      <a:r>
+                        <a:rPr lang="it-IT" altLang="zh-TW" sz="1800" b="0" kern="1200" dirty="0" smtClean="0">
+                          <a:solidFill>
+                            <a:srgbClr val="7030A0"/>
+                          </a:solidFill>
+                          <a:effectLst/>
+                          <a:latin typeface="+mn-lt"/>
+                          <a:ea typeface="+mn-ea"/>
+                          <a:cs typeface="+mn-cs"/>
+                        </a:rPr>
+                        <a:t>C=5</a:t>
+                      </a:r>
+                      <a:r>
+                        <a:rPr lang="it-IT" altLang="zh-TW" sz="1800" b="0" kern="1200" dirty="0" smtClean="0">
+                          <a:solidFill>
+                            <a:schemeClr val="dk1"/>
+                          </a:solidFill>
+                          <a:effectLst/>
+                          <a:latin typeface="+mn-lt"/>
+                          <a:ea typeface="+mn-ea"/>
+                          <a:cs typeface="+mn-cs"/>
+                        </a:rPr>
+                        <a:t>,</a:t>
+                      </a:r>
+                      <a:r>
+                        <a:rPr lang="it-IT" altLang="zh-TW" sz="1800" b="0" kern="1200" dirty="0" smtClean="0">
+                          <a:solidFill>
+                            <a:schemeClr val="dk1"/>
+                          </a:solidFill>
+                          <a:effectLst/>
+                          <a:latin typeface="+mn-lt"/>
+                          <a:ea typeface="+mn-ea"/>
+                          <a:cs typeface="+mn-cs"/>
+                        </a:rPr>
+                        <a:t> kernel='linear', gamma='scale'</a:t>
+                      </a:r>
+                    </a:p>
+                  </a:txBody>
+                  <a:tcPr/>
+                </a:tc>
+                <a:tc>
+                  <a:txBody>
+                    <a:bodyPr/>
+                    <a:lstStyle/>
+                    <a:p>
+                      <a:r>
+                        <a:rPr lang="en-US" altLang="zh-TW" dirty="0" smtClean="0"/>
+                        <a:t>1.0</a:t>
+                      </a:r>
+                      <a:endParaRPr lang="zh-TW" altLang="en-US" dirty="0"/>
+                    </a:p>
+                  </a:txBody>
+                  <a:tcPr/>
+                </a:tc>
+                <a:tc>
+                  <a:txBody>
+                    <a:bodyPr/>
+                    <a:lstStyle/>
+                    <a:p>
+                      <a:r>
+                        <a:rPr lang="en-US" altLang="zh-TW" sz="1800" b="0" kern="1200" dirty="0" smtClean="0">
+                          <a:solidFill>
+                            <a:schemeClr val="dk1"/>
+                          </a:solidFill>
+                          <a:effectLst/>
+                          <a:latin typeface="+mn-lt"/>
+                          <a:ea typeface="+mn-ea"/>
+                          <a:cs typeface="+mn-cs"/>
+                        </a:rPr>
+                        <a:t>0.9444444444444</a:t>
+                      </a:r>
+                      <a:endParaRPr lang="zh-TW" altLang="en-US" sz="1800" b="0" kern="1200" dirty="0">
+                        <a:solidFill>
+                          <a:schemeClr val="dk1"/>
+                        </a:solidFill>
+                        <a:effectLst/>
+                        <a:latin typeface="+mn-lt"/>
+                        <a:ea typeface="+mn-ea"/>
+                        <a:cs typeface="+mn-cs"/>
+                      </a:endParaRPr>
+                    </a:p>
+                  </a:txBody>
+                  <a:tcPr/>
+                </a:tc>
+                <a:extLst>
+                  <a:ext uri="{0D108BD9-81ED-4DB2-BD59-A6C34878D82A}">
+                    <a16:rowId xmlns:a16="http://schemas.microsoft.com/office/drawing/2014/main" val="426763026"/>
+                  </a:ext>
+                </a:extLst>
+              </a:tr>
+              <a:tr h="435811">
+                <a:tc>
+                  <a:txBody>
+                    <a:bodyPr/>
+                    <a:lstStyle/>
+                    <a:p>
+                      <a:r>
+                        <a:rPr lang="en-US" altLang="zh-TW" dirty="0" smtClean="0"/>
+                        <a:t>All</a:t>
+                      </a:r>
+                      <a:endParaRPr lang="zh-TW" altLang="en-US" dirty="0"/>
+                    </a:p>
+                  </a:txBody>
+                  <a:tcPr/>
+                </a:tc>
+                <a:tc>
+                  <a:txBody>
+                    <a:bodyPr/>
+                    <a:lstStyle/>
+                    <a:p>
+                      <a:r>
+                        <a:rPr lang="en-US" altLang="zh-TW" dirty="0" smtClean="0"/>
+                        <a:t>0.3</a:t>
+                      </a:r>
+                      <a:endParaRPr lang="zh-TW" altLang="en-US" dirty="0"/>
+                    </a:p>
+                  </a:txBody>
+                  <a:tcPr/>
+                </a:tc>
+                <a:tc>
+                  <a:txBody>
+                    <a:bodyPr/>
+                    <a:lstStyle/>
+                    <a:p>
+                      <a:pPr marL="0" marR="0" lvl="0" indent="0" algn="l" defTabSz="914400" rtl="0" eaLnBrk="1" fontAlgn="auto" latinLnBrk="0" hangingPunct="1">
+                        <a:lnSpc>
+                          <a:spcPct val="100000"/>
+                        </a:lnSpc>
+                        <a:spcBef>
+                          <a:spcPts val="0"/>
+                        </a:spcBef>
+                        <a:spcAft>
+                          <a:spcPts val="0"/>
+                        </a:spcAft>
+                        <a:buClrTx/>
+                        <a:buSzTx/>
+                        <a:buFontTx/>
+                        <a:buNone/>
+                        <a:tabLst/>
+                        <a:defRPr/>
+                      </a:pPr>
+                      <a:r>
+                        <a:rPr lang="it-IT" altLang="zh-TW" sz="1800" b="0" kern="1200" dirty="0" smtClean="0">
+                          <a:solidFill>
+                            <a:schemeClr val="tx1"/>
+                          </a:solidFill>
+                          <a:effectLst/>
+                          <a:latin typeface="+mn-lt"/>
+                          <a:ea typeface="+mn-ea"/>
+                          <a:cs typeface="+mn-cs"/>
+                        </a:rPr>
+                        <a:t>C=5</a:t>
+                      </a:r>
+                      <a:r>
+                        <a:rPr lang="it-IT" altLang="zh-TW" sz="1800" b="0" kern="1200" dirty="0" smtClean="0">
+                          <a:solidFill>
+                            <a:schemeClr val="dk1"/>
+                          </a:solidFill>
+                          <a:effectLst/>
+                          <a:latin typeface="+mn-lt"/>
+                          <a:ea typeface="+mn-ea"/>
+                          <a:cs typeface="+mn-cs"/>
+                        </a:rPr>
+                        <a:t>, </a:t>
+                      </a:r>
+                      <a:r>
+                        <a:rPr lang="it-IT" altLang="zh-TW" sz="1800" b="0" kern="1200" dirty="0" smtClean="0">
+                          <a:solidFill>
+                            <a:srgbClr val="7030A0"/>
+                          </a:solidFill>
+                          <a:effectLst/>
+                          <a:latin typeface="+mn-lt"/>
+                          <a:ea typeface="+mn-ea"/>
+                          <a:cs typeface="+mn-cs"/>
+                        </a:rPr>
+                        <a:t>kernel</a:t>
+                      </a:r>
+                      <a:r>
+                        <a:rPr lang="it-IT" altLang="zh-TW" sz="1800" b="0" kern="1200" dirty="0" smtClean="0">
+                          <a:solidFill>
+                            <a:srgbClr val="7030A0"/>
+                          </a:solidFill>
+                          <a:effectLst/>
+                          <a:latin typeface="+mn-lt"/>
+                          <a:ea typeface="+mn-ea"/>
+                          <a:cs typeface="+mn-cs"/>
+                        </a:rPr>
+                        <a:t>=‘rbf'</a:t>
+                      </a:r>
+                      <a:r>
+                        <a:rPr lang="it-IT" altLang="zh-TW" sz="1800" b="0" kern="1200" dirty="0" smtClean="0">
+                          <a:solidFill>
+                            <a:schemeClr val="dk1"/>
+                          </a:solidFill>
+                          <a:effectLst/>
+                          <a:latin typeface="+mn-lt"/>
+                          <a:ea typeface="+mn-ea"/>
+                          <a:cs typeface="+mn-cs"/>
+                        </a:rPr>
+                        <a:t>,</a:t>
+                      </a:r>
+                      <a:r>
+                        <a:rPr lang="it-IT" altLang="zh-TW" sz="1800" b="0" kern="1200" dirty="0" smtClean="0">
+                          <a:solidFill>
+                            <a:schemeClr val="dk1"/>
+                          </a:solidFill>
+                          <a:effectLst/>
+                          <a:latin typeface="+mn-lt"/>
+                          <a:ea typeface="+mn-ea"/>
+                          <a:cs typeface="+mn-cs"/>
+                        </a:rPr>
+                        <a:t> gamma='scale'</a:t>
+                      </a:r>
+                    </a:p>
+                  </a:txBody>
+                  <a:tcPr/>
+                </a:tc>
+                <a:tc>
+                  <a:txBody>
+                    <a:bodyPr/>
+                    <a:lstStyle/>
+                    <a:p>
+                      <a:r>
+                        <a:rPr lang="en-US" altLang="zh-TW" dirty="0" smtClean="0"/>
+                        <a:t>0.7419354838709</a:t>
+                      </a:r>
+                      <a:endParaRPr lang="zh-TW" altLang="en-US" dirty="0"/>
+                    </a:p>
+                  </a:txBody>
+                  <a:tcPr/>
+                </a:tc>
+                <a:tc>
+                  <a:txBody>
+                    <a:bodyPr/>
+                    <a:lstStyle/>
+                    <a:p>
+                      <a:r>
+                        <a:rPr lang="en-US" altLang="zh-TW" dirty="0" smtClean="0"/>
+                        <a:t>0.6851851851851</a:t>
+                      </a:r>
+                      <a:endParaRPr lang="zh-TW" altLang="en-US" dirty="0"/>
+                    </a:p>
+                  </a:txBody>
+                  <a:tcPr/>
+                </a:tc>
+                <a:extLst>
+                  <a:ext uri="{0D108BD9-81ED-4DB2-BD59-A6C34878D82A}">
+                    <a16:rowId xmlns:a16="http://schemas.microsoft.com/office/drawing/2014/main" val="1342341179"/>
+                  </a:ext>
+                </a:extLst>
+              </a:tr>
+              <a:tr h="435811">
+                <a:tc>
+                  <a:txBody>
+                    <a:bodyPr/>
+                    <a:lstStyle/>
+                    <a:p>
+                      <a:r>
+                        <a:rPr lang="en-US" altLang="zh-TW" dirty="0" smtClean="0"/>
+                        <a:t>All</a:t>
+                      </a:r>
+                      <a:endParaRPr lang="zh-TW" altLang="en-US" dirty="0"/>
+                    </a:p>
+                  </a:txBody>
+                  <a:tcPr/>
+                </a:tc>
+                <a:tc>
+                  <a:txBody>
+                    <a:bodyPr/>
+                    <a:lstStyle/>
+                    <a:p>
+                      <a:r>
+                        <a:rPr lang="en-US" altLang="zh-TW" dirty="0" smtClean="0"/>
+                        <a:t>0.3</a:t>
+                      </a:r>
+                      <a:endParaRPr lang="zh-TW" altLang="en-US" dirty="0"/>
+                    </a:p>
+                  </a:txBody>
+                  <a:tcPr/>
+                </a:tc>
+                <a:tc>
+                  <a:txBody>
+                    <a:bodyPr/>
+                    <a:lstStyle/>
+                    <a:p>
+                      <a:pPr marL="0" marR="0" lvl="0" indent="0" algn="l" defTabSz="914400" rtl="0" eaLnBrk="1" fontAlgn="auto" latinLnBrk="0" hangingPunct="1">
+                        <a:lnSpc>
+                          <a:spcPct val="100000"/>
+                        </a:lnSpc>
+                        <a:spcBef>
+                          <a:spcPts val="0"/>
+                        </a:spcBef>
+                        <a:spcAft>
+                          <a:spcPts val="0"/>
+                        </a:spcAft>
+                        <a:buClrTx/>
+                        <a:buSzTx/>
+                        <a:buFontTx/>
+                        <a:buNone/>
+                        <a:tabLst/>
+                        <a:defRPr/>
+                      </a:pPr>
+                      <a:r>
+                        <a:rPr lang="it-IT" altLang="zh-TW" sz="1800" b="0" kern="1200" dirty="0" smtClean="0">
+                          <a:solidFill>
+                            <a:schemeClr val="tx1"/>
+                          </a:solidFill>
+                          <a:effectLst/>
+                          <a:latin typeface="+mn-lt"/>
+                          <a:ea typeface="+mn-ea"/>
+                          <a:cs typeface="+mn-cs"/>
+                        </a:rPr>
+                        <a:t>C=5</a:t>
+                      </a:r>
+                      <a:r>
+                        <a:rPr lang="it-IT" altLang="zh-TW" sz="1800" b="0" kern="1200" dirty="0" smtClean="0">
+                          <a:solidFill>
+                            <a:schemeClr val="dk1"/>
+                          </a:solidFill>
+                          <a:effectLst/>
+                          <a:latin typeface="+mn-lt"/>
+                          <a:ea typeface="+mn-ea"/>
+                          <a:cs typeface="+mn-cs"/>
+                        </a:rPr>
+                        <a:t>, </a:t>
+                      </a:r>
+                      <a:r>
+                        <a:rPr lang="it-IT" altLang="zh-TW" sz="1800" b="0" kern="1200" dirty="0" smtClean="0">
+                          <a:solidFill>
+                            <a:srgbClr val="7030A0"/>
+                          </a:solidFill>
+                          <a:effectLst/>
+                          <a:latin typeface="+mn-lt"/>
+                          <a:ea typeface="+mn-ea"/>
+                          <a:cs typeface="+mn-cs"/>
+                        </a:rPr>
+                        <a:t>kernel</a:t>
+                      </a:r>
+                      <a:r>
+                        <a:rPr lang="it-IT" altLang="zh-TW" sz="1800" b="0" kern="1200" dirty="0" smtClean="0">
+                          <a:solidFill>
+                            <a:srgbClr val="7030A0"/>
+                          </a:solidFill>
+                          <a:effectLst/>
+                          <a:latin typeface="+mn-lt"/>
+                          <a:ea typeface="+mn-ea"/>
+                          <a:cs typeface="+mn-cs"/>
+                        </a:rPr>
+                        <a:t>=‘poly'</a:t>
+                      </a:r>
+                      <a:r>
+                        <a:rPr lang="it-IT" altLang="zh-TW" sz="1800" b="0" kern="1200" dirty="0" smtClean="0">
+                          <a:solidFill>
+                            <a:schemeClr val="dk1"/>
+                          </a:solidFill>
+                          <a:effectLst/>
+                          <a:latin typeface="+mn-lt"/>
+                          <a:ea typeface="+mn-ea"/>
+                          <a:cs typeface="+mn-cs"/>
+                        </a:rPr>
+                        <a:t>,</a:t>
+                      </a:r>
+                      <a:r>
+                        <a:rPr lang="it-IT" altLang="zh-TW" sz="1800" b="0" kern="1200" dirty="0" smtClean="0">
+                          <a:solidFill>
+                            <a:schemeClr val="dk1"/>
+                          </a:solidFill>
+                          <a:effectLst/>
+                          <a:latin typeface="+mn-lt"/>
+                          <a:ea typeface="+mn-ea"/>
+                          <a:cs typeface="+mn-cs"/>
+                        </a:rPr>
+                        <a:t> gamma='scale'</a:t>
+                      </a:r>
+                    </a:p>
+                  </a:txBody>
+                  <a:tcPr/>
+                </a:tc>
+                <a:tc>
+                  <a:txBody>
+                    <a:bodyPr/>
+                    <a:lstStyle/>
+                    <a:p>
+                      <a:r>
+                        <a:rPr lang="en-US" altLang="zh-TW" dirty="0" smtClean="0"/>
+                        <a:t>0.6854838709677</a:t>
+                      </a:r>
+                      <a:endParaRPr lang="zh-TW" altLang="en-US" dirty="0"/>
+                    </a:p>
+                  </a:txBody>
+                  <a:tcPr/>
+                </a:tc>
+                <a:tc>
+                  <a:txBody>
+                    <a:bodyPr/>
+                    <a:lstStyle/>
+                    <a:p>
+                      <a:r>
+                        <a:rPr lang="en-US" altLang="zh-TW" dirty="0" smtClean="0"/>
+                        <a:t>0.7222222222222</a:t>
+                      </a:r>
+                      <a:endParaRPr lang="zh-TW" altLang="en-US" dirty="0"/>
+                    </a:p>
+                  </a:txBody>
+                  <a:tcPr/>
+                </a:tc>
+                <a:extLst>
+                  <a:ext uri="{0D108BD9-81ED-4DB2-BD59-A6C34878D82A}">
+                    <a16:rowId xmlns:a16="http://schemas.microsoft.com/office/drawing/2014/main" val="1153476061"/>
+                  </a:ext>
+                </a:extLst>
+              </a:tr>
+              <a:tr h="435811">
+                <a:tc>
+                  <a:txBody>
+                    <a:bodyPr/>
+                    <a:lstStyle/>
+                    <a:p>
+                      <a:r>
+                        <a:rPr lang="en-US" altLang="zh-TW" dirty="0" smtClean="0"/>
+                        <a:t>All</a:t>
+                      </a:r>
+                      <a:endParaRPr lang="zh-TW" altLang="en-US" dirty="0"/>
+                    </a:p>
+                  </a:txBody>
+                  <a:tcPr/>
+                </a:tc>
+                <a:tc>
+                  <a:txBody>
+                    <a:bodyPr/>
+                    <a:lstStyle/>
+                    <a:p>
+                      <a:r>
+                        <a:rPr lang="en-US" altLang="zh-TW" dirty="0" smtClean="0"/>
+                        <a:t>0.3</a:t>
+                      </a:r>
+                      <a:endParaRPr lang="zh-TW" altLang="en-US" dirty="0"/>
+                    </a:p>
+                  </a:txBody>
+                  <a:tcPr/>
+                </a:tc>
+                <a:tc>
+                  <a:txBody>
+                    <a:bodyPr/>
+                    <a:lstStyle/>
+                    <a:p>
+                      <a:pPr marL="0" marR="0" lvl="0" indent="0" algn="l" defTabSz="914400" rtl="0" eaLnBrk="1" fontAlgn="auto" latinLnBrk="0" hangingPunct="1">
+                        <a:lnSpc>
+                          <a:spcPct val="100000"/>
+                        </a:lnSpc>
+                        <a:spcBef>
+                          <a:spcPts val="0"/>
+                        </a:spcBef>
+                        <a:spcAft>
+                          <a:spcPts val="0"/>
+                        </a:spcAft>
+                        <a:buClrTx/>
+                        <a:buSzTx/>
+                        <a:buFontTx/>
+                        <a:buNone/>
+                        <a:tabLst/>
+                        <a:defRPr/>
+                      </a:pPr>
+                      <a:r>
+                        <a:rPr lang="it-IT" altLang="zh-TW" sz="1800" b="0" kern="1200" dirty="0" smtClean="0">
+                          <a:solidFill>
+                            <a:schemeClr val="dk1"/>
+                          </a:solidFill>
+                          <a:effectLst/>
+                          <a:latin typeface="+mn-lt"/>
+                          <a:ea typeface="+mn-ea"/>
+                          <a:cs typeface="+mn-cs"/>
+                        </a:rPr>
+                        <a:t>C=1, kernel='linear', </a:t>
+                      </a:r>
+                      <a:r>
+                        <a:rPr lang="it-IT" altLang="zh-TW" sz="1800" b="0" kern="1200" dirty="0" smtClean="0">
+                          <a:solidFill>
+                            <a:srgbClr val="7030A0"/>
+                          </a:solidFill>
+                          <a:effectLst/>
+                          <a:latin typeface="+mn-lt"/>
+                          <a:ea typeface="+mn-ea"/>
+                          <a:cs typeface="+mn-cs"/>
+                        </a:rPr>
+                        <a:t>gamma</a:t>
+                      </a:r>
+                      <a:r>
+                        <a:rPr lang="it-IT" altLang="zh-TW" sz="1800" b="0" kern="1200" dirty="0" smtClean="0">
+                          <a:solidFill>
+                            <a:srgbClr val="7030A0"/>
+                          </a:solidFill>
+                          <a:effectLst/>
+                          <a:latin typeface="+mn-lt"/>
+                          <a:ea typeface="+mn-ea"/>
+                          <a:cs typeface="+mn-cs"/>
+                        </a:rPr>
+                        <a:t>=‘auto'</a:t>
+                      </a:r>
+                      <a:endParaRPr lang="it-IT" altLang="zh-TW" sz="1800" b="0" kern="1200" dirty="0" smtClean="0">
+                        <a:solidFill>
+                          <a:srgbClr val="7030A0"/>
+                        </a:solidFill>
+                        <a:effectLst/>
+                        <a:latin typeface="+mn-lt"/>
+                        <a:ea typeface="+mn-ea"/>
+                        <a:cs typeface="+mn-cs"/>
+                      </a:endParaRPr>
+                    </a:p>
+                  </a:txBody>
+                  <a:tcPr/>
+                </a:tc>
+                <a:tc>
+                  <a:txBody>
+                    <a:bodyPr/>
+                    <a:lstStyle/>
+                    <a:p>
+                      <a:r>
+                        <a:rPr lang="en-US" altLang="zh-TW" dirty="0" smtClean="0"/>
+                        <a:t>0.9919354838709</a:t>
+                      </a:r>
+                      <a:endParaRPr lang="zh-TW" altLang="en-US" dirty="0"/>
+                    </a:p>
+                  </a:txBody>
+                  <a:tcPr/>
+                </a:tc>
+                <a:tc>
+                  <a:txBody>
+                    <a:bodyPr/>
+                    <a:lstStyle/>
+                    <a:p>
+                      <a:r>
+                        <a:rPr lang="en-US" altLang="zh-TW" dirty="0" smtClean="0"/>
+                        <a:t>0.9444444444444</a:t>
+                      </a:r>
+                      <a:endParaRPr lang="zh-TW" altLang="en-US" dirty="0"/>
+                    </a:p>
+                  </a:txBody>
+                  <a:tcPr/>
+                </a:tc>
+                <a:extLst>
+                  <a:ext uri="{0D108BD9-81ED-4DB2-BD59-A6C34878D82A}">
+                    <a16:rowId xmlns:a16="http://schemas.microsoft.com/office/drawing/2014/main" val="4065345278"/>
+                  </a:ext>
+                </a:extLst>
+              </a:tr>
+            </a:tbl>
+          </a:graphicData>
+        </a:graphic>
+      </p:graphicFrame>
+      <p:sp>
+        <p:nvSpPr>
+          <p:cNvPr id="4" name="文字方塊 3"/>
+          <p:cNvSpPr txBox="1"/>
           <p:nvPr/>
-        </p:nvPicPr>
-        <p:blipFill>
-          <a:blip r:embed="rId3">
-            <a:extLst>
-              <a:ext uri="{28A0092B-C50C-407E-A947-70E740481C1C}">
-                <a14:useLocalDpi xmlns:a14="http://schemas.microsoft.com/office/drawing/2010/main" val="0"/>
-              </a:ext>
-            </a:extLst>
-          </a:blip>
-          <a:stretch>
-            <a:fillRect/>
-          </a:stretch>
-        </p:blipFill>
+        </p:nvSpPr>
         <p:spPr>
           <a:xfrm>
-            <a:off x="6953460" y="2298170"/>
-            <a:ext cx="4578192" cy="2572944"/>
-          </a:xfrm>
-          <a:prstGeom prst="rect">
-            <a:avLst/>
-          </a:prstGeom>
-        </p:spPr>
-      </p:pic>
-      <p:sp>
-        <p:nvSpPr>
-          <p:cNvPr id="3" name="文字方塊 2">
-            <a:extLst>
-              <a:ext uri="{FF2B5EF4-FFF2-40B4-BE49-F238E27FC236}">
-                <a16:creationId xmlns:a16="http://schemas.microsoft.com/office/drawing/2014/main" id="{29D427F0-A37D-4295-8419-447E678F499B}"/>
-              </a:ext>
-            </a:extLst>
-          </p:cNvPr>
-          <p:cNvSpPr txBox="1"/>
-          <p:nvPr/>
-        </p:nvSpPr>
-        <p:spPr>
-          <a:xfrm>
-            <a:off x="6953460" y="5227608"/>
-            <a:ext cx="4578192" cy="461665"/>
+            <a:off x="794331" y="5736848"/>
+            <a:ext cx="10972799" cy="369332"/>
           </a:xfrm>
           <a:prstGeom prst="rect">
             <a:avLst/>
@@ -8654,19 +6525,45 @@
           </a:bodyPr>
           <a:lstStyle/>
           <a:p>
-            <a:pPr algn="ctr"/>
-            <a:r>
-              <a:rPr lang="en-US" altLang="zh-TW" sz="2400" dirty="0"/>
-              <a:t>Total money is: 197</a:t>
-            </a:r>
-            <a:endParaRPr lang="zh-TW" altLang="en-US" sz="2400" dirty="0"/>
+            <a:r>
+              <a:rPr lang="zh-TW" altLang="en-US" dirty="0">
+                <a:latin typeface="微軟正黑體" panose="020B0604030504040204" pitchFamily="34" charset="-120"/>
+                <a:ea typeface="微軟正黑體" panose="020B0604030504040204" pitchFamily="34" charset="-120"/>
+              </a:rPr>
+              <a:t>挑選特徵</a:t>
+            </a:r>
+            <a:r>
+              <a:rPr lang="zh-TW" altLang="en-US" dirty="0" smtClean="0">
+                <a:latin typeface="微軟正黑體" panose="020B0604030504040204" pitchFamily="34" charset="-120"/>
+                <a:ea typeface="微軟正黑體" panose="020B0604030504040204" pitchFamily="34" charset="-120"/>
+              </a:rPr>
+              <a:t>時，因為特徵都是專業的差異，在沒有專業知識下，我們隨機選擇不同數量</a:t>
+            </a:r>
+            <a:r>
+              <a:rPr lang="en-US" altLang="zh-TW" dirty="0" smtClean="0">
+                <a:latin typeface="微軟正黑體" panose="020B0604030504040204" pitchFamily="34" charset="-120"/>
+                <a:ea typeface="微軟正黑體" panose="020B0604030504040204" pitchFamily="34" charset="-120"/>
+              </a:rPr>
+              <a:t>(13, 3, 7)</a:t>
+            </a:r>
+            <a:r>
+              <a:rPr lang="zh-TW" altLang="en-US" dirty="0" smtClean="0">
+                <a:latin typeface="微軟正黑體" panose="020B0604030504040204" pitchFamily="34" charset="-120"/>
+                <a:ea typeface="微軟正黑體" panose="020B0604030504040204" pitchFamily="34" charset="-120"/>
+              </a:rPr>
+              <a:t>的特徵做比較</a:t>
+            </a:r>
+            <a:endParaRPr lang="zh-TW" altLang="en-US" dirty="0">
+              <a:latin typeface="微軟正黑體" panose="020B0604030504040204" pitchFamily="34" charset="-120"/>
+              <a:ea typeface="微軟正黑體" panose="020B0604030504040204" pitchFamily="34" charset="-120"/>
+            </a:endParaRPr>
           </a:p>
         </p:txBody>
       </p:sp>
     </p:spTree>
     <p:extLst>
       <p:ext uri="{BB962C8B-B14F-4D97-AF65-F5344CB8AC3E}">
-        <p14:creationId xmlns:p14="http://schemas.microsoft.com/office/powerpoint/2010/main" val="3540409376"/>
+        <p14:creationId xmlns:p14="http://schemas.microsoft.com/office/powerpoint/2010/main" val="3774608827"/>
       </p:ext>
     </p:extLst>
   </p:cSld>
@@ -8695,356 +6592,46 @@
       </p:grpSpPr>
       <p:sp>
         <p:nvSpPr>
-          <p:cNvPr id="2" name="矩形 1"/>
-          <p:cNvSpPr/>
-          <p:nvPr/>
-        </p:nvSpPr>
-        <p:spPr>
-          <a:xfrm>
-            <a:off x="983226" y="333985"/>
-            <a:ext cx="4216539" cy="646331"/>
-          </a:xfrm>
-          <a:prstGeom prst="rect">
-            <a:avLst/>
-          </a:prstGeom>
-        </p:spPr>
-        <p:txBody>
-          <a:bodyPr wrap="none">
-            <a:spAutoFit/>
+          <p:cNvPr id="2" name="標題 1"/>
+          <p:cNvSpPr>
+            <a:spLocks noGrp="1"/>
+          </p:cNvSpPr>
+          <p:nvPr>
+            <p:ph type="title"/>
+          </p:nvPr>
+        </p:nvSpPr>
+        <p:spPr/>
+        <p:txBody>
+          <a:bodyPr>
+            <a:normAutofit/>
           </a:bodyPr>
           <a:lstStyle/>
           <a:p>
             <a:r>
-              <a:rPr lang="en-US" altLang="zh-TW" sz="3600" dirty="0">
+              <a:rPr lang="zh-TW" altLang="en-US" sz="4000" dirty="0">
+                <a:latin typeface="微軟正黑體" panose="020B0604030504040204" pitchFamily="34" charset="-120"/>
                 <a:ea typeface="微軟正黑體" panose="020B0604030504040204" pitchFamily="34" charset="-120"/>
               </a:rPr>
-              <a:t>coin.py</a:t>
-            </a:r>
-            <a:r>
-              <a:rPr lang="zh-TW" altLang="en-US" sz="3600" dirty="0" smtClean="0">
+              <a:t>測試中觀察到的</a:t>
+            </a:r>
+            <a:r>
+              <a:rPr lang="zh-TW" altLang="en-US" sz="4000" dirty="0" smtClean="0">
+                <a:latin typeface="微軟正黑體" panose="020B0604030504040204" pitchFamily="34" charset="-120"/>
                 <a:ea typeface="微軟正黑體" panose="020B0604030504040204" pitchFamily="34" charset="-120"/>
               </a:rPr>
-              <a:t>演算法流程</a:t>
-            </a:r>
-            <a:r>
-              <a:rPr lang="en-US" altLang="zh-TW" sz="3600" dirty="0" smtClean="0">
-                <a:ea typeface="微軟正黑體" panose="020B0604030504040204" pitchFamily="34" charset="-120"/>
-              </a:rPr>
-              <a:t>-1</a:t>
-            </a:r>
-            <a:endParaRPr lang="zh-TW" altLang="en-US" sz="3600" dirty="0"/>
-          </a:p>
-        </p:txBody>
-      </p:sp>
-      <p:sp>
-        <p:nvSpPr>
-          <p:cNvPr id="3" name="文字方塊 2"/>
-          <p:cNvSpPr txBox="1"/>
-          <p:nvPr/>
-        </p:nvSpPr>
-        <p:spPr>
-          <a:xfrm>
-            <a:off x="983226" y="1081549"/>
-            <a:ext cx="10756490" cy="4801314"/>
-          </a:xfrm>
-          <a:prstGeom prst="rect">
-            <a:avLst/>
-          </a:prstGeom>
-          <a:noFill/>
-        </p:spPr>
-        <p:txBody>
-          <a:bodyPr wrap="square" rtlCol="0">
-            <a:spAutoFit/>
-          </a:bodyPr>
-          <a:lstStyle/>
-          <a:p>
-            <a:r>
-              <a:rPr lang="en-US" altLang="zh-TW" dirty="0"/>
-              <a:t>circles = cv2.HoughCircles(</a:t>
-            </a:r>
-            <a:r>
-              <a:rPr lang="en-US" altLang="zh-TW" dirty="0" err="1"/>
-              <a:t>img</a:t>
-            </a:r>
-            <a:r>
-              <a:rPr lang="en-US" altLang="zh-TW" dirty="0"/>
-              <a:t>, cv2.HOUGH_GRADIENT, 1, 360, param1=100, param2=30,minRadius=180, </a:t>
-            </a:r>
-            <a:r>
-              <a:rPr lang="en-US" altLang="zh-TW" dirty="0" err="1"/>
-              <a:t>maxRadius</a:t>
-            </a:r>
-            <a:r>
-              <a:rPr lang="en-US" altLang="zh-TW" dirty="0"/>
-              <a:t>=300)</a:t>
-            </a:r>
-          </a:p>
-          <a:p>
-            <a:r>
-              <a:rPr lang="en-US" altLang="zh-TW" dirty="0"/>
-              <a:t/>
-            </a:r>
-            <a:br>
-              <a:rPr lang="en-US" altLang="zh-TW" dirty="0"/>
-            </a:br>
-            <a:r>
-              <a:rPr lang="en-US" altLang="zh-TW" dirty="0"/>
-              <a:t>price = 0</a:t>
-            </a:r>
-          </a:p>
-          <a:p>
-            <a:r>
-              <a:rPr lang="en-US" altLang="zh-TW" dirty="0"/>
-              <a:t>if circles is not None:</a:t>
-            </a:r>
-          </a:p>
-          <a:p>
-            <a:r>
-              <a:rPr lang="en-US" altLang="zh-TW" dirty="0"/>
-              <a:t>    circles = np.uint16(</a:t>
-            </a:r>
-            <a:r>
-              <a:rPr lang="en-US" altLang="zh-TW" dirty="0" err="1"/>
-              <a:t>np.around</a:t>
-            </a:r>
-            <a:r>
-              <a:rPr lang="en-US" altLang="zh-TW" dirty="0"/>
-              <a:t>(circles))</a:t>
-            </a:r>
-          </a:p>
-          <a:p>
-            <a:r>
-              <a:rPr lang="en-US" altLang="zh-TW" dirty="0"/>
-              <a:t>    for </a:t>
-            </a:r>
-            <a:r>
-              <a:rPr lang="en-US" altLang="zh-TW" dirty="0" err="1"/>
-              <a:t>i</a:t>
-            </a:r>
-            <a:r>
-              <a:rPr lang="en-US" altLang="zh-TW" dirty="0"/>
-              <a:t> in circles[0, :]:        </a:t>
-            </a:r>
-          </a:p>
-          <a:p>
-            <a:r>
-              <a:rPr lang="en-US" altLang="zh-TW" dirty="0"/>
-              <a:t>        # draw rectangle</a:t>
-            </a:r>
-          </a:p>
-          <a:p>
-            <a:r>
-              <a:rPr lang="en-US" altLang="zh-TW" dirty="0"/>
-              <a:t>        # 1</a:t>
-            </a:r>
-          </a:p>
-          <a:p>
-            <a:r>
-              <a:rPr lang="en-US" altLang="zh-TW" dirty="0"/>
-              <a:t>        if(</a:t>
-            </a:r>
-            <a:r>
-              <a:rPr lang="en-US" altLang="zh-TW" dirty="0" err="1"/>
-              <a:t>i</a:t>
-            </a:r>
-            <a:r>
-              <a:rPr lang="en-US" altLang="zh-TW" dirty="0"/>
-              <a:t>[2]&lt;190):</a:t>
-            </a:r>
-          </a:p>
-          <a:p>
-            <a:r>
-              <a:rPr lang="en-US" altLang="zh-TW" dirty="0"/>
-              <a:t>            price += 1</a:t>
-            </a:r>
-          </a:p>
-          <a:p>
-            <a:r>
-              <a:rPr lang="en-US" altLang="zh-TW" dirty="0"/>
-              <a:t>            cv2.rectangle(img_3, (</a:t>
-            </a:r>
-            <a:r>
-              <a:rPr lang="en-US" altLang="zh-TW" dirty="0" err="1"/>
-              <a:t>i</a:t>
-            </a:r>
-            <a:r>
-              <a:rPr lang="en-US" altLang="zh-TW" dirty="0"/>
-              <a:t>[0]-</a:t>
-            </a:r>
-            <a:r>
-              <a:rPr lang="en-US" altLang="zh-TW" dirty="0" err="1"/>
-              <a:t>i</a:t>
-            </a:r>
-            <a:r>
-              <a:rPr lang="en-US" altLang="zh-TW" dirty="0"/>
-              <a:t>[2], </a:t>
-            </a:r>
-            <a:r>
-              <a:rPr lang="en-US" altLang="zh-TW" dirty="0" err="1"/>
-              <a:t>i</a:t>
-            </a:r>
-            <a:r>
-              <a:rPr lang="en-US" altLang="zh-TW" dirty="0"/>
-              <a:t>[1]+</a:t>
-            </a:r>
-            <a:r>
-              <a:rPr lang="en-US" altLang="zh-TW" dirty="0" err="1"/>
-              <a:t>i</a:t>
-            </a:r>
-            <a:r>
-              <a:rPr lang="en-US" altLang="zh-TW" dirty="0"/>
-              <a:t>[2]), (</a:t>
-            </a:r>
-            <a:r>
-              <a:rPr lang="en-US" altLang="zh-TW" dirty="0" err="1"/>
-              <a:t>i</a:t>
-            </a:r>
-            <a:r>
-              <a:rPr lang="en-US" altLang="zh-TW" dirty="0"/>
-              <a:t>[0]+</a:t>
-            </a:r>
-            <a:r>
-              <a:rPr lang="en-US" altLang="zh-TW" dirty="0" err="1"/>
-              <a:t>i</a:t>
-            </a:r>
-            <a:r>
-              <a:rPr lang="en-US" altLang="zh-TW" dirty="0"/>
-              <a:t>[2], </a:t>
-            </a:r>
-            <a:r>
-              <a:rPr lang="en-US" altLang="zh-TW" dirty="0" err="1"/>
-              <a:t>i</a:t>
-            </a:r>
-            <a:r>
-              <a:rPr lang="en-US" altLang="zh-TW" dirty="0"/>
-              <a:t>[1]-</a:t>
-            </a:r>
-            <a:r>
-              <a:rPr lang="en-US" altLang="zh-TW" dirty="0" err="1"/>
-              <a:t>i</a:t>
-            </a:r>
-            <a:r>
-              <a:rPr lang="en-US" altLang="zh-TW" dirty="0"/>
-              <a:t>[2]), (0,0,255), 10)</a:t>
-            </a:r>
-          </a:p>
-          <a:p>
-            <a:r>
-              <a:rPr lang="en-US" altLang="zh-TW" dirty="0"/>
-              <a:t>        # 5</a:t>
-            </a:r>
-          </a:p>
-          <a:p>
-            <a:r>
-              <a:rPr lang="en-US" altLang="zh-TW" dirty="0"/>
-              <a:t>        </a:t>
-            </a:r>
-            <a:r>
-              <a:rPr lang="en-US" altLang="zh-TW" dirty="0" err="1"/>
-              <a:t>elif</a:t>
-            </a:r>
-            <a:r>
-              <a:rPr lang="en-US" altLang="zh-TW" dirty="0"/>
-              <a:t>(</a:t>
-            </a:r>
-            <a:r>
-              <a:rPr lang="en-US" altLang="zh-TW" dirty="0" err="1"/>
-              <a:t>i</a:t>
-            </a:r>
-            <a:r>
-              <a:rPr lang="en-US" altLang="zh-TW" dirty="0"/>
-              <a:t>[2] &lt; 210):</a:t>
-            </a:r>
-          </a:p>
-          <a:p>
-            <a:r>
-              <a:rPr lang="en-US" altLang="zh-TW" dirty="0"/>
-              <a:t>            price += 5</a:t>
-            </a:r>
-          </a:p>
-          <a:p>
-            <a:r>
-              <a:rPr lang="en-US" altLang="zh-TW" dirty="0"/>
-              <a:t>            cv2.rectangle(img_3, (</a:t>
-            </a:r>
-            <a:r>
-              <a:rPr lang="en-US" altLang="zh-TW" dirty="0" err="1"/>
-              <a:t>i</a:t>
-            </a:r>
-            <a:r>
-              <a:rPr lang="en-US" altLang="zh-TW" dirty="0"/>
-              <a:t>[0]-</a:t>
-            </a:r>
-            <a:r>
-              <a:rPr lang="en-US" altLang="zh-TW" dirty="0" err="1"/>
-              <a:t>i</a:t>
-            </a:r>
-            <a:r>
-              <a:rPr lang="en-US" altLang="zh-TW" dirty="0"/>
-              <a:t>[2], </a:t>
-            </a:r>
-            <a:r>
-              <a:rPr lang="en-US" altLang="zh-TW" dirty="0" err="1"/>
-              <a:t>i</a:t>
-            </a:r>
-            <a:r>
-              <a:rPr lang="en-US" altLang="zh-TW" dirty="0"/>
-              <a:t>[1]+</a:t>
-            </a:r>
-            <a:r>
-              <a:rPr lang="en-US" altLang="zh-TW" dirty="0" err="1"/>
-              <a:t>i</a:t>
-            </a:r>
-            <a:r>
-              <a:rPr lang="en-US" altLang="zh-TW" dirty="0"/>
-              <a:t>[2]), (</a:t>
-            </a:r>
-            <a:r>
-              <a:rPr lang="en-US" altLang="zh-TW" dirty="0" err="1"/>
-              <a:t>i</a:t>
-            </a:r>
-            <a:r>
-              <a:rPr lang="en-US" altLang="zh-TW" dirty="0"/>
-              <a:t>[0]+</a:t>
-            </a:r>
-            <a:r>
-              <a:rPr lang="en-US" altLang="zh-TW" dirty="0" err="1"/>
-              <a:t>i</a:t>
-            </a:r>
-            <a:r>
-              <a:rPr lang="en-US" altLang="zh-TW" dirty="0"/>
-              <a:t>[2], </a:t>
-            </a:r>
-            <a:r>
-              <a:rPr lang="en-US" altLang="zh-TW" dirty="0" err="1"/>
-              <a:t>i</a:t>
-            </a:r>
-            <a:r>
-              <a:rPr lang="en-US" altLang="zh-TW" dirty="0"/>
-              <a:t>[1]-</a:t>
-            </a:r>
-            <a:r>
-              <a:rPr lang="en-US" altLang="zh-TW" dirty="0" err="1"/>
-              <a:t>i</a:t>
-            </a:r>
-            <a:r>
-              <a:rPr lang="en-US" altLang="zh-TW" dirty="0"/>
-              <a:t>[2]), (0, 125, 255), 10)</a:t>
-            </a:r>
-          </a:p>
-          <a:p>
-            <a:r>
-              <a:rPr lang="en-US" altLang="zh-TW" dirty="0"/>
-              <a:t>      </a:t>
-            </a:r>
-            <a:endParaRPr lang="zh-TW" altLang="en-US" dirty="0"/>
+              <a:t>差異</a:t>
+            </a:r>
+            <a:endParaRPr lang="zh-TW" altLang="en-US" sz="4000" dirty="0">
+              <a:latin typeface="微軟正黑體" panose="020B0604030504040204" pitchFamily="34" charset="-120"/>
+              <a:ea typeface="微軟正黑體" panose="020B0604030504040204" pitchFamily="34" charset="-120"/>
+            </a:endParaRPr>
           </a:p>
         </p:txBody>
       </p:sp>
     </p:spTree>
     <p:extLst>
       <p:ext uri="{BB962C8B-B14F-4D97-AF65-F5344CB8AC3E}">
-        <p14:creationId xmlns:p14="http://schemas.microsoft.com/office/powerpoint/2010/main" val="2949491647"/>
+        <p14:creationId xmlns:p14="http://schemas.microsoft.com/office/powerpoint/2010/main" val="3540409376"/>
       </p:ext>
     </p:extLst>
   </p:cSld>
@@ -9073,438 +6660,6 @@
       </p:grpSpPr>
       <p:sp>
         <p:nvSpPr>
-          <p:cNvPr id="2" name="矩形 1"/>
-          <p:cNvSpPr/>
-          <p:nvPr/>
-        </p:nvSpPr>
-        <p:spPr>
-          <a:xfrm>
-            <a:off x="983226" y="1304494"/>
-            <a:ext cx="9920748" cy="3970318"/>
-          </a:xfrm>
-          <a:prstGeom prst="rect">
-            <a:avLst/>
-          </a:prstGeom>
-        </p:spPr>
-        <p:txBody>
-          <a:bodyPr wrap="square">
-            <a:spAutoFit/>
-          </a:bodyPr>
-          <a:lstStyle/>
-          <a:p>
-            <a:r>
-              <a:rPr lang="en-US" altLang="zh-TW" dirty="0"/>
-              <a:t>  </a:t>
-            </a:r>
-            <a:r>
-              <a:rPr lang="en-US" altLang="zh-TW" dirty="0" smtClean="0"/>
-              <a:t>	#</a:t>
-            </a:r>
-            <a:r>
-              <a:rPr lang="en-US" altLang="zh-TW" dirty="0"/>
-              <a:t> 50</a:t>
-            </a:r>
-          </a:p>
-          <a:p>
-            <a:r>
-              <a:rPr lang="en-US" altLang="zh-TW" dirty="0"/>
-              <a:t>        </a:t>
-            </a:r>
-            <a:r>
-              <a:rPr lang="en-US" altLang="zh-TW" dirty="0" err="1"/>
-              <a:t>elif</a:t>
-            </a:r>
-            <a:r>
-              <a:rPr lang="en-US" altLang="zh-TW" dirty="0"/>
-              <a:t>(</a:t>
-            </a:r>
-            <a:r>
-              <a:rPr lang="en-US" altLang="zh-TW" dirty="0" err="1"/>
-              <a:t>i</a:t>
-            </a:r>
-            <a:r>
-              <a:rPr lang="en-US" altLang="zh-TW" dirty="0"/>
-              <a:t>[2] &gt; 248):</a:t>
-            </a:r>
-          </a:p>
-          <a:p>
-            <a:r>
-              <a:rPr lang="en-US" altLang="zh-TW" dirty="0"/>
-              <a:t>            price += 50</a:t>
-            </a:r>
-          </a:p>
-          <a:p>
-            <a:r>
-              <a:rPr lang="en-US" altLang="zh-TW" dirty="0"/>
-              <a:t>            cv2.rectangle(img_3, (</a:t>
-            </a:r>
-            <a:r>
-              <a:rPr lang="en-US" altLang="zh-TW" dirty="0" err="1"/>
-              <a:t>i</a:t>
-            </a:r>
-            <a:r>
-              <a:rPr lang="en-US" altLang="zh-TW" dirty="0"/>
-              <a:t>[0]-</a:t>
-            </a:r>
-            <a:r>
-              <a:rPr lang="en-US" altLang="zh-TW" dirty="0" err="1"/>
-              <a:t>i</a:t>
-            </a:r>
-            <a:r>
-              <a:rPr lang="en-US" altLang="zh-TW" dirty="0"/>
-              <a:t>[2], </a:t>
-            </a:r>
-            <a:r>
-              <a:rPr lang="en-US" altLang="zh-TW" dirty="0" err="1"/>
-              <a:t>i</a:t>
-            </a:r>
-            <a:r>
-              <a:rPr lang="en-US" altLang="zh-TW" dirty="0"/>
-              <a:t>[1]+</a:t>
-            </a:r>
-            <a:r>
-              <a:rPr lang="en-US" altLang="zh-TW" dirty="0" err="1"/>
-              <a:t>i</a:t>
-            </a:r>
-            <a:r>
-              <a:rPr lang="en-US" altLang="zh-TW" dirty="0"/>
-              <a:t>[2]), (</a:t>
-            </a:r>
-            <a:r>
-              <a:rPr lang="en-US" altLang="zh-TW" dirty="0" err="1"/>
-              <a:t>i</a:t>
-            </a:r>
-            <a:r>
-              <a:rPr lang="en-US" altLang="zh-TW" dirty="0"/>
-              <a:t>[0]+</a:t>
-            </a:r>
-            <a:r>
-              <a:rPr lang="en-US" altLang="zh-TW" dirty="0" err="1"/>
-              <a:t>i</a:t>
-            </a:r>
-            <a:r>
-              <a:rPr lang="en-US" altLang="zh-TW" dirty="0"/>
-              <a:t>[2], </a:t>
-            </a:r>
-            <a:r>
-              <a:rPr lang="en-US" altLang="zh-TW" dirty="0" err="1" smtClean="0"/>
-              <a:t>i</a:t>
-            </a:r>
-            <a:r>
-              <a:rPr lang="en-US" altLang="zh-TW" dirty="0" smtClean="0"/>
-              <a:t>[1]-</a:t>
-            </a:r>
-            <a:r>
-              <a:rPr lang="en-US" altLang="zh-TW" dirty="0" err="1" smtClean="0"/>
-              <a:t>i</a:t>
-            </a:r>
-            <a:r>
-              <a:rPr lang="en-US" altLang="zh-TW" dirty="0" smtClean="0"/>
-              <a:t>[2</a:t>
-            </a:r>
-            <a:r>
-              <a:rPr lang="en-US" altLang="zh-TW" dirty="0"/>
-              <a:t>]), (0, 255, 0), 10)</a:t>
-            </a:r>
-          </a:p>
-          <a:p>
-            <a:r>
-              <a:rPr lang="en-US" altLang="zh-TW" dirty="0"/>
-              <a:t>        # 10</a:t>
-            </a:r>
-          </a:p>
-          <a:p>
-            <a:r>
-              <a:rPr lang="en-US" altLang="zh-TW" dirty="0"/>
-              <a:t>        else:</a:t>
-            </a:r>
-          </a:p>
-          <a:p>
-            <a:r>
-              <a:rPr lang="en-US" altLang="zh-TW" dirty="0"/>
-              <a:t>            price += 10</a:t>
-            </a:r>
-          </a:p>
-          <a:p>
-            <a:r>
-              <a:rPr lang="en-US" altLang="zh-TW" dirty="0"/>
-              <a:t>            cv2.rectangle(img_3, (</a:t>
-            </a:r>
-            <a:r>
-              <a:rPr lang="en-US" altLang="zh-TW" dirty="0" err="1"/>
-              <a:t>i</a:t>
-            </a:r>
-            <a:r>
-              <a:rPr lang="en-US" altLang="zh-TW" dirty="0"/>
-              <a:t>[0]-</a:t>
-            </a:r>
-            <a:r>
-              <a:rPr lang="en-US" altLang="zh-TW" dirty="0" err="1"/>
-              <a:t>i</a:t>
-            </a:r>
-            <a:r>
-              <a:rPr lang="en-US" altLang="zh-TW" dirty="0"/>
-              <a:t>[2], </a:t>
-            </a:r>
-            <a:r>
-              <a:rPr lang="en-US" altLang="zh-TW" dirty="0" err="1"/>
-              <a:t>i</a:t>
-            </a:r>
-            <a:r>
-              <a:rPr lang="en-US" altLang="zh-TW" dirty="0"/>
-              <a:t>[1]+</a:t>
-            </a:r>
-            <a:r>
-              <a:rPr lang="en-US" altLang="zh-TW" dirty="0" err="1"/>
-              <a:t>i</a:t>
-            </a:r>
-            <a:r>
-              <a:rPr lang="en-US" altLang="zh-TW" dirty="0"/>
-              <a:t>[2]),</a:t>
-            </a:r>
-          </a:p>
-          <a:p>
-            <a:r>
-              <a:rPr lang="en-US" altLang="zh-TW" dirty="0"/>
-              <a:t>            (</a:t>
-            </a:r>
-            <a:r>
-              <a:rPr lang="en-US" altLang="zh-TW" dirty="0" err="1"/>
-              <a:t>i</a:t>
-            </a:r>
-            <a:r>
-              <a:rPr lang="en-US" altLang="zh-TW" dirty="0"/>
-              <a:t>[0]+</a:t>
-            </a:r>
-            <a:r>
-              <a:rPr lang="en-US" altLang="zh-TW" dirty="0" err="1"/>
-              <a:t>i</a:t>
-            </a:r>
-            <a:r>
-              <a:rPr lang="en-US" altLang="zh-TW" dirty="0"/>
-              <a:t>[2], </a:t>
-            </a:r>
-            <a:r>
-              <a:rPr lang="en-US" altLang="zh-TW" dirty="0" err="1"/>
-              <a:t>i</a:t>
-            </a:r>
-            <a:r>
-              <a:rPr lang="en-US" altLang="zh-TW" dirty="0"/>
-              <a:t>[1]-</a:t>
-            </a:r>
-            <a:r>
-              <a:rPr lang="en-US" altLang="zh-TW" dirty="0" err="1"/>
-              <a:t>i</a:t>
-            </a:r>
-            <a:r>
-              <a:rPr lang="en-US" altLang="zh-TW" dirty="0"/>
-              <a:t>[2]), (0, 255, 255), 10)</a:t>
-            </a:r>
-          </a:p>
-          <a:p>
-            <a:r>
-              <a:rPr lang="en-US" altLang="zh-TW" dirty="0"/>
-              <a:t/>
-            </a:r>
-            <a:br>
-              <a:rPr lang="en-US" altLang="zh-TW" dirty="0"/>
-            </a:br>
-            <a:r>
-              <a:rPr lang="en-US" altLang="zh-TW" dirty="0"/>
-              <a:t>print("Total money is: " + </a:t>
-            </a:r>
-            <a:r>
-              <a:rPr lang="en-US" altLang="zh-TW" dirty="0" err="1"/>
-              <a:t>str</a:t>
-            </a:r>
-            <a:r>
-              <a:rPr lang="en-US" altLang="zh-TW" dirty="0"/>
-              <a:t>(price))</a:t>
-            </a:r>
-          </a:p>
-          <a:p>
-            <a:r>
-              <a:rPr lang="en-US" altLang="zh-TW" dirty="0"/>
-              <a:t/>
-            </a:r>
-            <a:br>
-              <a:rPr lang="en-US" altLang="zh-TW" dirty="0"/>
-            </a:br>
-            <a:r>
-              <a:rPr lang="en-US" altLang="zh-TW" dirty="0"/>
-              <a:t>img_3 = cv2.resize(img_3, (</a:t>
-            </a:r>
-            <a:r>
-              <a:rPr lang="en-US" altLang="zh-TW" dirty="0" err="1"/>
-              <a:t>int</a:t>
-            </a:r>
-            <a:r>
-              <a:rPr lang="en-US" altLang="zh-TW" dirty="0"/>
-              <a:t>(width*0.25), </a:t>
-            </a:r>
-            <a:r>
-              <a:rPr lang="en-US" altLang="zh-TW" dirty="0" err="1"/>
-              <a:t>int</a:t>
-            </a:r>
-            <a:r>
-              <a:rPr lang="en-US" altLang="zh-TW" dirty="0"/>
-              <a:t>(height*0.25)), interpolation=cv2.INTER_CUBIC)</a:t>
-            </a:r>
-          </a:p>
-          <a:p>
-            <a:endParaRPr lang="zh-TW" altLang="en-US" dirty="0"/>
-          </a:p>
-        </p:txBody>
-      </p:sp>
-      <p:sp>
-        <p:nvSpPr>
-          <p:cNvPr id="3" name="矩形 2"/>
-          <p:cNvSpPr/>
-          <p:nvPr/>
-        </p:nvSpPr>
-        <p:spPr>
-          <a:xfrm>
-            <a:off x="983226" y="333985"/>
-            <a:ext cx="4216539" cy="646331"/>
-          </a:xfrm>
-          <a:prstGeom prst="rect">
-            <a:avLst/>
-          </a:prstGeom>
-        </p:spPr>
-        <p:txBody>
-          <a:bodyPr wrap="none">
-            <a:spAutoFit/>
-          </a:bodyPr>
-          <a:lstStyle/>
-          <a:p>
-            <a:r>
-              <a:rPr lang="en-US" altLang="zh-TW" sz="3600" dirty="0">
-                <a:ea typeface="微軟正黑體" panose="020B0604030504040204" pitchFamily="34" charset="-120"/>
-              </a:rPr>
-              <a:t>coin.py</a:t>
-            </a:r>
-            <a:r>
-              <a:rPr lang="zh-TW" altLang="en-US" sz="3600" dirty="0" smtClean="0">
-                <a:ea typeface="微軟正黑體" panose="020B0604030504040204" pitchFamily="34" charset="-120"/>
-              </a:rPr>
-              <a:t>演算法流程</a:t>
-            </a:r>
-            <a:r>
-              <a:rPr lang="en-US" altLang="zh-TW" sz="3600" dirty="0" smtClean="0">
-                <a:ea typeface="微軟正黑體" panose="020B0604030504040204" pitchFamily="34" charset="-120"/>
-              </a:rPr>
-              <a:t>-2</a:t>
-            </a:r>
-            <a:endParaRPr lang="zh-TW" altLang="en-US" sz="3600" dirty="0"/>
-          </a:p>
-        </p:txBody>
-      </p:sp>
-    </p:spTree>
-    <p:extLst>
-      <p:ext uri="{BB962C8B-B14F-4D97-AF65-F5344CB8AC3E}">
-        <p14:creationId xmlns:p14="http://schemas.microsoft.com/office/powerpoint/2010/main" val="180960365"/>
-      </p:ext>
-    </p:extLst>
-  </p:cSld>
-  <p:clrMapOvr>
-    <a:masterClrMapping/>
-  </p:clrMapOvr>
-</p:sld>
-</file>
-
-<file path=ppt/slides/slide6.xml><?xml version="1.0" encoding="utf-8"?>
-<p:sld xmlns:a="http://schemas.openxmlformats.org/drawingml/2006/main" xmlns:r="http://schemas.openxmlformats.org/officeDocument/2006/relationships" xmlns:p="http://schemas.openxmlformats.org/presentationml/2006/main">
-  <p:cSld>
-    <p:spTree>
-      <p:nvGrpSpPr>
-        <p:cNvPr id="1" name=""/>
-        <p:cNvGrpSpPr/>
-        <p:nvPr/>
-      </p:nvGrpSpPr>
-      <p:grpSpPr>
-        <a:xfrm>
-          <a:off x="0" y="0"/>
-          <a:ext cx="0" cy="0"/>
-          <a:chOff x="0" y="0"/>
-          <a:chExt cx="0" cy="0"/>
-        </a:xfrm>
-      </p:grpSpPr>
-      <p:sp>
-        <p:nvSpPr>
-          <p:cNvPr id="2" name="標題 1"/>
-          <p:cNvSpPr>
-            <a:spLocks noGrp="1"/>
-          </p:cNvSpPr>
-          <p:nvPr>
-            <p:ph type="ctrTitle"/>
-          </p:nvPr>
-        </p:nvSpPr>
-        <p:spPr/>
-        <p:txBody>
-          <a:bodyPr/>
-          <a:lstStyle/>
-          <a:p>
-            <a:r>
-              <a:rPr lang="zh-TW" altLang="en-US" dirty="0">
-                <a:latin typeface="微軟正黑體" panose="020B0604030504040204" pitchFamily="34" charset="-120"/>
-                <a:ea typeface="微軟正黑體" panose="020B0604030504040204" pitchFamily="34" charset="-120"/>
-              </a:rPr>
-              <a:t>題目二</a:t>
-            </a:r>
-          </a:p>
-        </p:txBody>
-      </p:sp>
-      <p:sp>
-        <p:nvSpPr>
-          <p:cNvPr id="3" name="副標題 2"/>
-          <p:cNvSpPr>
-            <a:spLocks noGrp="1"/>
-          </p:cNvSpPr>
-          <p:nvPr>
-            <p:ph type="subTitle" idx="1"/>
-          </p:nvPr>
-        </p:nvSpPr>
-        <p:spPr/>
-        <p:txBody>
-          <a:bodyPr/>
-          <a:lstStyle/>
-          <a:p>
-            <a:endParaRPr lang="zh-TW" altLang="en-US" dirty="0"/>
-          </a:p>
-        </p:txBody>
-      </p:sp>
-    </p:spTree>
-    <p:extLst>
-      <p:ext uri="{BB962C8B-B14F-4D97-AF65-F5344CB8AC3E}">
-        <p14:creationId xmlns:p14="http://schemas.microsoft.com/office/powerpoint/2010/main" val="504487809"/>
-      </p:ext>
-    </p:extLst>
-  </p:cSld>
-  <p:clrMapOvr>
-    <a:masterClrMapping/>
-  </p:clrMapOvr>
-</p:sld>
-</file>
-
-<file path=ppt/slides/slide7.xml><?xml version="1.0" encoding="utf-8"?>
-<p:sld xmlns:a="http://schemas.openxmlformats.org/drawingml/2006/main" xmlns:r="http://schemas.openxmlformats.org/officeDocument/2006/relationships" xmlns:p="http://schemas.openxmlformats.org/presentationml/2006/main">
-  <p:cSld>
-    <p:spTree>
-      <p:nvGrpSpPr>
-        <p:cNvPr id="1" name=""/>
-        <p:cNvGrpSpPr/>
-        <p:nvPr/>
-      </p:nvGrpSpPr>
-      <p:grpSpPr>
-        <a:xfrm>
-          <a:off x="0" y="0"/>
-          <a:ext cx="0" cy="0"/>
-          <a:chOff x="0" y="0"/>
-          <a:chExt cx="0" cy="0"/>
-        </a:xfrm>
-      </p:grpSpPr>
-      <p:sp>
-        <p:nvSpPr>
           <p:cNvPr id="2" name="標題 1"/>
           <p:cNvSpPr>
             <a:spLocks noGrp="1"/>
@@ -9525,529 +6680,50 @@
                 <a:latin typeface="微軟正黑體" panose="020B0604030504040204" pitchFamily="34" charset="-120"/>
                 <a:ea typeface="微軟正黑體" panose="020B0604030504040204" pitchFamily="34" charset="-120"/>
               </a:rPr>
-              <a:t>成果圖</a:t>
-            </a:r>
-            <a:endParaRPr lang="zh-TW" altLang="en-US" sz="4000" dirty="0">
+              <a:t>遇到的困難即解決方法</a:t>
+            </a:r>
+          </a:p>
+        </p:txBody>
+      </p:sp>
+      <p:sp>
+        <p:nvSpPr>
+          <p:cNvPr id="3" name="內容版面配置區 2"/>
+          <p:cNvSpPr>
+            <a:spLocks noGrp="1"/>
+          </p:cNvSpPr>
+          <p:nvPr>
+            <p:ph idx="1"/>
+          </p:nvPr>
+        </p:nvSpPr>
+        <p:spPr>
+          <a:xfrm>
+            <a:off x="688257" y="2103087"/>
+            <a:ext cx="7118555" cy="4023393"/>
+          </a:xfrm>
+        </p:spPr>
+        <p:txBody>
+          <a:bodyPr>
+            <a:normAutofit/>
+          </a:bodyPr>
+          <a:lstStyle/>
+          <a:p>
+            <a:pPr marL="0" indent="0">
+              <a:lnSpc>
+                <a:spcPct val="150000"/>
+              </a:lnSpc>
+              <a:buNone/>
+            </a:pPr>
+            <a:endParaRPr lang="en-US" altLang="zh-TW" dirty="0">
+              <a:latin typeface="微軟正黑體" panose="020B0604030504040204" pitchFamily="34" charset="-120"/>
               <a:ea typeface="微軟正黑體" panose="020B0604030504040204" pitchFamily="34" charset="-120"/>
             </a:endParaRPr>
           </a:p>
         </p:txBody>
       </p:sp>
-      <p:sp>
-        <p:nvSpPr>
-          <p:cNvPr id="8" name="向右箭號 7"/>
-          <p:cNvSpPr/>
-          <p:nvPr/>
-        </p:nvSpPr>
-        <p:spPr>
-          <a:xfrm>
-            <a:off x="5672396" y="3323604"/>
-            <a:ext cx="914400" cy="710119"/>
-          </a:xfrm>
-          <a:prstGeom prst="rightArrow">
-            <a:avLst/>
-          </a:prstGeom>
-        </p:spPr>
-        <p:style>
-          <a:lnRef idx="2">
-            <a:schemeClr val="accent1">
-              <a:shade val="50000"/>
-            </a:schemeClr>
-          </a:lnRef>
-          <a:fillRef idx="1">
-            <a:schemeClr val="accent1"/>
-          </a:fillRef>
-          <a:effectRef idx="0">
-            <a:schemeClr val="accent1"/>
-          </a:effectRef>
-          <a:fontRef idx="minor">
-            <a:schemeClr val="lt1"/>
-          </a:fontRef>
-        </p:style>
-        <p:txBody>
-          <a:bodyPr rtlCol="0" anchor="ctr"/>
-          <a:lstStyle/>
-          <a:p>
-            <a:pPr algn="ctr"/>
-            <a:endParaRPr lang="zh-TW" altLang="en-US" dirty="0"/>
-          </a:p>
-        </p:txBody>
-      </p:sp>
-      <p:pic>
-        <p:nvPicPr>
-          <p:cNvPr id="6" name="圖片 5">
-            <a:extLst>
-              <a:ext uri="{FF2B5EF4-FFF2-40B4-BE49-F238E27FC236}">
-                <a16:creationId xmlns:a16="http://schemas.microsoft.com/office/drawing/2014/main" id="{E92B8852-9B75-419F-9DC1-F5EBD2DD9BAD}"/>
-              </a:ext>
-            </a:extLst>
-          </p:cNvPr>
-          <p:cNvPicPr>
-            <a:picLocks noChangeAspect="1"/>
-          </p:cNvPicPr>
-          <p:nvPr/>
-        </p:nvPicPr>
-        <p:blipFill>
-          <a:blip r:embed="rId2" cstate="print">
-            <a:extLst>
-              <a:ext uri="{28A0092B-C50C-407E-A947-70E740481C1C}">
-                <a14:useLocalDpi xmlns:a14="http://schemas.microsoft.com/office/drawing/2010/main" val="0"/>
-              </a:ext>
-            </a:extLst>
-          </a:blip>
-          <a:stretch>
-            <a:fillRect/>
-          </a:stretch>
-        </p:blipFill>
-        <p:spPr>
-          <a:xfrm>
-            <a:off x="2071937" y="1912413"/>
-            <a:ext cx="2386474" cy="4242621"/>
-          </a:xfrm>
-          <a:prstGeom prst="rect">
-            <a:avLst/>
-          </a:prstGeom>
-        </p:spPr>
-      </p:pic>
-      <p:pic>
-        <p:nvPicPr>
-          <p:cNvPr id="9" name="圖片 8">
-            <a:extLst>
-              <a:ext uri="{FF2B5EF4-FFF2-40B4-BE49-F238E27FC236}">
-                <a16:creationId xmlns:a16="http://schemas.microsoft.com/office/drawing/2014/main" id="{CEAB7D15-44C2-433F-9EF9-D441E8F4FBEB}"/>
-              </a:ext>
-            </a:extLst>
-          </p:cNvPr>
-          <p:cNvPicPr>
-            <a:picLocks noChangeAspect="1"/>
-          </p:cNvPicPr>
-          <p:nvPr/>
-        </p:nvPicPr>
-        <p:blipFill>
-          <a:blip r:embed="rId3">
-            <a:extLst>
-              <a:ext uri="{28A0092B-C50C-407E-A947-70E740481C1C}">
-                <a14:useLocalDpi xmlns:a14="http://schemas.microsoft.com/office/drawing/2010/main" val="0"/>
-              </a:ext>
-            </a:extLst>
-          </a:blip>
-          <a:stretch>
-            <a:fillRect/>
-          </a:stretch>
-        </p:blipFill>
-        <p:spPr>
-          <a:xfrm>
-            <a:off x="7733591" y="1912413"/>
-            <a:ext cx="2384353" cy="4242621"/>
-          </a:xfrm>
-          <a:prstGeom prst="rect">
-            <a:avLst/>
-          </a:prstGeom>
-        </p:spPr>
-      </p:pic>
     </p:spTree>
     <p:extLst>
       <p:ext uri="{BB962C8B-B14F-4D97-AF65-F5344CB8AC3E}">
-        <p14:creationId xmlns:p14="http://schemas.microsoft.com/office/powerpoint/2010/main" val="1609929836"/>
-      </p:ext>
-    </p:extLst>
-  </p:cSld>
-  <p:clrMapOvr>
-    <a:masterClrMapping/>
-  </p:clrMapOvr>
-</p:sld>
-</file>
-
-<file path=ppt/slides/slide8.xml><?xml version="1.0" encoding="utf-8"?>
-<p:sld xmlns:a="http://schemas.openxmlformats.org/drawingml/2006/main" xmlns:r="http://schemas.openxmlformats.org/officeDocument/2006/relationships" xmlns:p="http://schemas.openxmlformats.org/presentationml/2006/main">
-  <p:cSld>
-    <p:spTree>
-      <p:nvGrpSpPr>
-        <p:cNvPr id="1" name=""/>
-        <p:cNvGrpSpPr/>
-        <p:nvPr/>
-      </p:nvGrpSpPr>
-      <p:grpSpPr>
-        <a:xfrm>
-          <a:off x="0" y="0"/>
-          <a:ext cx="0" cy="0"/>
-          <a:chOff x="0" y="0"/>
-          <a:chExt cx="0" cy="0"/>
-        </a:xfrm>
-      </p:grpSpPr>
-      <p:sp>
-        <p:nvSpPr>
-          <p:cNvPr id="2" name="矩形 1"/>
-          <p:cNvSpPr/>
-          <p:nvPr/>
-        </p:nvSpPr>
-        <p:spPr>
-          <a:xfrm>
-            <a:off x="983226" y="333985"/>
-            <a:ext cx="4281365" cy="646331"/>
-          </a:xfrm>
-          <a:prstGeom prst="rect">
-            <a:avLst/>
-          </a:prstGeom>
-        </p:spPr>
-        <p:txBody>
-          <a:bodyPr wrap="none">
-            <a:spAutoFit/>
-          </a:bodyPr>
-          <a:lstStyle/>
-          <a:p>
-            <a:r>
-              <a:rPr lang="en-US" altLang="zh-TW" sz="3600" dirty="0" smtClean="0">
-                <a:ea typeface="微軟正黑體" panose="020B0604030504040204" pitchFamily="34" charset="-120"/>
-              </a:rPr>
-              <a:t>floor.py</a:t>
-            </a:r>
-            <a:r>
-              <a:rPr lang="zh-TW" altLang="en-US" sz="3600" dirty="0" smtClean="0">
-                <a:ea typeface="微軟正黑體" panose="020B0604030504040204" pitchFamily="34" charset="-120"/>
-              </a:rPr>
-              <a:t>演算法流程</a:t>
-            </a:r>
-            <a:r>
-              <a:rPr lang="en-US" altLang="zh-TW" sz="3600" dirty="0" smtClean="0">
-                <a:ea typeface="微軟正黑體" panose="020B0604030504040204" pitchFamily="34" charset="-120"/>
-              </a:rPr>
-              <a:t>-1</a:t>
-            </a:r>
-            <a:endParaRPr lang="zh-TW" altLang="en-US" sz="3600" dirty="0"/>
-          </a:p>
-        </p:txBody>
-      </p:sp>
-      <p:sp>
-        <p:nvSpPr>
-          <p:cNvPr id="3" name="文字方塊 2"/>
-          <p:cNvSpPr txBox="1"/>
-          <p:nvPr/>
-        </p:nvSpPr>
-        <p:spPr>
-          <a:xfrm>
-            <a:off x="983226" y="1081549"/>
-            <a:ext cx="10756490" cy="4247317"/>
-          </a:xfrm>
-          <a:prstGeom prst="rect">
-            <a:avLst/>
-          </a:prstGeom>
-          <a:noFill/>
-        </p:spPr>
-        <p:txBody>
-          <a:bodyPr wrap="square" rtlCol="0">
-            <a:spAutoFit/>
-          </a:bodyPr>
-          <a:lstStyle/>
-          <a:p>
-            <a:r>
-              <a:rPr lang="en-US" altLang="zh-TW" dirty="0" err="1"/>
-              <a:t>img_blurred</a:t>
-            </a:r>
-            <a:r>
-              <a:rPr lang="en-US" altLang="zh-TW" dirty="0"/>
-              <a:t> = cv2.GaussianBlur(img_3, (99, 99), 5)</a:t>
-            </a:r>
-          </a:p>
-          <a:p>
-            <a:r>
-              <a:rPr lang="en-US" altLang="zh-TW" dirty="0"/>
-              <a:t>ret, </a:t>
-            </a:r>
-            <a:r>
-              <a:rPr lang="en-US" altLang="zh-TW" dirty="0" err="1"/>
-              <a:t>img</a:t>
-            </a:r>
-            <a:r>
-              <a:rPr lang="en-US" altLang="zh-TW" dirty="0"/>
-              <a:t>  = cv2.threshold(</a:t>
-            </a:r>
-            <a:r>
-              <a:rPr lang="en-US" altLang="zh-TW" dirty="0" err="1"/>
-              <a:t>img</a:t>
-            </a:r>
-            <a:r>
-              <a:rPr lang="en-US" altLang="zh-TW" dirty="0"/>
-              <a:t>, 100, 255, cv2.THRESH_BINARY)</a:t>
-            </a:r>
-          </a:p>
-          <a:p>
-            <a:r>
-              <a:rPr lang="en-US" altLang="zh-TW" dirty="0" err="1"/>
-              <a:t>img</a:t>
-            </a:r>
-            <a:r>
-              <a:rPr lang="en-US" altLang="zh-TW" dirty="0"/>
-              <a:t> = cv2.GaussianBlur(</a:t>
-            </a:r>
-            <a:r>
-              <a:rPr lang="en-US" altLang="zh-TW" dirty="0" err="1"/>
-              <a:t>img</a:t>
-            </a:r>
-            <a:r>
-              <a:rPr lang="en-US" altLang="zh-TW" dirty="0"/>
-              <a:t>, (99, 99), 5)</a:t>
-            </a:r>
-          </a:p>
-          <a:p>
-            <a:r>
-              <a:rPr lang="en-US" altLang="zh-TW" dirty="0"/>
-              <a:t>ret, </a:t>
-            </a:r>
-            <a:r>
-              <a:rPr lang="en-US" altLang="zh-TW" dirty="0" err="1"/>
-              <a:t>img</a:t>
-            </a:r>
-            <a:r>
-              <a:rPr lang="en-US" altLang="zh-TW" dirty="0"/>
-              <a:t>  = cv2.threshold(</a:t>
-            </a:r>
-            <a:r>
-              <a:rPr lang="en-US" altLang="zh-TW" dirty="0" err="1"/>
-              <a:t>img</a:t>
-            </a:r>
-            <a:r>
-              <a:rPr lang="en-US" altLang="zh-TW" dirty="0"/>
-              <a:t>, 200, 255, cv2.THRESH_BINARY)</a:t>
-            </a:r>
-          </a:p>
-          <a:p>
-            <a:r>
-              <a:rPr lang="en-US" altLang="zh-TW" dirty="0"/>
-              <a:t/>
-            </a:r>
-            <a:br>
-              <a:rPr lang="en-US" altLang="zh-TW" dirty="0"/>
-            </a:br>
-            <a:r>
-              <a:rPr lang="en-US" altLang="zh-TW" dirty="0" err="1"/>
-              <a:t>img</a:t>
-            </a:r>
-            <a:r>
-              <a:rPr lang="en-US" altLang="zh-TW" dirty="0"/>
-              <a:t> = 255 - </a:t>
-            </a:r>
-            <a:r>
-              <a:rPr lang="en-US" altLang="zh-TW" dirty="0" err="1"/>
-              <a:t>img</a:t>
-            </a:r>
-            <a:endParaRPr lang="en-US" altLang="zh-TW" dirty="0"/>
-          </a:p>
-          <a:p>
-            <a:r>
-              <a:rPr lang="en-US" altLang="zh-TW" dirty="0"/>
-              <a:t>lines = cv2.HoughLinesP(</a:t>
-            </a:r>
-            <a:r>
-              <a:rPr lang="en-US" altLang="zh-TW" dirty="0" err="1"/>
-              <a:t>img</a:t>
-            </a:r>
-            <a:r>
-              <a:rPr lang="en-US" altLang="zh-TW" dirty="0"/>
-              <a:t>, 1, </a:t>
-            </a:r>
-            <a:r>
-              <a:rPr lang="en-US" altLang="zh-TW" dirty="0" err="1"/>
-              <a:t>np.pi</a:t>
-            </a:r>
-            <a:r>
-              <a:rPr lang="en-US" altLang="zh-TW" dirty="0"/>
-              <a:t>/180, 800, 50, 100)</a:t>
-            </a:r>
-          </a:p>
-          <a:p>
-            <a:r>
-              <a:rPr lang="en-US" altLang="zh-TW" dirty="0"/>
-              <a:t/>
-            </a:r>
-            <a:br>
-              <a:rPr lang="en-US" altLang="zh-TW" dirty="0"/>
-            </a:br>
-            <a:r>
-              <a:rPr lang="en-US" altLang="zh-TW" dirty="0"/>
-              <a:t>for </a:t>
-            </a:r>
-            <a:r>
-              <a:rPr lang="en-US" altLang="zh-TW" dirty="0" err="1"/>
-              <a:t>i</a:t>
-            </a:r>
-            <a:r>
-              <a:rPr lang="en-US" altLang="zh-TW" dirty="0"/>
-              <a:t> in lines [:, 0, :]:</a:t>
-            </a:r>
-          </a:p>
-          <a:p>
-            <a:r>
-              <a:rPr lang="en-US" altLang="zh-TW" dirty="0"/>
-              <a:t>    img_3 = cv2.line(</a:t>
-            </a:r>
-            <a:r>
-              <a:rPr lang="en-US" altLang="zh-TW" dirty="0" err="1"/>
-              <a:t>img_blurred</a:t>
-            </a:r>
-            <a:r>
-              <a:rPr lang="en-US" altLang="zh-TW" dirty="0"/>
-              <a:t>, (</a:t>
-            </a:r>
-            <a:r>
-              <a:rPr lang="en-US" altLang="zh-TW" dirty="0" err="1"/>
-              <a:t>i</a:t>
-            </a:r>
-            <a:r>
-              <a:rPr lang="en-US" altLang="zh-TW" dirty="0"/>
-              <a:t>[0], </a:t>
-            </a:r>
-            <a:r>
-              <a:rPr lang="en-US" altLang="zh-TW" dirty="0" err="1"/>
-              <a:t>i</a:t>
-            </a:r>
-            <a:r>
-              <a:rPr lang="en-US" altLang="zh-TW" dirty="0"/>
-              <a:t>[1]), (</a:t>
-            </a:r>
-            <a:r>
-              <a:rPr lang="en-US" altLang="zh-TW" dirty="0" err="1"/>
-              <a:t>i</a:t>
-            </a:r>
-            <a:r>
-              <a:rPr lang="en-US" altLang="zh-TW" dirty="0"/>
-              <a:t>[2], </a:t>
-            </a:r>
-            <a:r>
-              <a:rPr lang="en-US" altLang="zh-TW" dirty="0" err="1"/>
-              <a:t>i</a:t>
-            </a:r>
-            <a:r>
-              <a:rPr lang="en-US" altLang="zh-TW" dirty="0"/>
-              <a:t>[3]), (0, 0, 255), 3)</a:t>
-            </a:r>
-          </a:p>
-          <a:p>
-            <a:r>
-              <a:rPr lang="en-US" altLang="zh-TW" dirty="0"/>
-              <a:t/>
-            </a:r>
-            <a:br>
-              <a:rPr lang="en-US" altLang="zh-TW" dirty="0"/>
-            </a:br>
-            <a:r>
-              <a:rPr lang="en-US" altLang="zh-TW" dirty="0"/>
-              <a:t>img_3 = cv2.resize(img_3, (</a:t>
-            </a:r>
-            <a:r>
-              <a:rPr lang="en-US" altLang="zh-TW" dirty="0" err="1"/>
-              <a:t>int</a:t>
-            </a:r>
-            <a:r>
-              <a:rPr lang="en-US" altLang="zh-TW" dirty="0"/>
-              <a:t>(width*0.25), </a:t>
-            </a:r>
-            <a:r>
-              <a:rPr lang="en-US" altLang="zh-TW" dirty="0" err="1"/>
-              <a:t>int</a:t>
-            </a:r>
-            <a:r>
-              <a:rPr lang="en-US" altLang="zh-TW" dirty="0"/>
-              <a:t>(height*0.25)),interpolation=cv2.INTER_CUBIC)</a:t>
-            </a:r>
-          </a:p>
-          <a:p>
-            <a:r>
-              <a:rPr lang="en-US" altLang="zh-TW" dirty="0"/>
-              <a:t/>
-            </a:r>
-            <a:br>
-              <a:rPr lang="en-US" altLang="zh-TW" dirty="0"/>
-            </a:br>
-            <a:endParaRPr lang="en-US" altLang="zh-TW" dirty="0"/>
-          </a:p>
-          <a:p>
-            <a:r>
-              <a:rPr lang="en-US" altLang="zh-TW" dirty="0"/>
-              <a:t>      </a:t>
-            </a:r>
-            <a:endParaRPr lang="zh-TW" altLang="en-US" dirty="0"/>
-          </a:p>
-        </p:txBody>
-      </p:sp>
-    </p:spTree>
-    <p:extLst>
-      <p:ext uri="{BB962C8B-B14F-4D97-AF65-F5344CB8AC3E}">
-        <p14:creationId xmlns:p14="http://schemas.microsoft.com/office/powerpoint/2010/main" val="860645986"/>
-      </p:ext>
-    </p:extLst>
-  </p:cSld>
-  <p:clrMapOvr>
-    <a:masterClrMapping/>
-  </p:clrMapOvr>
-</p:sld>
-</file>
-
-<file path=ppt/slides/slide9.xml><?xml version="1.0" encoding="utf-8"?>
-<p:sld xmlns:a="http://schemas.openxmlformats.org/drawingml/2006/main" xmlns:r="http://schemas.openxmlformats.org/officeDocument/2006/relationships" xmlns:p="http://schemas.openxmlformats.org/presentationml/2006/main">
-  <p:cSld>
-    <p:spTree>
-      <p:nvGrpSpPr>
-        <p:cNvPr id="1" name=""/>
-        <p:cNvGrpSpPr/>
-        <p:nvPr/>
-      </p:nvGrpSpPr>
-      <p:grpSpPr>
-        <a:xfrm>
-          <a:off x="0" y="0"/>
-          <a:ext cx="0" cy="0"/>
-          <a:chOff x="0" y="0"/>
-          <a:chExt cx="0" cy="0"/>
-        </a:xfrm>
-      </p:grpSpPr>
-      <p:sp>
-        <p:nvSpPr>
-          <p:cNvPr id="2" name="標題 1"/>
-          <p:cNvSpPr>
-            <a:spLocks noGrp="1"/>
-          </p:cNvSpPr>
-          <p:nvPr>
-            <p:ph type="ctrTitle"/>
-          </p:nvPr>
-        </p:nvSpPr>
-        <p:spPr/>
-        <p:txBody>
-          <a:bodyPr/>
-          <a:lstStyle/>
-          <a:p>
-            <a:r>
-              <a:rPr lang="zh-TW" altLang="en-US" dirty="0">
-                <a:latin typeface="微軟正黑體" panose="020B0604030504040204" pitchFamily="34" charset="-120"/>
-                <a:ea typeface="微軟正黑體" panose="020B0604030504040204" pitchFamily="34" charset="-120"/>
-              </a:rPr>
-              <a:t>題目三</a:t>
-            </a:r>
-          </a:p>
-        </p:txBody>
-      </p:sp>
-      <p:sp>
-        <p:nvSpPr>
-          <p:cNvPr id="3" name="副標題 2"/>
-          <p:cNvSpPr>
-            <a:spLocks noGrp="1"/>
-          </p:cNvSpPr>
-          <p:nvPr>
-            <p:ph type="subTitle" idx="1"/>
-          </p:nvPr>
-        </p:nvSpPr>
-        <p:spPr/>
-        <p:txBody>
-          <a:bodyPr/>
-          <a:lstStyle/>
-          <a:p>
-            <a:endParaRPr lang="zh-TW" altLang="en-US" dirty="0"/>
-          </a:p>
-        </p:txBody>
-      </p:sp>
-    </p:spTree>
-    <p:extLst>
-      <p:ext uri="{BB962C8B-B14F-4D97-AF65-F5344CB8AC3E}">
-        <p14:creationId xmlns:p14="http://schemas.microsoft.com/office/powerpoint/2010/main" val="3994672629"/>
+        <p14:creationId xmlns:p14="http://schemas.microsoft.com/office/powerpoint/2010/main" val="3512597139"/>
       </p:ext>
     </p:extLst>
   </p:cSld>

--- a/Project4_第三組_小組報告/Project4_第三組_小組報告.pptx
+++ b/Project4_第三組_小組報告/Project4_第三組_小組報告.pptx
@@ -718,7 +718,7 @@
           <a:p>
             <a:fld id="{6B19A529-55D4-4564-870F-7E1F5FE8EC0E}" type="datetimeFigureOut">
               <a:rPr lang="zh-TW" altLang="en-US" smtClean="0"/>
-              <a:t>2021/4/4</a:t>
+              <a:t>2021/4/5</a:t>
             </a:fld>
             <a:endParaRPr lang="zh-TW" altLang="en-US"/>
           </a:p>
@@ -1211,7 +1211,7 @@
           <a:p>
             <a:fld id="{CB1A9A4B-8109-4FCA-A4B8-DC1246F1A173}" type="datetimeFigureOut">
               <a:rPr lang="zh-TW" altLang="en-US" smtClean="0"/>
-              <a:t>2021/4/4</a:t>
+              <a:t>2021/4/5</a:t>
             </a:fld>
             <a:endParaRPr lang="zh-TW" altLang="en-US"/>
           </a:p>
@@ -1419,7 +1419,7 @@
           <a:p>
             <a:fld id="{CB1A9A4B-8109-4FCA-A4B8-DC1246F1A173}" type="datetimeFigureOut">
               <a:rPr lang="zh-TW" altLang="en-US" smtClean="0"/>
-              <a:t>2021/4/4</a:t>
+              <a:t>2021/4/5</a:t>
             </a:fld>
             <a:endParaRPr lang="zh-TW" altLang="en-US"/>
           </a:p>
@@ -1675,7 +1675,7 @@
           <a:p>
             <a:fld id="{CB1A9A4B-8109-4FCA-A4B8-DC1246F1A173}" type="datetimeFigureOut">
               <a:rPr lang="zh-TW" altLang="en-US" smtClean="0"/>
-              <a:t>2021/4/4</a:t>
+              <a:t>2021/4/5</a:t>
             </a:fld>
             <a:endParaRPr lang="zh-TW" altLang="en-US"/>
           </a:p>
@@ -1845,7 +1845,7 @@
           <a:p>
             <a:fld id="{CB1A9A4B-8109-4FCA-A4B8-DC1246F1A173}" type="datetimeFigureOut">
               <a:rPr lang="zh-TW" altLang="en-US" smtClean="0"/>
-              <a:t>2021/4/4</a:t>
+              <a:t>2021/4/5</a:t>
             </a:fld>
             <a:endParaRPr lang="zh-TW" altLang="en-US"/>
           </a:p>
@@ -2188,7 +2188,7 @@
           <a:p>
             <a:fld id="{CB1A9A4B-8109-4FCA-A4B8-DC1246F1A173}" type="datetimeFigureOut">
               <a:rPr lang="zh-TW" altLang="en-US" smtClean="0"/>
-              <a:t>2021/4/4</a:t>
+              <a:t>2021/4/5</a:t>
             </a:fld>
             <a:endParaRPr lang="zh-TW" altLang="en-US"/>
           </a:p>
@@ -2463,7 +2463,7 @@
           <a:p>
             <a:fld id="{CB1A9A4B-8109-4FCA-A4B8-DC1246F1A173}" type="datetimeFigureOut">
               <a:rPr lang="zh-TW" altLang="en-US" smtClean="0"/>
-              <a:t>2021/4/4</a:t>
+              <a:t>2021/4/5</a:t>
             </a:fld>
             <a:endParaRPr lang="zh-TW" altLang="en-US"/>
           </a:p>
@@ -2842,7 +2842,7 @@
           <a:p>
             <a:fld id="{CB1A9A4B-8109-4FCA-A4B8-DC1246F1A173}" type="datetimeFigureOut">
               <a:rPr lang="zh-TW" altLang="en-US" smtClean="0"/>
-              <a:t>2021/4/4</a:t>
+              <a:t>2021/4/5</a:t>
             </a:fld>
             <a:endParaRPr lang="zh-TW" altLang="en-US"/>
           </a:p>
@@ -2960,7 +2960,7 @@
           <a:p>
             <a:fld id="{CB1A9A4B-8109-4FCA-A4B8-DC1246F1A173}" type="datetimeFigureOut">
               <a:rPr lang="zh-TW" altLang="en-US" smtClean="0"/>
-              <a:t>2021/4/4</a:t>
+              <a:t>2021/4/5</a:t>
             </a:fld>
             <a:endParaRPr lang="zh-TW" altLang="en-US"/>
           </a:p>
@@ -3131,7 +3131,7 @@
           <a:p>
             <a:fld id="{CB1A9A4B-8109-4FCA-A4B8-DC1246F1A173}" type="datetimeFigureOut">
               <a:rPr lang="zh-TW" altLang="en-US" smtClean="0"/>
-              <a:t>2021/4/4</a:t>
+              <a:t>2021/4/5</a:t>
             </a:fld>
             <a:endParaRPr lang="zh-TW" altLang="en-US"/>
           </a:p>
@@ -3485,7 +3485,7 @@
           <a:p>
             <a:fld id="{CB1A9A4B-8109-4FCA-A4B8-DC1246F1A173}" type="datetimeFigureOut">
               <a:rPr lang="zh-TW" altLang="en-US" smtClean="0"/>
-              <a:t>2021/4/4</a:t>
+              <a:t>2021/4/5</a:t>
             </a:fld>
             <a:endParaRPr lang="zh-TW" altLang="en-US"/>
           </a:p>
@@ -3862,7 +3862,7 @@
           <a:p>
             <a:fld id="{CB1A9A4B-8109-4FCA-A4B8-DC1246F1A173}" type="datetimeFigureOut">
               <a:rPr lang="zh-TW" altLang="en-US" smtClean="0"/>
-              <a:t>2021/4/4</a:t>
+              <a:t>2021/4/5</a:t>
             </a:fld>
             <a:endParaRPr lang="zh-TW" altLang="en-US"/>
           </a:p>
@@ -4149,7 +4149,7 @@
           <a:p>
             <a:fld id="{CB1A9A4B-8109-4FCA-A4B8-DC1246F1A173}" type="datetimeFigureOut">
               <a:rPr lang="zh-TW" altLang="en-US" smtClean="0"/>
-              <a:t>2021/4/4</a:t>
+              <a:t>2021/4/5</a:t>
             </a:fld>
             <a:endParaRPr lang="zh-TW" altLang="en-US"/>
           </a:p>
@@ -4808,6 +4808,13 @@
   <p:clrMapOvr>
     <a:masterClrMapping/>
   </p:clrMapOvr>
+  <p:timing>
+    <p:tnLst>
+      <p:par>
+        <p:cTn id="1" dur="indefinite" restart="never" nodeType="tmRoot"/>
+      </p:par>
+    </p:tnLst>
+  </p:timing>
 </p:sld>
 </file>
 
@@ -4853,13 +4860,7 @@
               <a:rPr lang="en-US" altLang="zh-TW" sz="3600" dirty="0" smtClean="0">
                 <a:ea typeface="微軟正黑體" panose="020B0604030504040204" pitchFamily="34" charset="-120"/>
               </a:rPr>
-              <a:t>wine</a:t>
-            </a:r>
-            <a:r>
-              <a:rPr lang="en-US" altLang="zh-TW" sz="3600" dirty="0" smtClean="0">
-                <a:ea typeface="微軟正黑體" panose="020B0604030504040204" pitchFamily="34" charset="-120"/>
-              </a:rPr>
-              <a:t>.py</a:t>
+              <a:t>wine.py</a:t>
             </a:r>
             <a:endParaRPr lang="zh-TW" altLang="en-US" sz="3600" dirty="0"/>
           </a:p>
@@ -5211,6 +5212,13 @@
   <p:clrMapOvr>
     <a:masterClrMapping/>
   </p:clrMapOvr>
+  <p:timing>
+    <p:tnLst>
+      <p:par>
+        <p:cTn id="1" dur="indefinite" restart="never" nodeType="tmRoot"/>
+      </p:par>
+    </p:tnLst>
+  </p:timing>
 </p:sld>
 </file>
 
@@ -5239,34 +5247,25 @@
         </p:nvSpPr>
         <p:spPr>
           <a:xfrm>
-            <a:off x="886692" y="602734"/>
-            <a:ext cx="6186309" cy="646331"/>
+            <a:off x="879704" y="481530"/>
+            <a:ext cx="5313811" cy="523220"/>
           </a:xfrm>
           <a:prstGeom prst="rect">
             <a:avLst/>
           </a:prstGeom>
         </p:spPr>
         <p:txBody>
-          <a:bodyPr wrap="none">
+          <a:bodyPr wrap="square">
             <a:spAutoFit/>
           </a:bodyPr>
           <a:lstStyle/>
           <a:p>
             <a:r>
-              <a:rPr lang="zh-TW" altLang="en-US" sz="3600" dirty="0">
+              <a:rPr lang="zh-TW" altLang="en-US" sz="2800" dirty="0">
                 <a:ea typeface="微軟正黑體" panose="020B0604030504040204" pitchFamily="34" charset="-120"/>
               </a:rPr>
-              <a:t>測試過的變數</a:t>
-            </a:r>
-            <a:r>
-              <a:rPr lang="zh-TW" altLang="en-US" sz="3600" dirty="0">
-                <a:ea typeface="微軟正黑體" panose="020B0604030504040204" pitchFamily="34" charset="-120"/>
-              </a:rPr>
-              <a:t>組合及觀察結果</a:t>
-            </a:r>
-            <a:endParaRPr lang="zh-TW" altLang="en-US" sz="3600" dirty="0">
-              <a:ea typeface="微軟正黑體" panose="020B0604030504040204" pitchFamily="34" charset="-120"/>
-            </a:endParaRPr>
+              <a:t>測試過的變數組合及觀察結果</a:t>
+            </a:r>
           </a:p>
         </p:txBody>
       </p:sp>
@@ -5279,14 +5278,14 @@
           <p:nvPr>
             <p:extLst>
               <p:ext uri="{D42A27DB-BD31-4B8C-83A1-F6EECF244321}">
-                <p14:modId xmlns:p14="http://schemas.microsoft.com/office/powerpoint/2010/main" val="3474981764"/>
+                <p14:modId xmlns:p14="http://schemas.microsoft.com/office/powerpoint/2010/main" val="2539823908"/>
               </p:ext>
             </p:extLst>
           </p:nvPr>
         </p:nvGraphicFramePr>
         <p:xfrm>
           <a:off x="886692" y="1422397"/>
-          <a:ext cx="10704944" cy="4141119"/>
+          <a:ext cx="10704944" cy="4576930"/>
         </p:xfrm>
         <a:graphic>
           <a:graphicData uri="http://schemas.openxmlformats.org/drawingml/2006/table">
@@ -5746,15 +5745,6 @@
                         </a:rPr>
                         <a:t>C=1, kernel='linear', gamma='scale'</a:t>
                       </a:r>
-                      <a:endParaRPr lang="it-IT" altLang="zh-TW" sz="1800" b="0" kern="1200" dirty="0" smtClean="0">
-                        <a:solidFill>
-                          <a:schemeClr val="dk1"/>
-                        </a:solidFill>
-                        <a:effectLst/>
-                        <a:latin typeface="+mn-lt"/>
-                        <a:ea typeface="+mn-ea"/>
-                        <a:cs typeface="+mn-cs"/>
-                      </a:endParaRPr>
                     </a:p>
                   </a:txBody>
                   <a:tcPr/>
@@ -5963,7 +5953,19 @@
                           <a:ea typeface="+mn-ea"/>
                           <a:cs typeface="+mn-cs"/>
                         </a:rPr>
-                        <a:t>C=5</a:t>
+                        <a:t>C=1</a:t>
+                      </a:r>
+                      <a:r>
+                        <a:rPr lang="en-US" altLang="zh-TW" sz="1800" b="0" kern="1200" dirty="0" smtClean="0">
+                          <a:solidFill>
+                            <a:srgbClr val="7030A0"/>
+                          </a:solidFill>
+                          <a:effectLst/>
+                          <a:latin typeface="+mn-lt"/>
+                          <a:ea typeface="+mn-ea"/>
+                          <a:cs typeface="+mn-cs"/>
+                        </a:rPr>
+                        <a:t>0</a:t>
                       </a:r>
                       <a:r>
                         <a:rPr lang="it-IT" altLang="zh-TW" sz="1800" b="0" kern="1200" dirty="0" smtClean="0">
@@ -6097,14 +6099,26 @@
                       <a:r>
                         <a:rPr lang="it-IT" altLang="zh-TW" sz="1800" b="0" kern="1200" dirty="0" smtClean="0">
                           <a:solidFill>
-                            <a:schemeClr val="tx1"/>
+                            <a:srgbClr val="7030A0"/>
                           </a:solidFill>
                           <a:effectLst/>
                           <a:latin typeface="+mn-lt"/>
                           <a:ea typeface="+mn-ea"/>
                           <a:cs typeface="+mn-cs"/>
                         </a:rPr>
-                        <a:t>C=5</a:t>
+                        <a:t>C=</a:t>
+                      </a:r>
+                      <a:r>
+                        <a:rPr lang="en-US" altLang="zh-TW" sz="1800" b="0" kern="1200" dirty="0" smtClean="0">
+                          <a:solidFill>
+                            <a:srgbClr val="7030A0"/>
+                          </a:solidFill>
+                          <a:effectLst/>
+                          <a:latin typeface="+mn-lt"/>
+                          <a:ea typeface="+mn-ea"/>
+                          <a:cs typeface="+mn-cs"/>
+                        </a:rPr>
+                        <a:t>20</a:t>
                       </a:r>
                       <a:r>
                         <a:rPr lang="it-IT" altLang="zh-TW" sz="1800" b="0" kern="1200" dirty="0" smtClean="0">
@@ -6116,55 +6130,7 @@
                           <a:ea typeface="+mn-ea"/>
                           <a:cs typeface="+mn-cs"/>
                         </a:rPr>
-                        <a:t>, </a:t>
-                      </a:r>
-                      <a:r>
-                        <a:rPr lang="it-IT" altLang="zh-TW" sz="1800" b="0" kern="1200" dirty="0" smtClean="0">
-                          <a:solidFill>
-                            <a:srgbClr val="7030A0"/>
-                          </a:solidFill>
-                          <a:effectLst/>
-                          <a:latin typeface="+mn-lt"/>
-                          <a:ea typeface="+mn-ea"/>
-                          <a:cs typeface="+mn-cs"/>
-                        </a:rPr>
-                        <a:t>kernel</a:t>
-                      </a:r>
-                      <a:r>
-                        <a:rPr lang="it-IT" altLang="zh-TW" sz="1800" b="0" kern="1200" dirty="0" smtClean="0">
-                          <a:solidFill>
-                            <a:srgbClr val="7030A0"/>
-                          </a:solidFill>
-                          <a:effectLst/>
-                          <a:latin typeface="+mn-lt"/>
-                          <a:ea typeface="+mn-ea"/>
-                          <a:cs typeface="+mn-cs"/>
-                        </a:rPr>
-                        <a:t>=‘rbf'</a:t>
-                      </a:r>
-                      <a:r>
-                        <a:rPr lang="it-IT" altLang="zh-TW" sz="1800" b="0" kern="1200" dirty="0" smtClean="0">
-                          <a:solidFill>
-                            <a:schemeClr val="dk1"/>
-                          </a:solidFill>
-                          <a:effectLst/>
-                          <a:latin typeface="+mn-lt"/>
-                          <a:ea typeface="+mn-ea"/>
-                          <a:cs typeface="+mn-cs"/>
-                        </a:rPr>
-                        <a:t>,</a:t>
-                      </a:r>
-                      <a:r>
-                        <a:rPr lang="it-IT" altLang="zh-TW" sz="1800" b="0" kern="1200" dirty="0" smtClean="0">
-                          <a:solidFill>
-                            <a:schemeClr val="dk1"/>
-                          </a:solidFill>
-                          <a:effectLst/>
-                          <a:latin typeface="+mn-lt"/>
-                          <a:ea typeface="+mn-ea"/>
-                          <a:cs typeface="+mn-cs"/>
-                        </a:rPr>
-                        <a:t> gamma='scale'</a:t>
+                        <a:t>, kernel='linear', gamma='scale'</a:t>
                       </a:r>
                     </a:p>
                   </a:txBody>
@@ -6177,7 +6143,7 @@
                     <a:p>
                       <a:r>
                         <a:rPr lang="en-US" altLang="zh-TW" dirty="0" smtClean="0"/>
-                        <a:t>0.7419354838709</a:t>
+                        <a:t>1.0</a:t>
                       </a:r>
                       <a:endParaRPr lang="zh-TW" altLang="en-US" dirty="0"/>
                     </a:p>
@@ -6190,10 +6156,26 @@
                     <a:lstStyle/>
                     <a:p>
                       <a:r>
-                        <a:rPr lang="en-US" altLang="zh-TW" dirty="0" smtClean="0"/>
-                        <a:t>0.6851851851851</a:t>
+                        <a:rPr lang="en-US" altLang="zh-TW" sz="1800" b="0" kern="1200" dirty="0" smtClean="0">
+                          <a:solidFill>
+                            <a:schemeClr val="dk1"/>
+                          </a:solidFill>
+                          <a:effectLst/>
+                          <a:latin typeface="+mn-lt"/>
+                          <a:ea typeface="+mn-ea"/>
+                          <a:cs typeface="+mn-cs"/>
+                        </a:rPr>
+                        <a:t>0.8888888888888</a:t>
                       </a:r>
-                      <a:endParaRPr lang="zh-TW" altLang="en-US" dirty="0"/>
+                      <a:endParaRPr lang="zh-TW" altLang="en-US" sz="1800" b="0" kern="1200" dirty="0">
+                        <a:solidFill>
+                          <a:schemeClr val="dk1"/>
+                        </a:solidFill>
+                        <a:effectLst/>
+                        <a:latin typeface="+mn-lt"/>
+                        <a:ea typeface="+mn-ea"/>
+                        <a:cs typeface="+mn-cs"/>
+                      </a:endParaRPr>
                     </a:p>
                   </a:txBody>
                   <a:tcPr/>
@@ -6289,7 +6271,132 @@
                           <a:ea typeface="+mn-ea"/>
                           <a:cs typeface="+mn-cs"/>
                         </a:rPr>
-                        <a:t>kernel</a:t>
+                        <a:t>kernel=‘rbf'</a:t>
+                      </a:r>
+                      <a:r>
+                        <a:rPr lang="it-IT" altLang="zh-TW" sz="1800" b="0" kern="1200" dirty="0" smtClean="0">
+                          <a:solidFill>
+                            <a:schemeClr val="dk1"/>
+                          </a:solidFill>
+                          <a:effectLst/>
+                          <a:latin typeface="+mn-lt"/>
+                          <a:ea typeface="+mn-ea"/>
+                          <a:cs typeface="+mn-cs"/>
+                        </a:rPr>
+                        <a:t>, gamma='scale'</a:t>
+                      </a:r>
+                    </a:p>
+                  </a:txBody>
+                  <a:tcPr/>
+                </a:tc>
+                <a:tc>
+                  <a:txBody>
+                    <a:bodyPr/>
+                    <a:lstStyle/>
+                    <a:p>
+                      <a:r>
+                        <a:rPr lang="en-US" altLang="zh-TW" dirty="0" smtClean="0"/>
+                        <a:t>0.7419354838709</a:t>
+                      </a:r>
+                      <a:endParaRPr lang="zh-TW" altLang="en-US" dirty="0"/>
+                    </a:p>
+                  </a:txBody>
+                  <a:tcPr/>
+                </a:tc>
+                <a:tc>
+                  <a:txBody>
+                    <a:bodyPr/>
+                    <a:lstStyle/>
+                    <a:p>
+                      <a:r>
+                        <a:rPr lang="en-US" altLang="zh-TW" dirty="0" smtClean="0"/>
+                        <a:t>0.6851851851851</a:t>
+                      </a:r>
+                      <a:endParaRPr lang="zh-TW" altLang="en-US" dirty="0"/>
+                    </a:p>
+                  </a:txBody>
+                  <a:tcPr/>
+                </a:tc>
+                <a:extLst>
+                  <a:ext uri="{0D108BD9-81ED-4DB2-BD59-A6C34878D82A}">
+                    <a16:rowId xmlns:a16="http://schemas.microsoft.com/office/drawing/2014/main" val="1153476061"/>
+                  </a:ext>
+                </a:extLst>
+              </a:tr>
+              <a:tr h="435811">
+                <a:tc>
+                  <a:txBody>
+                    <a:bodyPr/>
+                    <a:lstStyle/>
+                    <a:p>
+                      <a:r>
+                        <a:rPr lang="en-US" altLang="zh-TW" dirty="0" smtClean="0"/>
+                        <a:t>All</a:t>
+                      </a:r>
+                      <a:endParaRPr lang="zh-TW" altLang="en-US" dirty="0"/>
+                    </a:p>
+                  </a:txBody>
+                  <a:tcPr/>
+                </a:tc>
+                <a:tc>
+                  <a:txBody>
+                    <a:bodyPr/>
+                    <a:lstStyle/>
+                    <a:p>
+                      <a:r>
+                        <a:rPr lang="en-US" altLang="zh-TW" dirty="0" smtClean="0"/>
+                        <a:t>0.3</a:t>
+                      </a:r>
+                      <a:endParaRPr lang="zh-TW" altLang="en-US" dirty="0"/>
+                    </a:p>
+                  </a:txBody>
+                  <a:tcPr/>
+                </a:tc>
+                <a:tc>
+                  <a:txBody>
+                    <a:bodyPr/>
+                    <a:lstStyle/>
+                    <a:p>
+                      <a:pPr marL="0" marR="0" lvl="0" indent="0" algn="l" defTabSz="914400" rtl="0" eaLnBrk="1" fontAlgn="auto" latinLnBrk="0" hangingPunct="1">
+                        <a:lnSpc>
+                          <a:spcPct val="100000"/>
+                        </a:lnSpc>
+                        <a:spcBef>
+                          <a:spcPts val="0"/>
+                        </a:spcBef>
+                        <a:spcAft>
+                          <a:spcPts val="0"/>
+                        </a:spcAft>
+                        <a:buClrTx/>
+                        <a:buSzTx/>
+                        <a:buFontTx/>
+                        <a:buNone/>
+                        <a:tabLst/>
+                        <a:defRPr/>
+                      </a:pPr>
+                      <a:r>
+                        <a:rPr lang="it-IT" altLang="zh-TW" sz="1800" b="0" kern="1200" dirty="0" smtClean="0">
+                          <a:solidFill>
+                            <a:schemeClr val="tx1"/>
+                          </a:solidFill>
+                          <a:effectLst/>
+                          <a:latin typeface="+mn-lt"/>
+                          <a:ea typeface="+mn-ea"/>
+                          <a:cs typeface="+mn-cs"/>
+                        </a:rPr>
+                        <a:t>C=5</a:t>
+                      </a:r>
+                      <a:r>
+                        <a:rPr lang="it-IT" altLang="zh-TW" sz="1800" b="0" kern="1200" dirty="0" smtClean="0">
+                          <a:solidFill>
+                            <a:schemeClr val="dk1"/>
+                          </a:solidFill>
+                          <a:effectLst/>
+                          <a:latin typeface="+mn-lt"/>
+                          <a:ea typeface="+mn-ea"/>
+                          <a:cs typeface="+mn-cs"/>
+                        </a:rPr>
+                        <a:t>, </a:t>
                       </a:r>
                       <a:r>
                         <a:rPr lang="it-IT" altLang="zh-TW" sz="1800" b="0" kern="1200" dirty="0" smtClean="0">
@@ -6301,7 +6408,7 @@
                           <a:ea typeface="+mn-ea"/>
                           <a:cs typeface="+mn-cs"/>
                         </a:rPr>
-                        <a:t>=‘poly'</a:t>
+                        <a:t>kernel=‘poly'</a:t>
                       </a:r>
                       <a:r>
                         <a:rPr lang="it-IT" altLang="zh-TW" sz="1800" b="0" kern="1200" dirty="0" smtClean="0">
@@ -6313,19 +6420,7 @@
                           <a:ea typeface="+mn-ea"/>
                           <a:cs typeface="+mn-cs"/>
                         </a:rPr>
-                        <a:t>,</a:t>
-                      </a:r>
-                      <a:r>
-                        <a:rPr lang="it-IT" altLang="zh-TW" sz="1800" b="0" kern="1200" dirty="0" smtClean="0">
-                          <a:solidFill>
-                            <a:schemeClr val="dk1"/>
-                          </a:solidFill>
-                          <a:effectLst/>
-                          <a:latin typeface="+mn-lt"/>
-                          <a:ea typeface="+mn-ea"/>
-                          <a:cs typeface="+mn-cs"/>
-                        </a:rPr>
-                        <a:t> gamma='scale'</a:t>
+                        <a:t>, gamma='scale'</a:t>
                       </a:r>
                     </a:p>
                   </a:txBody>
@@ -6361,7 +6456,7 @@
                 </a:tc>
                 <a:extLst>
                   <a:ext uri="{0D108BD9-81ED-4DB2-BD59-A6C34878D82A}">
-                    <a16:rowId xmlns:a16="http://schemas.microsoft.com/office/drawing/2014/main" val="1153476061"/>
+                    <a16:rowId xmlns:a16="http://schemas.microsoft.com/office/drawing/2014/main" val="4065345278"/>
                   </a:ext>
                 </a:extLst>
               </a:tr>
@@ -6438,29 +6533,8 @@
                           <a:ea typeface="+mn-ea"/>
                           <a:cs typeface="+mn-cs"/>
                         </a:rPr>
-                        <a:t>gamma</a:t>
+                        <a:t>gamma=‘auto'</a:t>
                       </a:r>
-                      <a:r>
-                        <a:rPr lang="it-IT" altLang="zh-TW" sz="1800" b="0" kern="1200" dirty="0" smtClean="0">
-                          <a:solidFill>
-                            <a:srgbClr val="7030A0"/>
-                          </a:solidFill>
-                          <a:effectLst/>
-                          <a:latin typeface="+mn-lt"/>
-                          <a:ea typeface="+mn-ea"/>
-                          <a:cs typeface="+mn-cs"/>
-                        </a:rPr>
-                        <a:t>=‘auto'</a:t>
-                      </a:r>
-                      <a:endParaRPr lang="it-IT" altLang="zh-TW" sz="1800" b="0" kern="1200" dirty="0" smtClean="0">
-                        <a:solidFill>
-                          <a:srgbClr val="7030A0"/>
-                        </a:solidFill>
-                        <a:effectLst/>
-                        <a:latin typeface="+mn-lt"/>
-                        <a:ea typeface="+mn-ea"/>
-                        <a:cs typeface="+mn-cs"/>
-                      </a:endParaRPr>
                     </a:p>
                   </a:txBody>
                   <a:tcPr/>
@@ -6495,7 +6569,7 @@
                 </a:tc>
                 <a:extLst>
                   <a:ext uri="{0D108BD9-81ED-4DB2-BD59-A6C34878D82A}">
-                    <a16:rowId xmlns:a16="http://schemas.microsoft.com/office/drawing/2014/main" val="4065345278"/>
+                    <a16:rowId xmlns:a16="http://schemas.microsoft.com/office/drawing/2014/main" val="147944345"/>
                   </a:ext>
                 </a:extLst>
               </a:tr>
@@ -6511,8 +6585,8 @@
         </p:nvSpPr>
         <p:spPr>
           <a:xfrm>
-            <a:off x="794331" y="5736848"/>
-            <a:ext cx="10972799" cy="369332"/>
+            <a:off x="886692" y="1004750"/>
+            <a:ext cx="10613646" cy="307777"/>
           </a:xfrm>
           <a:prstGeom prst="rect">
             <a:avLst/>
@@ -6526,34 +6600,62 @@
           <a:lstStyle/>
           <a:p>
             <a:r>
-              <a:rPr lang="zh-TW" altLang="en-US" dirty="0">
+              <a:rPr lang="en-US" altLang="zh-TW" sz="1400" dirty="0" smtClean="0">
                 <a:latin typeface="微軟正黑體" panose="020B0604030504040204" pitchFamily="34" charset="-120"/>
                 <a:ea typeface="微軟正黑體" panose="020B0604030504040204" pitchFamily="34" charset="-120"/>
               </a:rPr>
-              <a:t>挑選特徵</a:t>
-            </a:r>
-            <a:r>
-              <a:rPr lang="zh-TW" altLang="en-US" dirty="0" smtClean="0">
+              <a:t>(</a:t>
+            </a:r>
+            <a:r>
+              <a:rPr lang="zh-TW" altLang="en-US" sz="1400" dirty="0" smtClean="0">
                 <a:latin typeface="微軟正黑體" panose="020B0604030504040204" pitchFamily="34" charset="-120"/>
                 <a:ea typeface="微軟正黑體" panose="020B0604030504040204" pitchFamily="34" charset="-120"/>
               </a:rPr>
-              <a:t>時，因為特徵都是專業的差異，在沒有專業知識下，我們隨機選擇不同數量</a:t>
-            </a:r>
-            <a:r>
-              <a:rPr lang="en-US" altLang="zh-TW" dirty="0" smtClean="0">
+              <a:t> 挑選</a:t>
+            </a:r>
+            <a:r>
+              <a:rPr lang="zh-TW" altLang="en-US" sz="1400" dirty="0">
                 <a:latin typeface="微軟正黑體" panose="020B0604030504040204" pitchFamily="34" charset="-120"/>
                 <a:ea typeface="微軟正黑體" panose="020B0604030504040204" pitchFamily="34" charset="-120"/>
               </a:rPr>
-              <a:t>(13, 3, 7)</a:t>
-            </a:r>
-            <a:r>
-              <a:rPr lang="zh-TW" altLang="en-US" dirty="0" smtClean="0">
+              <a:t>特徵</a:t>
+            </a:r>
+            <a:r>
+              <a:rPr lang="zh-TW" altLang="en-US" sz="1400" dirty="0" smtClean="0">
                 <a:latin typeface="微軟正黑體" panose="020B0604030504040204" pitchFamily="34" charset="-120"/>
                 <a:ea typeface="微軟正黑體" panose="020B0604030504040204" pitchFamily="34" charset="-120"/>
               </a:rPr>
-              <a:t>的特徵做比較</a:t>
-            </a:r>
-            <a:endParaRPr lang="zh-TW" altLang="en-US" dirty="0">
+              <a:t>時，因為特徵都是專業的差異，在沒有專業知識下，我們隨機選擇不同數量</a:t>
+            </a:r>
+            <a:r>
+              <a:rPr lang="en-US" altLang="zh-TW" sz="1400" dirty="0" smtClean="0">
+                <a:latin typeface="微軟正黑體" panose="020B0604030504040204" pitchFamily="34" charset="-120"/>
+                <a:ea typeface="微軟正黑體" panose="020B0604030504040204" pitchFamily="34" charset="-120"/>
+              </a:rPr>
+              <a:t>(n=13, 3, 7)</a:t>
+            </a:r>
+            <a:r>
+              <a:rPr lang="zh-TW" altLang="en-US" sz="1400" dirty="0" smtClean="0">
+                <a:latin typeface="微軟正黑體" panose="020B0604030504040204" pitchFamily="34" charset="-120"/>
+                <a:ea typeface="微軟正黑體" panose="020B0604030504040204" pitchFamily="34" charset="-120"/>
+              </a:rPr>
+              <a:t>的特徵做為比較</a:t>
+            </a:r>
+            <a:r>
+              <a:rPr lang="zh-TW" altLang="en-US" sz="1400" dirty="0" smtClean="0">
+                <a:latin typeface="微軟正黑體" panose="020B0604030504040204" pitchFamily="34" charset="-120"/>
+                <a:ea typeface="微軟正黑體" panose="020B0604030504040204" pitchFamily="34" charset="-120"/>
+              </a:rPr>
+              <a:t>因素 </a:t>
+            </a:r>
+            <a:r>
+              <a:rPr lang="en-US" altLang="zh-TW" sz="1400" dirty="0" smtClean="0">
+                <a:latin typeface="微軟正黑體" panose="020B0604030504040204" pitchFamily="34" charset="-120"/>
+                <a:ea typeface="微軟正黑體" panose="020B0604030504040204" pitchFamily="34" charset="-120"/>
+              </a:rPr>
+              <a:t>)</a:t>
+            </a:r>
+            <a:endParaRPr lang="zh-TW" altLang="en-US" sz="1400" dirty="0">
               <a:latin typeface="微軟正黑體" panose="020B0604030504040204" pitchFamily="34" charset="-120"/>
               <a:ea typeface="微軟正黑體" panose="020B0604030504040204" pitchFamily="34" charset="-120"/>
             </a:endParaRPr>
@@ -6570,6 +6672,13 @@
   <p:clrMapOvr>
     <a:masterClrMapping/>
   </p:clrMapOvr>
+  <p:timing>
+    <p:tnLst>
+      <p:par>
+        <p:cTn id="1" dur="indefinite" restart="never" nodeType="tmRoot"/>
+      </p:par>
+    </p:tnLst>
+  </p:timing>
 </p:sld>
 </file>
 
@@ -6600,7 +6709,12 @@
             <p:ph type="title"/>
           </p:nvPr>
         </p:nvSpPr>
-        <p:spPr/>
+        <p:spPr>
+          <a:xfrm>
+            <a:off x="1097280" y="234352"/>
+            <a:ext cx="10058400" cy="1450757"/>
+          </a:xfrm>
+        </p:spPr>
         <p:txBody>
           <a:bodyPr>
             <a:normAutofit/>
@@ -6622,6 +6736,618 @@
               <a:t>差異</a:t>
             </a:r>
             <a:endParaRPr lang="zh-TW" altLang="en-US" sz="4000" dirty="0">
+              <a:latin typeface="微軟正黑體" panose="020B0604030504040204" pitchFamily="34" charset="-120"/>
+              <a:ea typeface="微軟正黑體" panose="020B0604030504040204" pitchFamily="34" charset="-120"/>
+            </a:endParaRPr>
+          </a:p>
+        </p:txBody>
+      </p:sp>
+      <p:sp>
+        <p:nvSpPr>
+          <p:cNvPr id="4" name="文字方塊 3"/>
+          <p:cNvSpPr txBox="1"/>
+          <p:nvPr/>
+        </p:nvSpPr>
+        <p:spPr>
+          <a:xfrm>
+            <a:off x="1097280" y="1959429"/>
+            <a:ext cx="10432869" cy="4108817"/>
+          </a:xfrm>
+          <a:prstGeom prst="rect">
+            <a:avLst/>
+          </a:prstGeom>
+          <a:noFill/>
+        </p:spPr>
+        <p:txBody>
+          <a:bodyPr wrap="square" rtlCol="0">
+            <a:spAutoFit/>
+          </a:bodyPr>
+          <a:lstStyle/>
+          <a:p>
+            <a:pPr marL="285750" indent="-285750">
+              <a:spcAft>
+                <a:spcPts val="600"/>
+              </a:spcAft>
+              <a:buFont typeface="Arial" panose="020B0604020202020204" pitchFamily="34" charset="0"/>
+              <a:buChar char="•"/>
+            </a:pPr>
+            <a:r>
+              <a:rPr lang="en-US" altLang="zh-TW" dirty="0" smtClean="0">
+                <a:solidFill>
+                  <a:srgbClr val="7030A0"/>
+                </a:solidFill>
+              </a:rPr>
+              <a:t>All, data[:,0:5:2], data[:,0:13:2]</a:t>
+            </a:r>
+          </a:p>
+          <a:p>
+            <a:pPr>
+              <a:spcAft>
+                <a:spcPts val="600"/>
+              </a:spcAft>
+            </a:pPr>
+            <a:r>
+              <a:rPr lang="zh-TW" altLang="en-US" dirty="0" smtClean="0">
+                <a:latin typeface="微軟正黑體" panose="020B0604030504040204" pitchFamily="34" charset="-120"/>
+                <a:ea typeface="微軟正黑體" panose="020B0604030504040204" pitchFamily="34" charset="-120"/>
+              </a:rPr>
+              <a:t>在</a:t>
+            </a:r>
+            <a:r>
+              <a:rPr lang="zh-TW" altLang="en-US" dirty="0">
+                <a:latin typeface="微軟正黑體" panose="020B0604030504040204" pitchFamily="34" charset="-120"/>
+                <a:ea typeface="微軟正黑體" panose="020B0604030504040204" pitchFamily="34" charset="-120"/>
+              </a:rPr>
+              <a:t>良好</a:t>
+            </a:r>
+            <a:r>
+              <a:rPr lang="zh-TW" altLang="en-US" dirty="0" smtClean="0">
+                <a:latin typeface="微軟正黑體" panose="020B0604030504040204" pitchFamily="34" charset="-120"/>
+                <a:ea typeface="微軟正黑體" panose="020B0604030504040204" pitchFamily="34" charset="-120"/>
+              </a:rPr>
+              <a:t>的特徵群下，我們能夠在測試集上得到更好的精度，較多相關的特徵能更好的訓練模型，因此我們應盡量排除無關的特徵。</a:t>
+            </a:r>
+            <a:endParaRPr lang="en-US" altLang="zh-TW" dirty="0" smtClean="0">
+              <a:latin typeface="微軟正黑體" panose="020B0604030504040204" pitchFamily="34" charset="-120"/>
+              <a:ea typeface="微軟正黑體" panose="020B0604030504040204" pitchFamily="34" charset="-120"/>
+            </a:endParaRPr>
+          </a:p>
+          <a:p>
+            <a:pPr marL="285750" indent="-285750">
+              <a:spcAft>
+                <a:spcPts val="600"/>
+              </a:spcAft>
+              <a:buFont typeface="Arial" panose="020B0604020202020204" pitchFamily="34" charset="0"/>
+              <a:buChar char="•"/>
+            </a:pPr>
+            <a:r>
+              <a:rPr lang="en-US" altLang="zh-TW" dirty="0" err="1" smtClean="0">
+                <a:solidFill>
+                  <a:srgbClr val="7030A0"/>
+                </a:solidFill>
+              </a:rPr>
+              <a:t>Test_size</a:t>
+            </a:r>
+            <a:r>
+              <a:rPr lang="zh-TW" altLang="en-US" dirty="0" smtClean="0">
+                <a:solidFill>
+                  <a:srgbClr val="7030A0"/>
+                </a:solidFill>
+              </a:rPr>
+              <a:t> </a:t>
+            </a:r>
+            <a:r>
+              <a:rPr lang="en-US" altLang="zh-TW" dirty="0" smtClean="0">
+                <a:solidFill>
+                  <a:srgbClr val="7030A0"/>
+                </a:solidFill>
+              </a:rPr>
+              <a:t>=</a:t>
+            </a:r>
+            <a:r>
+              <a:rPr lang="zh-TW" altLang="en-US" dirty="0" smtClean="0">
+                <a:solidFill>
+                  <a:srgbClr val="7030A0"/>
+                </a:solidFill>
+              </a:rPr>
+              <a:t> </a:t>
+            </a:r>
+            <a:r>
+              <a:rPr lang="en-US" altLang="zh-TW" dirty="0" smtClean="0">
+                <a:solidFill>
+                  <a:srgbClr val="7030A0"/>
+                </a:solidFill>
+              </a:rPr>
+              <a:t>0.3, </a:t>
+            </a:r>
+            <a:r>
+              <a:rPr lang="en-US" altLang="zh-TW" dirty="0" err="1">
+                <a:solidFill>
+                  <a:srgbClr val="7030A0"/>
+                </a:solidFill>
+              </a:rPr>
+              <a:t>Test_size</a:t>
+            </a:r>
+            <a:r>
+              <a:rPr lang="zh-TW" altLang="en-US" dirty="0">
+                <a:solidFill>
+                  <a:srgbClr val="7030A0"/>
+                </a:solidFill>
+              </a:rPr>
+              <a:t> </a:t>
+            </a:r>
+            <a:r>
+              <a:rPr lang="en-US" altLang="zh-TW" dirty="0">
+                <a:solidFill>
+                  <a:srgbClr val="7030A0"/>
+                </a:solidFill>
+              </a:rPr>
+              <a:t>=</a:t>
+            </a:r>
+            <a:r>
+              <a:rPr lang="zh-TW" altLang="en-US" dirty="0">
+                <a:solidFill>
+                  <a:srgbClr val="7030A0"/>
+                </a:solidFill>
+              </a:rPr>
+              <a:t> </a:t>
+            </a:r>
+            <a:r>
+              <a:rPr lang="en-US" altLang="zh-TW" dirty="0" smtClean="0">
+                <a:solidFill>
+                  <a:srgbClr val="7030A0"/>
+                </a:solidFill>
+              </a:rPr>
+              <a:t>0.5 </a:t>
+            </a:r>
+            <a:endParaRPr lang="zh-TW" altLang="en-US" dirty="0">
+              <a:solidFill>
+                <a:srgbClr val="7030A0"/>
+              </a:solidFill>
+            </a:endParaRPr>
+          </a:p>
+          <a:p>
+            <a:pPr>
+              <a:spcAft>
+                <a:spcPts val="600"/>
+              </a:spcAft>
+            </a:pPr>
+            <a:r>
+              <a:rPr lang="zh-TW" altLang="en-US" dirty="0">
+                <a:latin typeface="微軟正黑體" panose="020B0604030504040204" pitchFamily="34" charset="-120"/>
+                <a:ea typeface="微軟正黑體" panose="020B0604030504040204" pitchFamily="34" charset="-120"/>
+              </a:rPr>
+              <a:t>當測試集變大、訓練集變小，我們發現精度些許下降，但</a:t>
+            </a:r>
+            <a:r>
+              <a:rPr lang="zh-TW" altLang="en-US" dirty="0">
+                <a:latin typeface="微軟正黑體" panose="020B0604030504040204" pitchFamily="34" charset="-120"/>
+                <a:ea typeface="微軟正黑體" panose="020B0604030504040204" pitchFamily="34" charset="-120"/>
+              </a:rPr>
+              <a:t>測試集變</a:t>
+            </a:r>
+            <a:r>
+              <a:rPr lang="zh-TW" altLang="en-US" dirty="0">
+                <a:latin typeface="微軟正黑體" panose="020B0604030504040204" pitchFamily="34" charset="-120"/>
+                <a:ea typeface="微軟正黑體" panose="020B0604030504040204" pitchFamily="34" charset="-120"/>
+              </a:rPr>
+              <a:t>大時，精度的分母也變大，所以看出錯誤的個數其實是增多</a:t>
+            </a:r>
+            <a:r>
+              <a:rPr lang="zh-TW" altLang="en-US" dirty="0" smtClean="0">
+                <a:latin typeface="微軟正黑體" panose="020B0604030504040204" pitchFamily="34" charset="-120"/>
+                <a:ea typeface="微軟正黑體" panose="020B0604030504040204" pitchFamily="34" charset="-120"/>
+              </a:rPr>
+              <a:t>的。</a:t>
+            </a:r>
+            <a:endParaRPr lang="it-IT" altLang="zh-TW" dirty="0">
+              <a:latin typeface="微軟正黑體" panose="020B0604030504040204" pitchFamily="34" charset="-120"/>
+              <a:ea typeface="微軟正黑體" panose="020B0604030504040204" pitchFamily="34" charset="-120"/>
+            </a:endParaRPr>
+          </a:p>
+          <a:p>
+            <a:pPr marL="285750" indent="-285750">
+              <a:spcAft>
+                <a:spcPts val="600"/>
+              </a:spcAft>
+              <a:buFont typeface="Arial" panose="020B0604020202020204" pitchFamily="34" charset="0"/>
+              <a:buChar char="•"/>
+            </a:pPr>
+            <a:r>
+              <a:rPr lang="it-IT" altLang="zh-TW" dirty="0" smtClean="0">
+                <a:solidFill>
+                  <a:srgbClr val="7030A0"/>
+                </a:solidFill>
+              </a:rPr>
+              <a:t>C=1, C=1</a:t>
+            </a:r>
+            <a:r>
+              <a:rPr lang="en-US" altLang="zh-TW" dirty="0" smtClean="0">
+                <a:solidFill>
+                  <a:srgbClr val="7030A0"/>
+                </a:solidFill>
+              </a:rPr>
+              <a:t>0, </a:t>
+            </a:r>
+            <a:r>
+              <a:rPr lang="it-IT" altLang="zh-TW" dirty="0" smtClean="0">
+                <a:solidFill>
+                  <a:srgbClr val="7030A0"/>
+                </a:solidFill>
+              </a:rPr>
+              <a:t>C=</a:t>
+            </a:r>
+            <a:r>
+              <a:rPr lang="en-US" altLang="zh-TW" dirty="0" smtClean="0">
+                <a:solidFill>
+                  <a:srgbClr val="7030A0"/>
+                </a:solidFill>
+              </a:rPr>
+              <a:t>20</a:t>
+            </a:r>
+          </a:p>
+          <a:p>
+            <a:pPr>
+              <a:spcAft>
+                <a:spcPts val="600"/>
+              </a:spcAft>
+            </a:pPr>
+            <a:r>
+              <a:rPr lang="zh-TW" altLang="en-US" dirty="0">
+                <a:latin typeface="微軟正黑體" panose="020B0604030504040204" pitchFamily="34" charset="-120"/>
+                <a:ea typeface="微軟正黑體" panose="020B0604030504040204" pitchFamily="34" charset="-120"/>
+              </a:rPr>
+              <a:t>大致能觀察</a:t>
+            </a:r>
+            <a:r>
+              <a:rPr lang="zh-TW" altLang="en-US" dirty="0" smtClean="0">
+                <a:latin typeface="微軟正黑體" panose="020B0604030504040204" pitchFamily="34" charset="-120"/>
+                <a:ea typeface="微軟正黑體" panose="020B0604030504040204" pitchFamily="34" charset="-120"/>
+              </a:rPr>
+              <a:t>出懲罰係數</a:t>
+            </a:r>
+            <a:r>
+              <a:rPr lang="en-US" altLang="zh-TW" dirty="0" smtClean="0">
+                <a:latin typeface="微軟正黑體" panose="020B0604030504040204" pitchFamily="34" charset="-120"/>
+                <a:ea typeface="微軟正黑體" panose="020B0604030504040204" pitchFamily="34" charset="-120"/>
+              </a:rPr>
+              <a:t>C</a:t>
+            </a:r>
+            <a:r>
+              <a:rPr lang="zh-TW" altLang="en-US" dirty="0" smtClean="0">
+                <a:latin typeface="微軟正黑體" panose="020B0604030504040204" pitchFamily="34" charset="-120"/>
+                <a:ea typeface="微軟正黑體" panose="020B0604030504040204" pitchFamily="34" charset="-120"/>
+              </a:rPr>
+              <a:t>值越大，測試集</a:t>
+            </a:r>
+            <a:r>
+              <a:rPr lang="zh-TW" altLang="en-US" dirty="0">
+                <a:latin typeface="微軟正黑體" panose="020B0604030504040204" pitchFamily="34" charset="-120"/>
+                <a:ea typeface="微軟正黑體" panose="020B0604030504040204" pitchFamily="34" charset="-120"/>
+              </a:rPr>
+              <a:t>精度降低，</a:t>
+            </a:r>
+            <a:r>
+              <a:rPr lang="zh-TW" altLang="en-US" dirty="0">
+                <a:latin typeface="微軟正黑體" panose="020B0604030504040204" pitchFamily="34" charset="-120"/>
+                <a:ea typeface="微軟正黑體" panose="020B0604030504040204" pitchFamily="34" charset="-120"/>
+              </a:rPr>
+              <a:t>因錯誤的容忍程度愈低，</a:t>
+            </a:r>
+            <a:r>
+              <a:rPr lang="zh-TW" altLang="en-US" dirty="0">
+                <a:latin typeface="微軟正黑體" panose="020B0604030504040204" pitchFamily="34" charset="-120"/>
+                <a:ea typeface="微軟正黑體" panose="020B0604030504040204" pitchFamily="34" charset="-120"/>
+              </a:rPr>
+              <a:t>太大時呈現過擬和的現象。</a:t>
+            </a:r>
+            <a:endParaRPr lang="en-US" altLang="zh-TW" dirty="0">
+              <a:latin typeface="微軟正黑體" panose="020B0604030504040204" pitchFamily="34" charset="-120"/>
+              <a:ea typeface="微軟正黑體" panose="020B0604030504040204" pitchFamily="34" charset="-120"/>
+            </a:endParaRPr>
+          </a:p>
+          <a:p>
+            <a:pPr marL="285750" indent="-285750">
+              <a:spcAft>
+                <a:spcPts val="600"/>
+              </a:spcAft>
+              <a:buFont typeface="Arial" panose="020B0604020202020204" pitchFamily="34" charset="0"/>
+              <a:buChar char="•"/>
+            </a:pPr>
+            <a:r>
+              <a:rPr lang="it-IT" altLang="zh-TW" dirty="0">
+                <a:solidFill>
+                  <a:srgbClr val="7030A0"/>
+                </a:solidFill>
+              </a:rPr>
+              <a:t>kernel</a:t>
+            </a:r>
+            <a:r>
+              <a:rPr lang="it-IT" altLang="zh-TW" dirty="0" smtClean="0">
+                <a:solidFill>
+                  <a:srgbClr val="7030A0"/>
+                </a:solidFill>
+              </a:rPr>
+              <a:t>=‘linear‘, kernel</a:t>
+            </a:r>
+            <a:r>
+              <a:rPr lang="it-IT" altLang="zh-TW" dirty="0">
+                <a:solidFill>
+                  <a:srgbClr val="7030A0"/>
+                </a:solidFill>
+              </a:rPr>
+              <a:t>=‘</a:t>
+            </a:r>
+            <a:r>
+              <a:rPr lang="it-IT" altLang="zh-TW" dirty="0" smtClean="0">
+                <a:solidFill>
+                  <a:srgbClr val="7030A0"/>
+                </a:solidFill>
+              </a:rPr>
+              <a:t>rbf‘, </a:t>
+            </a:r>
+            <a:r>
+              <a:rPr lang="it-IT" altLang="zh-TW" dirty="0">
+                <a:solidFill>
+                  <a:srgbClr val="7030A0"/>
+                </a:solidFill>
+              </a:rPr>
+              <a:t>kernel</a:t>
+            </a:r>
+            <a:r>
+              <a:rPr lang="it-IT" altLang="zh-TW" dirty="0" smtClean="0">
+                <a:solidFill>
+                  <a:srgbClr val="7030A0"/>
+                </a:solidFill>
+              </a:rPr>
+              <a:t>=‘poly'</a:t>
+            </a:r>
+            <a:endParaRPr lang="en-US" altLang="zh-TW" dirty="0">
+              <a:latin typeface="微軟正黑體" panose="020B0604030504040204" pitchFamily="34" charset="-120"/>
+              <a:ea typeface="微軟正黑體" panose="020B0604030504040204" pitchFamily="34" charset="-120"/>
+            </a:endParaRPr>
+          </a:p>
+          <a:p>
+            <a:pPr>
+              <a:spcAft>
+                <a:spcPts val="600"/>
+              </a:spcAft>
+            </a:pPr>
+            <a:r>
+              <a:rPr lang="zh-TW" altLang="en-US" dirty="0" smtClean="0">
+                <a:latin typeface="微軟正黑體" panose="020B0604030504040204" pitchFamily="34" charset="-120"/>
+                <a:ea typeface="微軟正黑體" panose="020B0604030504040204" pitchFamily="34" charset="-120"/>
+              </a:rPr>
+              <a:t>在此模型中，線性</a:t>
+            </a:r>
+            <a:r>
+              <a:rPr lang="en-US" altLang="zh-TW" dirty="0" smtClean="0">
+                <a:latin typeface="微軟正黑體" panose="020B0604030504040204" pitchFamily="34" charset="-120"/>
+                <a:ea typeface="微軟正黑體" panose="020B0604030504040204" pitchFamily="34" charset="-120"/>
+              </a:rPr>
+              <a:t>(linear)</a:t>
+            </a:r>
+            <a:r>
+              <a:rPr lang="zh-TW" altLang="en-US" dirty="0" smtClean="0">
+                <a:latin typeface="微軟正黑體" panose="020B0604030504040204" pitchFamily="34" charset="-120"/>
+                <a:ea typeface="微軟正黑體" panose="020B0604030504040204" pitchFamily="34" charset="-120"/>
+              </a:rPr>
+              <a:t>的</a:t>
+            </a:r>
+            <a:r>
+              <a:rPr lang="en-US" altLang="zh-TW" dirty="0" smtClean="0">
+                <a:latin typeface="微軟正黑體" panose="020B0604030504040204" pitchFamily="34" charset="-120"/>
+                <a:ea typeface="微軟正黑體" panose="020B0604030504040204" pitchFamily="34" charset="-120"/>
+              </a:rPr>
+              <a:t>kernel</a:t>
+            </a:r>
+            <a:r>
+              <a:rPr lang="zh-TW" altLang="en-US" dirty="0" smtClean="0">
+                <a:latin typeface="微軟正黑體" panose="020B0604030504040204" pitchFamily="34" charset="-120"/>
+                <a:ea typeface="微軟正黑體" panose="020B0604030504040204" pitchFamily="34" charset="-120"/>
+              </a:rPr>
+              <a:t>表現的較</a:t>
+            </a:r>
+            <a:r>
+              <a:rPr lang="en-US" altLang="zh-TW" dirty="0" err="1" smtClean="0">
+                <a:latin typeface="微軟正黑體" panose="020B0604030504040204" pitchFamily="34" charset="-120"/>
+                <a:ea typeface="微軟正黑體" panose="020B0604030504040204" pitchFamily="34" charset="-120"/>
+              </a:rPr>
+              <a:t>rbf</a:t>
+            </a:r>
+            <a:r>
+              <a:rPr lang="zh-TW" altLang="en-US" dirty="0" smtClean="0">
+                <a:latin typeface="微軟正黑體" panose="020B0604030504040204" pitchFamily="34" charset="-120"/>
+                <a:ea typeface="微軟正黑體" panose="020B0604030504040204" pitchFamily="34" charset="-120"/>
+              </a:rPr>
+              <a:t>和</a:t>
+            </a:r>
+            <a:r>
+              <a:rPr lang="en-US" altLang="zh-TW" dirty="0" smtClean="0">
+                <a:latin typeface="微軟正黑體" panose="020B0604030504040204" pitchFamily="34" charset="-120"/>
+                <a:ea typeface="微軟正黑體" panose="020B0604030504040204" pitchFamily="34" charset="-120"/>
+              </a:rPr>
+              <a:t>poly</a:t>
+            </a:r>
+            <a:r>
+              <a:rPr lang="zh-TW" altLang="en-US" dirty="0" smtClean="0">
+                <a:latin typeface="微軟正黑體" panose="020B0604030504040204" pitchFamily="34" charset="-120"/>
+                <a:ea typeface="微軟正黑體" panose="020B0604030504040204" pitchFamily="34" charset="-120"/>
+              </a:rPr>
+              <a:t>佳，且同時表現在訓練集與測試集的驗證上。</a:t>
+            </a:r>
+            <a:endParaRPr lang="en-US" altLang="zh-TW" dirty="0">
+              <a:latin typeface="微軟正黑體" panose="020B0604030504040204" pitchFamily="34" charset="-120"/>
+              <a:ea typeface="微軟正黑體" panose="020B0604030504040204" pitchFamily="34" charset="-120"/>
+            </a:endParaRPr>
+          </a:p>
+          <a:p>
+            <a:pPr marL="285750" indent="-285750">
+              <a:spcAft>
+                <a:spcPts val="600"/>
+              </a:spcAft>
+              <a:buFont typeface="Arial" panose="020B0604020202020204" pitchFamily="34" charset="0"/>
+              <a:buChar char="•"/>
+            </a:pPr>
+            <a:r>
+              <a:rPr lang="it-IT" altLang="zh-TW" dirty="0">
+                <a:solidFill>
+                  <a:srgbClr val="7030A0"/>
+                </a:solidFill>
+              </a:rPr>
+              <a:t>g</a:t>
+            </a:r>
+            <a:r>
+              <a:rPr lang="it-IT" altLang="zh-TW" dirty="0" smtClean="0">
+                <a:solidFill>
+                  <a:srgbClr val="7030A0"/>
+                </a:solidFill>
+              </a:rPr>
+              <a:t>amma=</a:t>
+            </a:r>
+            <a:r>
+              <a:rPr lang="en-US" altLang="zh-TW" dirty="0" smtClean="0">
+                <a:solidFill>
+                  <a:srgbClr val="7030A0"/>
+                </a:solidFill>
+              </a:rPr>
+              <a:t>‘scale’</a:t>
+            </a:r>
+            <a:r>
+              <a:rPr lang="en-US" altLang="zh-TW" dirty="0" smtClean="0"/>
+              <a:t>(</a:t>
+            </a:r>
+            <a:r>
+              <a:rPr lang="en-US" altLang="zh-TW" dirty="0"/>
+              <a:t>1 / (</a:t>
+            </a:r>
+            <a:r>
+              <a:rPr lang="en-US" altLang="zh-TW" dirty="0" err="1"/>
+              <a:t>n_features</a:t>
+            </a:r>
+            <a:r>
+              <a:rPr lang="en-US" altLang="zh-TW" dirty="0"/>
+              <a:t> * </a:t>
+            </a:r>
+            <a:r>
+              <a:rPr lang="en-US" altLang="zh-TW" dirty="0" err="1"/>
+              <a:t>X.var</a:t>
+            </a:r>
+            <a:r>
+              <a:rPr lang="en-US" altLang="zh-TW" dirty="0"/>
+              <a:t>())</a:t>
+            </a:r>
+            <a:r>
+              <a:rPr lang="en-US" altLang="zh-TW" dirty="0" smtClean="0"/>
+              <a:t>)</a:t>
+            </a:r>
+            <a:r>
+              <a:rPr lang="en-US" altLang="zh-TW" dirty="0" smtClean="0">
+                <a:solidFill>
+                  <a:srgbClr val="7030A0"/>
+                </a:solidFill>
+              </a:rPr>
+              <a:t>,  </a:t>
+            </a:r>
+            <a:r>
+              <a:rPr lang="it-IT" altLang="zh-TW" dirty="0" smtClean="0">
+                <a:solidFill>
+                  <a:srgbClr val="7030A0"/>
+                </a:solidFill>
+              </a:rPr>
+              <a:t>gamma</a:t>
+            </a:r>
+            <a:r>
+              <a:rPr lang="it-IT" altLang="zh-TW" dirty="0">
+                <a:solidFill>
+                  <a:srgbClr val="7030A0"/>
+                </a:solidFill>
+              </a:rPr>
+              <a:t>=‘</a:t>
+            </a:r>
+            <a:r>
+              <a:rPr lang="it-IT" altLang="zh-TW" dirty="0" smtClean="0">
+                <a:solidFill>
+                  <a:srgbClr val="7030A0"/>
+                </a:solidFill>
+              </a:rPr>
+              <a:t>auto‘</a:t>
+            </a:r>
+            <a:r>
+              <a:rPr lang="it-IT" altLang="zh-TW" dirty="0" smtClean="0"/>
+              <a:t>(</a:t>
+            </a:r>
+            <a:r>
+              <a:rPr lang="en-US" altLang="zh-TW" dirty="0" smtClean="0"/>
+              <a:t>1 </a:t>
+            </a:r>
+            <a:r>
+              <a:rPr lang="en-US" altLang="zh-TW" dirty="0"/>
+              <a:t>/ </a:t>
+            </a:r>
+            <a:r>
+              <a:rPr lang="en-US" altLang="zh-TW" dirty="0" err="1" smtClean="0"/>
+              <a:t>n_features</a:t>
+            </a:r>
+            <a:r>
+              <a:rPr lang="en-US" altLang="zh-TW" dirty="0" smtClean="0"/>
+              <a:t>)</a:t>
+            </a:r>
+            <a:endParaRPr lang="it-IT" altLang="zh-TW" dirty="0" smtClean="0">
+              <a:solidFill>
+                <a:srgbClr val="7030A0"/>
+              </a:solidFill>
+            </a:endParaRPr>
+          </a:p>
+          <a:p>
+            <a:pPr>
+              <a:spcAft>
+                <a:spcPts val="600"/>
+              </a:spcAft>
+            </a:pPr>
+            <a:r>
+              <a:rPr lang="zh-TW" altLang="en-US" dirty="0">
+                <a:latin typeface="微軟正黑體" panose="020B0604030504040204" pitchFamily="34" charset="-120"/>
+                <a:ea typeface="微軟正黑體" panose="020B0604030504040204" pitchFamily="34" charset="-120"/>
+              </a:rPr>
+              <a:t>在此模型中</a:t>
+            </a:r>
+            <a:r>
+              <a:rPr lang="zh-TW" altLang="en-US" dirty="0" smtClean="0">
+                <a:latin typeface="微軟正黑體" panose="020B0604030504040204" pitchFamily="34" charset="-120"/>
+                <a:ea typeface="微軟正黑體" panose="020B0604030504040204" pitchFamily="34" charset="-120"/>
+              </a:rPr>
+              <a:t>，</a:t>
+            </a:r>
+            <a:r>
+              <a:rPr lang="en-US" altLang="zh-TW" dirty="0" smtClean="0">
+                <a:latin typeface="微軟正黑體" panose="020B0604030504040204" pitchFamily="34" charset="-120"/>
+                <a:ea typeface="微軟正黑體" panose="020B0604030504040204" pitchFamily="34" charset="-120"/>
+              </a:rPr>
+              <a:t>scale</a:t>
+            </a:r>
+            <a:r>
+              <a:rPr lang="zh-TW" altLang="en-US" dirty="0" smtClean="0">
+                <a:latin typeface="微軟正黑體" panose="020B0604030504040204" pitchFamily="34" charset="-120"/>
+                <a:ea typeface="微軟正黑體" panose="020B0604030504040204" pitchFamily="34" charset="-120"/>
+              </a:rPr>
+              <a:t>表現較</a:t>
+            </a:r>
+            <a:r>
+              <a:rPr lang="en-US" altLang="zh-TW" dirty="0" smtClean="0">
+                <a:latin typeface="微軟正黑體" panose="020B0604030504040204" pitchFamily="34" charset="-120"/>
+                <a:ea typeface="微軟正黑體" panose="020B0604030504040204" pitchFamily="34" charset="-120"/>
+              </a:rPr>
+              <a:t>auto</a:t>
+            </a:r>
+            <a:r>
+              <a:rPr lang="zh-TW" altLang="en-US" dirty="0" smtClean="0">
+                <a:latin typeface="微軟正黑體" panose="020B0604030504040204" pitchFamily="34" charset="-120"/>
+                <a:ea typeface="微軟正黑體" panose="020B0604030504040204" pitchFamily="34" charset="-120"/>
+              </a:rPr>
+              <a:t>佳，但差異不大。</a:t>
+            </a:r>
+            <a:endParaRPr lang="zh-TW" altLang="en-US" dirty="0">
               <a:latin typeface="微軟正黑體" panose="020B0604030504040204" pitchFamily="34" charset="-120"/>
               <a:ea typeface="微軟正黑體" panose="020B0604030504040204" pitchFamily="34" charset="-120"/>
             </a:endParaRPr>
@@ -6638,6 +7364,13 @@
   <p:clrMapOvr>
     <a:masterClrMapping/>
   </p:clrMapOvr>
+  <p:timing>
+    <p:tnLst>
+      <p:par>
+        <p:cTn id="1" dur="indefinite" restart="never" nodeType="tmRoot"/>
+      </p:par>
+    </p:tnLst>
+  </p:timing>
 </p:sld>
 </file>
 
@@ -6697,8 +7430,8 @@
         </p:nvSpPr>
         <p:spPr>
           <a:xfrm>
-            <a:off x="688257" y="2103087"/>
-            <a:ext cx="7118555" cy="4023393"/>
+            <a:off x="1097280" y="2059544"/>
+            <a:ext cx="10180040" cy="4023393"/>
           </a:xfrm>
         </p:spPr>
         <p:txBody>
@@ -6713,6 +7446,137 @@
               </a:lnSpc>
               <a:buNone/>
             </a:pPr>
+            <a:r>
+              <a:rPr lang="zh-TW" altLang="en-US" dirty="0" smtClean="0">
+                <a:latin typeface="微軟正黑體" panose="020B0604030504040204" pitchFamily="34" charset="-120"/>
+                <a:ea typeface="微軟正黑體" panose="020B0604030504040204" pitchFamily="34" charset="-120"/>
+              </a:rPr>
+              <a:t>在進入調用模塊來訓練機器學習的階段後，只需好好參照說明，執行與實作都沒有太大的問題，並不向之前的實驗要自己思考演算法並搭配合適的參數，使用機器學習模塊就是使用他人寫好的演算法來訓練模型，而如何找到最佳的參數、尋找足夠的資料量、並使用合適的演算法就成了機器學習的重點。</a:t>
+            </a:r>
+            <a:endParaRPr lang="en-US" altLang="zh-TW" dirty="0" smtClean="0">
+              <a:latin typeface="微軟正黑體" panose="020B0604030504040204" pitchFamily="34" charset="-120"/>
+              <a:ea typeface="微軟正黑體" panose="020B0604030504040204" pitchFamily="34" charset="-120"/>
+            </a:endParaRPr>
+          </a:p>
+          <a:p>
+            <a:pPr marL="0" indent="0">
+              <a:lnSpc>
+                <a:spcPct val="150000"/>
+              </a:lnSpc>
+              <a:buNone/>
+            </a:pPr>
+            <a:r>
+              <a:rPr lang="zh-TW" altLang="en-US" dirty="0" smtClean="0">
+                <a:latin typeface="微軟正黑體" panose="020B0604030504040204" pitchFamily="34" charset="-120"/>
+                <a:ea typeface="微軟正黑體" panose="020B0604030504040204" pitchFamily="34" charset="-120"/>
+              </a:rPr>
+              <a:t>此次比較有挑戰的部分是特徵選取與資料分割的部分，因為並不熟悉</a:t>
+            </a:r>
+            <a:r>
+              <a:rPr lang="en-US" altLang="zh-TW" dirty="0" err="1" smtClean="0">
+                <a:latin typeface="微軟正黑體" panose="020B0604030504040204" pitchFamily="34" charset="-120"/>
+                <a:ea typeface="微軟正黑體" panose="020B0604030504040204" pitchFamily="34" charset="-120"/>
+              </a:rPr>
+              <a:t>numpy.ndarray</a:t>
+            </a:r>
+            <a:r>
+              <a:rPr lang="zh-TW" altLang="en-US" dirty="0" smtClean="0">
+                <a:latin typeface="微軟正黑體" panose="020B0604030504040204" pitchFamily="34" charset="-120"/>
+                <a:ea typeface="微軟正黑體" panose="020B0604030504040204" pitchFamily="34" charset="-120"/>
+              </a:rPr>
+              <a:t> 的使用方法，在經過</a:t>
+            </a:r>
+            <a:r>
+              <a:rPr lang="en-US" altLang="zh-TW" dirty="0" err="1" smtClean="0">
+                <a:latin typeface="微軟正黑體" panose="020B0604030504040204" pitchFamily="34" charset="-120"/>
+                <a:ea typeface="微軟正黑體" panose="020B0604030504040204" pitchFamily="34" charset="-120"/>
+              </a:rPr>
+              <a:t>np.append</a:t>
+            </a:r>
+            <a:r>
+              <a:rPr lang="en-US" altLang="zh-TW" dirty="0" smtClean="0">
+                <a:latin typeface="微軟正黑體" panose="020B0604030504040204" pitchFamily="34" charset="-120"/>
+                <a:ea typeface="微軟正黑體" panose="020B0604030504040204" pitchFamily="34" charset="-120"/>
+              </a:rPr>
+              <a:t>()</a:t>
+            </a:r>
+            <a:r>
+              <a:rPr lang="zh-TW" altLang="en-US" dirty="0" smtClean="0">
+                <a:latin typeface="微軟正黑體" panose="020B0604030504040204" pitchFamily="34" charset="-120"/>
+                <a:ea typeface="微軟正黑體" panose="020B0604030504040204" pitchFamily="34" charset="-120"/>
+              </a:rPr>
+              <a:t>、</a:t>
+            </a:r>
+            <a:r>
+              <a:rPr lang="en-US" altLang="zh-TW" dirty="0" err="1" smtClean="0">
+                <a:latin typeface="微軟正黑體" panose="020B0604030504040204" pitchFamily="34" charset="-120"/>
+                <a:ea typeface="微軟正黑體" panose="020B0604030504040204" pitchFamily="34" charset="-120"/>
+              </a:rPr>
+              <a:t>to_list</a:t>
+            </a:r>
+            <a:r>
+              <a:rPr lang="en-US" altLang="zh-TW" dirty="0" smtClean="0">
+                <a:latin typeface="微軟正黑體" panose="020B0604030504040204" pitchFamily="34" charset="-120"/>
+                <a:ea typeface="微軟正黑體" panose="020B0604030504040204" pitchFamily="34" charset="-120"/>
+              </a:rPr>
+              <a:t>()</a:t>
+            </a:r>
+            <a:r>
+              <a:rPr lang="zh-TW" altLang="en-US" dirty="0" smtClean="0">
+                <a:latin typeface="微軟正黑體" panose="020B0604030504040204" pitchFamily="34" charset="-120"/>
+                <a:ea typeface="微軟正黑體" panose="020B0604030504040204" pitchFamily="34" charset="-120"/>
+              </a:rPr>
+              <a:t>、相加</a:t>
+            </a:r>
+            <a:r>
+              <a:rPr lang="en-US" altLang="zh-TW" dirty="0" smtClean="0">
+                <a:latin typeface="微軟正黑體" panose="020B0604030504040204" pitchFamily="34" charset="-120"/>
+                <a:ea typeface="微軟正黑體" panose="020B0604030504040204" pitchFamily="34" charset="-120"/>
+              </a:rPr>
+              <a:t>……</a:t>
+            </a:r>
+            <a:r>
+              <a:rPr lang="zh-TW" altLang="en-US" dirty="0" smtClean="0">
+                <a:latin typeface="微軟正黑體" panose="020B0604030504040204" pitchFamily="34" charset="-120"/>
+                <a:ea typeface="微軟正黑體" panose="020B0604030504040204" pitchFamily="34" charset="-120"/>
+              </a:rPr>
+              <a:t>等的嘗試後，最後我們使用</a:t>
+            </a:r>
+            <a:r>
+              <a:rPr lang="en-US" altLang="zh-TW" dirty="0">
+                <a:latin typeface="微軟正黑體" panose="020B0604030504040204" pitchFamily="34" charset="-120"/>
+                <a:ea typeface="微軟正黑體" panose="020B0604030504040204" pitchFamily="34" charset="-120"/>
+              </a:rPr>
+              <a:t>List </a:t>
+            </a:r>
+            <a:r>
+              <a:rPr lang="en-US" altLang="zh-TW" dirty="0" smtClean="0">
+                <a:latin typeface="微軟正黑體" panose="020B0604030504040204" pitchFamily="34" charset="-120"/>
+                <a:ea typeface="微軟正黑體" panose="020B0604030504040204" pitchFamily="34" charset="-120"/>
+              </a:rPr>
+              <a:t>Slicing</a:t>
+            </a:r>
+            <a:r>
+              <a:rPr lang="zh-TW" altLang="en-US" dirty="0" smtClean="0">
+                <a:latin typeface="微軟正黑體" panose="020B0604030504040204" pitchFamily="34" charset="-120"/>
+                <a:ea typeface="微軟正黑體" panose="020B0604030504040204" pitchFamily="34" charset="-120"/>
+              </a:rPr>
+              <a:t>，根據</a:t>
+            </a:r>
+            <a:r>
+              <a:rPr lang="en-US" altLang="zh-TW" dirty="0" smtClean="0">
+                <a:latin typeface="微軟正黑體" panose="020B0604030504040204" pitchFamily="34" charset="-120"/>
+                <a:ea typeface="微軟正黑體" panose="020B0604030504040204" pitchFamily="34" charset="-120"/>
+              </a:rPr>
+              <a:t>slice[start : end : step]</a:t>
+            </a:r>
+            <a:r>
+              <a:rPr lang="zh-TW" altLang="en-US" dirty="0" smtClean="0">
+                <a:latin typeface="微軟正黑體" panose="020B0604030504040204" pitchFamily="34" charset="-120"/>
+                <a:ea typeface="微軟正黑體" panose="020B0604030504040204" pitchFamily="34" charset="-120"/>
+              </a:rPr>
+              <a:t>規則來快速取得分割資料集，也學到了不同的陣列處理方法。</a:t>
+            </a:r>
             <a:endParaRPr lang="en-US" altLang="zh-TW" dirty="0">
               <a:latin typeface="微軟正黑體" panose="020B0604030504040204" pitchFamily="34" charset="-120"/>
               <a:ea typeface="微軟正黑體" panose="020B0604030504040204" pitchFamily="34" charset="-120"/>
@@ -6730,6 +7594,13 @@
   <p:clrMapOvr>
     <a:masterClrMapping/>
   </p:clrMapOvr>
+  <p:timing>
+    <p:tnLst>
+      <p:par>
+        <p:cTn id="1" dur="indefinite" restart="never" nodeType="tmRoot"/>
+      </p:par>
+    </p:tnLst>
+  </p:timing>
 </p:sld>
 </file>
 

--- a/Project4_第三組_小組報告/Project4_第三組_小組報告.pptx
+++ b/Project4_第三組_小組報告/Project4_第三組_小組報告.pptx
@@ -5977,19 +5977,7 @@
                           <a:ea typeface="+mn-ea"/>
                           <a:cs typeface="+mn-cs"/>
                         </a:rPr>
-                        <a:t>,</a:t>
-                      </a:r>
-                      <a:r>
-                        <a:rPr lang="it-IT" altLang="zh-TW" sz="1800" b="0" kern="1200" dirty="0" smtClean="0">
-                          <a:solidFill>
-                            <a:schemeClr val="dk1"/>
-                          </a:solidFill>
-                          <a:effectLst/>
-                          <a:latin typeface="+mn-lt"/>
-                          <a:ea typeface="+mn-ea"/>
-                          <a:cs typeface="+mn-cs"/>
-                        </a:rPr>
-                        <a:t> kernel='linear', gamma='scale'</a:t>
+                        <a:t>, kernel='linear', gamma='scale'</a:t>
                       </a:r>
                     </a:p>
                   </a:txBody>
@@ -6639,14 +6627,7 @@
                 <a:latin typeface="微軟正黑體" panose="020B0604030504040204" pitchFamily="34" charset="-120"/>
                 <a:ea typeface="微軟正黑體" panose="020B0604030504040204" pitchFamily="34" charset="-120"/>
               </a:rPr>
-              <a:t>的特徵做為比較</a:t>
-            </a:r>
-            <a:r>
-              <a:rPr lang="zh-TW" altLang="en-US" sz="1400" dirty="0" smtClean="0">
-                <a:latin typeface="微軟正黑體" panose="020B0604030504040204" pitchFamily="34" charset="-120"/>
-                <a:ea typeface="微軟正黑體" panose="020B0604030504040204" pitchFamily="34" charset="-120"/>
-              </a:rPr>
-              <a:t>因素 </a:t>
+              <a:t>的特徵做為比較因素 </a:t>
             </a:r>
             <a:r>
               <a:rPr lang="en-US" altLang="zh-TW" sz="1400" dirty="0" smtClean="0">
@@ -6750,8 +6731,8 @@
         </p:nvSpPr>
         <p:spPr>
           <a:xfrm>
-            <a:off x="1097280" y="1959429"/>
-            <a:ext cx="10432869" cy="4108817"/>
+            <a:off x="910045" y="1924595"/>
+            <a:ext cx="10432869" cy="4385816"/>
           </a:xfrm>
           <a:prstGeom prst="rect">
             <a:avLst/>
@@ -6777,8 +6758,65 @@
                   <a:srgbClr val="7030A0"/>
                 </a:solidFill>
               </a:rPr>
-              <a:t>All, data[:,0:5:2], data[:,0:13:2]</a:t>
-            </a:r>
+              <a:t>All, data[:,0:5:2]</a:t>
+            </a:r>
+            <a:r>
+              <a:rPr lang="en-US" altLang="zh-TW" sz="1200" dirty="0" smtClean="0"/>
+              <a:t>(feature=‘</a:t>
+            </a:r>
+            <a:r>
+              <a:rPr lang="en-US" altLang="zh-TW" sz="1200" dirty="0" smtClean="0"/>
+              <a:t>alcohol’, ‘ash’, ‘magnesium’ </a:t>
+            </a:r>
+            <a:r>
+              <a:rPr lang="en-US" altLang="zh-TW" sz="1200" dirty="0" smtClean="0"/>
+              <a:t>)</a:t>
+            </a:r>
+            <a:r>
+              <a:rPr lang="en-US" altLang="zh-TW" dirty="0" smtClean="0">
+                <a:solidFill>
+                  <a:srgbClr val="7030A0"/>
+                </a:solidFill>
+              </a:rPr>
+              <a:t>, data[:,0:13:2]</a:t>
+            </a:r>
+            <a:r>
+              <a:rPr lang="en-US" altLang="zh-TW" dirty="0" smtClean="0"/>
+              <a:t> </a:t>
+            </a:r>
+            <a:r>
+              <a:rPr lang="en-US" altLang="zh-TW" sz="1200" dirty="0" smtClean="0"/>
+              <a:t>(</a:t>
+            </a:r>
+            <a:r>
+              <a:rPr lang="en-US" altLang="zh-TW" sz="1400" dirty="0"/>
+              <a:t>feature=‘alcohol’, ‘ash’, ‘magnesium’,  ‘</a:t>
+            </a:r>
+            <a:r>
+              <a:rPr lang="en-US" altLang="zh-TW" sz="1400" dirty="0" err="1"/>
+              <a:t>flavanoids</a:t>
+            </a:r>
+            <a:r>
+              <a:rPr lang="en-US" altLang="zh-TW" sz="1400" dirty="0" smtClean="0"/>
+              <a:t>’, ‘</a:t>
+            </a:r>
+            <a:r>
+              <a:rPr lang="en-US" altLang="zh-TW" sz="1400" dirty="0" err="1" smtClean="0"/>
+              <a:t>proanthocyanins</a:t>
+            </a:r>
+            <a:r>
+              <a:rPr lang="en-US" altLang="zh-TW" sz="1400" dirty="0" smtClean="0"/>
+              <a:t>’, ‘hue’, ‘</a:t>
+            </a:r>
+            <a:r>
+              <a:rPr lang="en-US" altLang="zh-TW" sz="1400" dirty="0" err="1" smtClean="0"/>
+              <a:t>proline</a:t>
+            </a:r>
+            <a:r>
+              <a:rPr lang="en-US" altLang="zh-TW" sz="1400" dirty="0" smtClean="0"/>
+              <a:t>’)</a:t>
+            </a:r>
+            <a:endParaRPr lang="en-US" altLang="zh-TW" sz="1400" dirty="0"/>
           </a:p>
           <a:p>
             <a:pPr>
@@ -6917,21 +6955,7 @@
                 <a:latin typeface="微軟正黑體" panose="020B0604030504040204" pitchFamily="34" charset="-120"/>
                 <a:ea typeface="微軟正黑體" panose="020B0604030504040204" pitchFamily="34" charset="-120"/>
               </a:rPr>
-              <a:t>當測試集變大、訓練集變小，我們發現精度些許下降，但</a:t>
-            </a:r>
-            <a:r>
-              <a:rPr lang="zh-TW" altLang="en-US" dirty="0">
-                <a:latin typeface="微軟正黑體" panose="020B0604030504040204" pitchFamily="34" charset="-120"/>
-                <a:ea typeface="微軟正黑體" panose="020B0604030504040204" pitchFamily="34" charset="-120"/>
-              </a:rPr>
-              <a:t>測試集變</a:t>
-            </a:r>
-            <a:r>
-              <a:rPr lang="zh-TW" altLang="en-US" dirty="0">
-                <a:latin typeface="微軟正黑體" panose="020B0604030504040204" pitchFamily="34" charset="-120"/>
-                <a:ea typeface="微軟正黑體" panose="020B0604030504040204" pitchFamily="34" charset="-120"/>
-              </a:rPr>
-              <a:t>大時，精度的分母也變大，所以看出錯誤的個數其實是增多</a:t>
+              <a:t>當測試集變大、訓練集變小，我們發現精度些許下降，但測試集變大時，精度的分母也變大，所以看出錯誤的個數其實是增多</a:t>
             </a:r>
             <a:r>
               <a:rPr lang="zh-TW" altLang="en-US" dirty="0" smtClean="0">
@@ -7025,21 +7049,7 @@
                 <a:latin typeface="微軟正黑體" panose="020B0604030504040204" pitchFamily="34" charset="-120"/>
                 <a:ea typeface="微軟正黑體" panose="020B0604030504040204" pitchFamily="34" charset="-120"/>
               </a:rPr>
-              <a:t>精度降低，</a:t>
-            </a:r>
-            <a:r>
-              <a:rPr lang="zh-TW" altLang="en-US" dirty="0">
-                <a:latin typeface="微軟正黑體" panose="020B0604030504040204" pitchFamily="34" charset="-120"/>
-                <a:ea typeface="微軟正黑體" panose="020B0604030504040204" pitchFamily="34" charset="-120"/>
-              </a:rPr>
-              <a:t>因錯誤的容忍程度愈低，</a:t>
-            </a:r>
-            <a:r>
-              <a:rPr lang="zh-TW" altLang="en-US" dirty="0">
-                <a:latin typeface="微軟正黑體" panose="020B0604030504040204" pitchFamily="34" charset="-120"/>
-                <a:ea typeface="微軟正黑體" panose="020B0604030504040204" pitchFamily="34" charset="-120"/>
-              </a:rPr>
-              <a:t>太大時呈現過擬和的現象。</a:t>
+              <a:t>精度降低，因錯誤的容忍程度愈低，太大時呈現過擬和的現象。</a:t>
             </a:r>
             <a:endParaRPr lang="en-US" altLang="zh-TW" dirty="0">
               <a:latin typeface="微軟正黑體" panose="020B0604030504040204" pitchFamily="34" charset="-120"/>

--- a/Project4_第三組_小組報告/Project4_第三組_小組報告.pptx
+++ b/Project4_第三組_小組報告/Project4_第三組_小組報告.pptx
@@ -5,14 +5,15 @@
     <p:sldMasterId id="2147483672" r:id="rId1"/>
   </p:sldMasterIdLst>
   <p:notesMasterIdLst>
-    <p:notesMasterId r:id="rId7"/>
+    <p:notesMasterId r:id="rId8"/>
   </p:notesMasterIdLst>
   <p:sldIdLst>
     <p:sldId id="256" r:id="rId2"/>
     <p:sldId id="291" r:id="rId3"/>
-    <p:sldId id="292" r:id="rId4"/>
-    <p:sldId id="257" r:id="rId5"/>
-    <p:sldId id="267" r:id="rId6"/>
+    <p:sldId id="294" r:id="rId4"/>
+    <p:sldId id="292" r:id="rId5"/>
+    <p:sldId id="257" r:id="rId6"/>
+    <p:sldId id="267" r:id="rId7"/>
   </p:sldIdLst>
   <p:sldSz cx="12192000" cy="6858000"/>
   <p:notesSz cx="6858000" cy="9144000"/>
@@ -718,7 +719,7 @@
           <a:p>
             <a:fld id="{6B19A529-55D4-4564-870F-7E1F5FE8EC0E}" type="datetimeFigureOut">
               <a:rPr lang="zh-TW" altLang="en-US" smtClean="0"/>
-              <a:t>2021/4/5</a:t>
+              <a:t>2021/4/6</a:t>
             </a:fld>
             <a:endParaRPr lang="zh-TW" altLang="en-US"/>
           </a:p>
@@ -1211,7 +1212,7 @@
           <a:p>
             <a:fld id="{CB1A9A4B-8109-4FCA-A4B8-DC1246F1A173}" type="datetimeFigureOut">
               <a:rPr lang="zh-TW" altLang="en-US" smtClean="0"/>
-              <a:t>2021/4/5</a:t>
+              <a:t>2021/4/6</a:t>
             </a:fld>
             <a:endParaRPr lang="zh-TW" altLang="en-US"/>
           </a:p>
@@ -1419,7 +1420,7 @@
           <a:p>
             <a:fld id="{CB1A9A4B-8109-4FCA-A4B8-DC1246F1A173}" type="datetimeFigureOut">
               <a:rPr lang="zh-TW" altLang="en-US" smtClean="0"/>
-              <a:t>2021/4/5</a:t>
+              <a:t>2021/4/6</a:t>
             </a:fld>
             <a:endParaRPr lang="zh-TW" altLang="en-US"/>
           </a:p>
@@ -1675,7 +1676,7 @@
           <a:p>
             <a:fld id="{CB1A9A4B-8109-4FCA-A4B8-DC1246F1A173}" type="datetimeFigureOut">
               <a:rPr lang="zh-TW" altLang="en-US" smtClean="0"/>
-              <a:t>2021/4/5</a:t>
+              <a:t>2021/4/6</a:t>
             </a:fld>
             <a:endParaRPr lang="zh-TW" altLang="en-US"/>
           </a:p>
@@ -1845,7 +1846,7 @@
           <a:p>
             <a:fld id="{CB1A9A4B-8109-4FCA-A4B8-DC1246F1A173}" type="datetimeFigureOut">
               <a:rPr lang="zh-TW" altLang="en-US" smtClean="0"/>
-              <a:t>2021/4/5</a:t>
+              <a:t>2021/4/6</a:t>
             </a:fld>
             <a:endParaRPr lang="zh-TW" altLang="en-US"/>
           </a:p>
@@ -2188,7 +2189,7 @@
           <a:p>
             <a:fld id="{CB1A9A4B-8109-4FCA-A4B8-DC1246F1A173}" type="datetimeFigureOut">
               <a:rPr lang="zh-TW" altLang="en-US" smtClean="0"/>
-              <a:t>2021/4/5</a:t>
+              <a:t>2021/4/6</a:t>
             </a:fld>
             <a:endParaRPr lang="zh-TW" altLang="en-US"/>
           </a:p>
@@ -2463,7 +2464,7 @@
           <a:p>
             <a:fld id="{CB1A9A4B-8109-4FCA-A4B8-DC1246F1A173}" type="datetimeFigureOut">
               <a:rPr lang="zh-TW" altLang="en-US" smtClean="0"/>
-              <a:t>2021/4/5</a:t>
+              <a:t>2021/4/6</a:t>
             </a:fld>
             <a:endParaRPr lang="zh-TW" altLang="en-US"/>
           </a:p>
@@ -2842,7 +2843,7 @@
           <a:p>
             <a:fld id="{CB1A9A4B-8109-4FCA-A4B8-DC1246F1A173}" type="datetimeFigureOut">
               <a:rPr lang="zh-TW" altLang="en-US" smtClean="0"/>
-              <a:t>2021/4/5</a:t>
+              <a:t>2021/4/6</a:t>
             </a:fld>
             <a:endParaRPr lang="zh-TW" altLang="en-US"/>
           </a:p>
@@ -2960,7 +2961,7 @@
           <a:p>
             <a:fld id="{CB1A9A4B-8109-4FCA-A4B8-DC1246F1A173}" type="datetimeFigureOut">
               <a:rPr lang="zh-TW" altLang="en-US" smtClean="0"/>
-              <a:t>2021/4/5</a:t>
+              <a:t>2021/4/6</a:t>
             </a:fld>
             <a:endParaRPr lang="zh-TW" altLang="en-US"/>
           </a:p>
@@ -3131,7 +3132,7 @@
           <a:p>
             <a:fld id="{CB1A9A4B-8109-4FCA-A4B8-DC1246F1A173}" type="datetimeFigureOut">
               <a:rPr lang="zh-TW" altLang="en-US" smtClean="0"/>
-              <a:t>2021/4/5</a:t>
+              <a:t>2021/4/6</a:t>
             </a:fld>
             <a:endParaRPr lang="zh-TW" altLang="en-US"/>
           </a:p>
@@ -3485,7 +3486,7 @@
           <a:p>
             <a:fld id="{CB1A9A4B-8109-4FCA-A4B8-DC1246F1A173}" type="datetimeFigureOut">
               <a:rPr lang="zh-TW" altLang="en-US" smtClean="0"/>
-              <a:t>2021/4/5</a:t>
+              <a:t>2021/4/6</a:t>
             </a:fld>
             <a:endParaRPr lang="zh-TW" altLang="en-US"/>
           </a:p>
@@ -3862,7 +3863,7 @@
           <a:p>
             <a:fld id="{CB1A9A4B-8109-4FCA-A4B8-DC1246F1A173}" type="datetimeFigureOut">
               <a:rPr lang="zh-TW" altLang="en-US" smtClean="0"/>
-              <a:t>2021/4/5</a:t>
+              <a:t>2021/4/6</a:t>
             </a:fld>
             <a:endParaRPr lang="zh-TW" altLang="en-US"/>
           </a:p>
@@ -4149,7 +4150,7 @@
           <a:p>
             <a:fld id="{CB1A9A4B-8109-4FCA-A4B8-DC1246F1A173}" type="datetimeFigureOut">
               <a:rPr lang="zh-TW" altLang="en-US" smtClean="0"/>
-              <a:t>2021/4/5</a:t>
+              <a:t>2021/4/6</a:t>
             </a:fld>
             <a:endParaRPr lang="zh-TW" altLang="en-US"/>
           </a:p>
@@ -5223,6 +5224,246 @@
 </file>
 
 <file path=ppt/slides/slide3.xml><?xml version="1.0" encoding="utf-8"?>
+<p:sld xmlns:a="http://schemas.openxmlformats.org/drawingml/2006/main" xmlns:r="http://schemas.openxmlformats.org/officeDocument/2006/relationships" xmlns:p="http://schemas.openxmlformats.org/presentationml/2006/main">
+  <p:cSld>
+    <p:spTree>
+      <p:nvGrpSpPr>
+        <p:cNvPr id="1" name=""/>
+        <p:cNvGrpSpPr/>
+        <p:nvPr/>
+      </p:nvGrpSpPr>
+      <p:grpSpPr>
+        <a:xfrm>
+          <a:off x="0" y="0"/>
+          <a:ext cx="0" cy="0"/>
+          <a:chOff x="0" y="0"/>
+          <a:chExt cx="0" cy="0"/>
+        </a:xfrm>
+      </p:grpSpPr>
+      <p:sp>
+        <p:nvSpPr>
+          <p:cNvPr id="2" name="矩形 1"/>
+          <p:cNvSpPr/>
+          <p:nvPr/>
+        </p:nvSpPr>
+        <p:spPr>
+          <a:xfrm>
+            <a:off x="983226" y="333985"/>
+            <a:ext cx="8224687" cy="646331"/>
+          </a:xfrm>
+          <a:prstGeom prst="rect">
+            <a:avLst/>
+          </a:prstGeom>
+        </p:spPr>
+        <p:txBody>
+          <a:bodyPr wrap="none">
+            <a:spAutoFit/>
+          </a:bodyPr>
+          <a:lstStyle/>
+          <a:p>
+            <a:r>
+              <a:rPr lang="en-US" altLang="zh-TW" sz="3600" dirty="0" smtClean="0">
+                <a:ea typeface="微軟正黑體" panose="020B0604030504040204" pitchFamily="34" charset="-120"/>
+              </a:rPr>
+              <a:t>wine.py</a:t>
+            </a:r>
+            <a:r>
+              <a:rPr lang="zh-TW" altLang="en-US" sz="3600" dirty="0" smtClean="0">
+                <a:ea typeface="微軟正黑體" panose="020B0604030504040204" pitchFamily="34" charset="-120"/>
+              </a:rPr>
+              <a:t> 在資料集中選擇特定</a:t>
+            </a:r>
+            <a:r>
+              <a:rPr lang="zh-TW" altLang="en-US" sz="3600" dirty="0" smtClean="0">
+                <a:ea typeface="微軟正黑體" panose="020B0604030504040204" pitchFamily="34" charset="-120"/>
+              </a:rPr>
+              <a:t>特徵值方法</a:t>
+            </a:r>
+            <a:endParaRPr lang="zh-TW" altLang="en-US" sz="3600" dirty="0"/>
+          </a:p>
+        </p:txBody>
+      </p:sp>
+      <p:sp>
+        <p:nvSpPr>
+          <p:cNvPr id="3" name="文字方塊 2"/>
+          <p:cNvSpPr txBox="1"/>
+          <p:nvPr/>
+        </p:nvSpPr>
+        <p:spPr>
+          <a:xfrm>
+            <a:off x="1044772" y="1304834"/>
+            <a:ext cx="6424337" cy="2862322"/>
+          </a:xfrm>
+          <a:prstGeom prst="rect">
+            <a:avLst/>
+          </a:prstGeom>
+          <a:noFill/>
+        </p:spPr>
+        <p:txBody>
+          <a:bodyPr wrap="square" rtlCol="0">
+            <a:spAutoFit/>
+          </a:bodyPr>
+          <a:lstStyle/>
+          <a:p>
+            <a:r>
+              <a:rPr lang="en-US" altLang="zh-TW" sz="2000" dirty="0"/>
+              <a:t>import </a:t>
+            </a:r>
+            <a:r>
+              <a:rPr lang="en-US" altLang="zh-TW" sz="2000" dirty="0" err="1"/>
+              <a:t>numpy</a:t>
+            </a:r>
+            <a:r>
+              <a:rPr lang="en-US" altLang="zh-TW" sz="2000" dirty="0"/>
+              <a:t> as np</a:t>
+            </a:r>
+          </a:p>
+          <a:p>
+            <a:r>
+              <a:rPr lang="en-US" altLang="zh-TW" sz="2000" dirty="0" smtClean="0"/>
+              <a:t>X</a:t>
+            </a:r>
+            <a:r>
+              <a:rPr lang="en-US" altLang="zh-TW" sz="2000" dirty="0"/>
+              <a:t> = list(</a:t>
+            </a:r>
+            <a:r>
+              <a:rPr lang="en-US" altLang="zh-TW" sz="2000" dirty="0" err="1"/>
+              <a:t>wine.data</a:t>
+            </a:r>
+            <a:r>
+              <a:rPr lang="en-US" altLang="zh-TW" sz="2000" dirty="0"/>
+              <a:t>[:,0:3])</a:t>
+            </a:r>
+          </a:p>
+          <a:p>
+            <a:r>
+              <a:rPr lang="en-US" altLang="zh-TW" sz="2000" dirty="0"/>
+              <a:t>t = list(</a:t>
+            </a:r>
+            <a:r>
+              <a:rPr lang="en-US" altLang="zh-TW" sz="2000" dirty="0" err="1"/>
+              <a:t>wine.data</a:t>
+            </a:r>
+            <a:r>
+              <a:rPr lang="en-US" altLang="zh-TW" sz="2000" dirty="0"/>
+              <a:t>[:,8:9])</a:t>
+            </a:r>
+          </a:p>
+          <a:p>
+            <a:r>
+              <a:rPr lang="en-US" altLang="zh-TW" sz="2000" dirty="0"/>
+              <a:t/>
+            </a:r>
+            <a:br>
+              <a:rPr lang="en-US" altLang="zh-TW" sz="2000" dirty="0"/>
+            </a:br>
+            <a:r>
+              <a:rPr lang="en-US" altLang="zh-TW" sz="2000" dirty="0"/>
+              <a:t>for </a:t>
+            </a:r>
+            <a:r>
+              <a:rPr lang="en-US" altLang="zh-TW" sz="2000" dirty="0" err="1"/>
+              <a:t>i</a:t>
+            </a:r>
+            <a:r>
+              <a:rPr lang="en-US" altLang="zh-TW" sz="2000" dirty="0"/>
+              <a:t> in range(178):</a:t>
+            </a:r>
+          </a:p>
+          <a:p>
+            <a:r>
+              <a:rPr lang="en-US" altLang="zh-TW" sz="2000" dirty="0"/>
+              <a:t> </a:t>
+            </a:r>
+            <a:r>
+              <a:rPr lang="en-US" altLang="zh-TW" sz="2000" dirty="0"/>
+              <a:t>	</a:t>
+            </a:r>
+            <a:r>
+              <a:rPr lang="en-US" altLang="zh-TW" sz="2000" dirty="0" smtClean="0"/>
+              <a:t>X[</a:t>
+            </a:r>
+            <a:r>
+              <a:rPr lang="en-US" altLang="zh-TW" sz="2000" dirty="0" err="1" smtClean="0"/>
+              <a:t>i</a:t>
+            </a:r>
+            <a:r>
+              <a:rPr lang="en-US" altLang="zh-TW" sz="2000" dirty="0"/>
+              <a:t>] = </a:t>
+            </a:r>
+            <a:r>
+              <a:rPr lang="en-US" altLang="zh-TW" sz="2000" dirty="0" err="1"/>
+              <a:t>np.append</a:t>
+            </a:r>
+            <a:r>
+              <a:rPr lang="en-US" altLang="zh-TW" sz="2000" dirty="0"/>
+              <a:t>(X[</a:t>
+            </a:r>
+            <a:r>
+              <a:rPr lang="en-US" altLang="zh-TW" sz="2000" dirty="0" err="1"/>
+              <a:t>i</a:t>
+            </a:r>
+            <a:r>
+              <a:rPr lang="en-US" altLang="zh-TW" sz="2000" dirty="0"/>
+              <a:t>], t[</a:t>
+            </a:r>
+            <a:r>
+              <a:rPr lang="en-US" altLang="zh-TW" sz="2000" dirty="0" err="1"/>
+              <a:t>i</a:t>
+            </a:r>
+            <a:r>
+              <a:rPr lang="en-US" altLang="zh-TW" sz="2000" dirty="0"/>
+              <a:t>])</a:t>
+            </a:r>
+          </a:p>
+          <a:p>
+            <a:r>
+              <a:rPr lang="en-US" altLang="zh-TW" sz="2000" dirty="0"/>
+              <a:t/>
+            </a:r>
+            <a:br>
+              <a:rPr lang="en-US" altLang="zh-TW" sz="2000" dirty="0"/>
+            </a:br>
+            <a:r>
+              <a:rPr lang="en-US" altLang="zh-TW" sz="2000" dirty="0"/>
+              <a:t>X = </a:t>
+            </a:r>
+            <a:r>
+              <a:rPr lang="en-US" altLang="zh-TW" sz="2000" dirty="0" err="1"/>
+              <a:t>np.array</a:t>
+            </a:r>
+            <a:r>
+              <a:rPr lang="en-US" altLang="zh-TW" sz="2000" dirty="0"/>
+              <a:t>(X)</a:t>
+            </a:r>
+          </a:p>
+          <a:p>
+            <a:endParaRPr lang="en-US" altLang="zh-TW" sz="2000" dirty="0"/>
+          </a:p>
+        </p:txBody>
+      </p:sp>
+    </p:spTree>
+    <p:extLst>
+      <p:ext uri="{BB962C8B-B14F-4D97-AF65-F5344CB8AC3E}">
+        <p14:creationId xmlns:p14="http://schemas.microsoft.com/office/powerpoint/2010/main" val="2384151794"/>
+      </p:ext>
+    </p:extLst>
+  </p:cSld>
+  <p:clrMapOvr>
+    <a:masterClrMapping/>
+  </p:clrMapOvr>
+  <p:timing>
+    <p:tnLst>
+      <p:par>
+        <p:cTn id="1" dur="indefinite" restart="never" nodeType="tmRoot"/>
+      </p:par>
+    </p:tnLst>
+  </p:timing>
+</p:sld>
+</file>
+
+<file path=ppt/slides/slide4.xml><?xml version="1.0" encoding="utf-8"?>
 <p:sld xmlns:a="http://schemas.openxmlformats.org/drawingml/2006/main" xmlns:r="http://schemas.openxmlformats.org/officeDocument/2006/relationships" xmlns:p="http://schemas.openxmlformats.org/presentationml/2006/main">
   <p:cSld>
     <p:spTree>
@@ -6663,7 +6904,7 @@
 </p:sld>
 </file>
 
-<file path=ppt/slides/slide4.xml><?xml version="1.0" encoding="utf-8"?>
+<file path=ppt/slides/slide5.xml><?xml version="1.0" encoding="utf-8"?>
 <p:sld xmlns:a="http://schemas.openxmlformats.org/drawingml/2006/main" xmlns:r="http://schemas.openxmlformats.org/officeDocument/2006/relationships" xmlns:p="http://schemas.openxmlformats.org/presentationml/2006/main">
   <p:cSld>
     <p:spTree>
@@ -6762,15 +7003,7 @@
             </a:r>
             <a:r>
               <a:rPr lang="en-US" altLang="zh-TW" sz="1200" dirty="0" smtClean="0"/>
-              <a:t>(feature=‘</a:t>
-            </a:r>
-            <a:r>
-              <a:rPr lang="en-US" altLang="zh-TW" sz="1200" dirty="0" smtClean="0"/>
-              <a:t>alcohol’, ‘ash’, ‘magnesium’ </a:t>
-            </a:r>
-            <a:r>
-              <a:rPr lang="en-US" altLang="zh-TW" sz="1200" dirty="0" smtClean="0"/>
-              <a:t>)</a:t>
+              <a:t>(feature=‘alcohol’, ‘ash’, ‘magnesium’ )</a:t>
             </a:r>
             <a:r>
               <a:rPr lang="en-US" altLang="zh-TW" dirty="0" smtClean="0">
@@ -7384,7 +7617,7 @@
 </p:sld>
 </file>
 
-<file path=ppt/slides/slide5.xml><?xml version="1.0" encoding="utf-8"?>
+<file path=ppt/slides/slide6.xml><?xml version="1.0" encoding="utf-8"?>
 <p:sld xmlns:a="http://schemas.openxmlformats.org/drawingml/2006/main" xmlns:r="http://schemas.openxmlformats.org/officeDocument/2006/relationships" xmlns:p="http://schemas.openxmlformats.org/presentationml/2006/main">
   <p:cSld>
     <p:spTree>
@@ -7440,13 +7673,13 @@
         </p:nvSpPr>
         <p:spPr>
           <a:xfrm>
-            <a:off x="1097280" y="2059544"/>
-            <a:ext cx="10180040" cy="4023393"/>
+            <a:off x="1097280" y="1883698"/>
+            <a:ext cx="10180040" cy="4481933"/>
           </a:xfrm>
         </p:spPr>
         <p:txBody>
           <a:bodyPr>
-            <a:normAutofit/>
+            <a:normAutofit fontScale="92500" lnSpcReduction="10000"/>
           </a:bodyPr>
           <a:lstStyle/>
           <a:p>
@@ -7518,17 +7751,17 @@
               <a:t>、</a:t>
             </a:r>
             <a:r>
-              <a:rPr lang="en-US" altLang="zh-TW" dirty="0" err="1" smtClean="0">
-                <a:latin typeface="微軟正黑體" panose="020B0604030504040204" pitchFamily="34" charset="-120"/>
-                <a:ea typeface="微軟正黑體" panose="020B0604030504040204" pitchFamily="34" charset="-120"/>
-              </a:rPr>
-              <a:t>to_list</a:t>
-            </a:r>
-            <a:r>
               <a:rPr lang="en-US" altLang="zh-TW" dirty="0" smtClean="0">
                 <a:latin typeface="微軟正黑體" panose="020B0604030504040204" pitchFamily="34" charset="-120"/>
                 <a:ea typeface="微軟正黑體" panose="020B0604030504040204" pitchFamily="34" charset="-120"/>
               </a:rPr>
+              <a:t>list</a:t>
+            </a:r>
+            <a:r>
+              <a:rPr lang="en-US" altLang="zh-TW" dirty="0" smtClean="0">
+                <a:latin typeface="微軟正黑體" panose="020B0604030504040204" pitchFamily="34" charset="-120"/>
+                <a:ea typeface="微軟正黑體" panose="020B0604030504040204" pitchFamily="34" charset="-120"/>
+              </a:rPr>
               <a:t>()</a:t>
             </a:r>
             <a:r>
@@ -7550,7 +7783,14 @@
                 <a:latin typeface="微軟正黑體" panose="020B0604030504040204" pitchFamily="34" charset="-120"/>
                 <a:ea typeface="微軟正黑體" panose="020B0604030504040204" pitchFamily="34" charset="-120"/>
               </a:rPr>
-              <a:t>等的嘗試後，最後我們使用</a:t>
+              <a:t>等的嘗試後，最後</a:t>
+            </a:r>
+            <a:r>
+              <a:rPr lang="zh-TW" altLang="en-US" dirty="0" smtClean="0">
+                <a:latin typeface="微軟正黑體" panose="020B0604030504040204" pitchFamily="34" charset="-120"/>
+                <a:ea typeface="微軟正黑體" panose="020B0604030504040204" pitchFamily="34" charset="-120"/>
+              </a:rPr>
+              <a:t>我們先使用</a:t>
             </a:r>
             <a:r>
               <a:rPr lang="en-US" altLang="zh-TW" dirty="0">
@@ -7585,7 +7825,161 @@
                 <a:latin typeface="微軟正黑體" panose="020B0604030504040204" pitchFamily="34" charset="-120"/>
                 <a:ea typeface="微軟正黑體" panose="020B0604030504040204" pitchFamily="34" charset="-120"/>
               </a:rPr>
-              <a:t>規則來快速取得分割資料集，也學到了不同的陣列處理方法。</a:t>
+              <a:t>規則來快速</a:t>
+            </a:r>
+            <a:r>
+              <a:rPr lang="zh-TW" altLang="en-US" dirty="0" smtClean="0">
+                <a:latin typeface="微軟正黑體" panose="020B0604030504040204" pitchFamily="34" charset="-120"/>
+                <a:ea typeface="微軟正黑體" panose="020B0604030504040204" pitchFamily="34" charset="-120"/>
+              </a:rPr>
+              <a:t>取得所</a:t>
+            </a:r>
+            <a:r>
+              <a:rPr lang="zh-TW" altLang="en-US" dirty="0">
+                <a:latin typeface="微軟正黑體" panose="020B0604030504040204" pitchFamily="34" charset="-120"/>
+                <a:ea typeface="微軟正黑體" panose="020B0604030504040204" pitchFamily="34" charset="-120"/>
+              </a:rPr>
+              <a:t>需的特徵，</a:t>
+            </a:r>
+            <a:r>
+              <a:rPr lang="zh-TW" altLang="en-US" dirty="0" smtClean="0">
+                <a:latin typeface="微軟正黑體" panose="020B0604030504040204" pitchFamily="34" charset="-120"/>
+                <a:ea typeface="微軟正黑體" panose="020B0604030504040204" pitchFamily="34" charset="-120"/>
+              </a:rPr>
+              <a:t>因為</a:t>
+            </a:r>
+            <a:r>
+              <a:rPr lang="en-US" altLang="zh-TW" dirty="0" smtClean="0">
+                <a:latin typeface="微軟正黑體" panose="020B0604030504040204" pitchFamily="34" charset="-120"/>
+                <a:ea typeface="微軟正黑體" panose="020B0604030504040204" pitchFamily="34" charset="-120"/>
+              </a:rPr>
+              <a:t>list</a:t>
+            </a:r>
+            <a:r>
+              <a:rPr lang="zh-TW" altLang="en-US" dirty="0" smtClean="0">
+                <a:latin typeface="微軟正黑體" panose="020B0604030504040204" pitchFamily="34" charset="-120"/>
+                <a:ea typeface="微軟正黑體" panose="020B0604030504040204" pitchFamily="34" charset="-120"/>
+              </a:rPr>
+              <a:t>型態可以使用</a:t>
+            </a:r>
+            <a:r>
+              <a:rPr lang="en-US" altLang="zh-TW" dirty="0" smtClean="0">
+                <a:latin typeface="微軟正黑體" panose="020B0604030504040204" pitchFamily="34" charset="-120"/>
+                <a:ea typeface="微軟正黑體" panose="020B0604030504040204" pitchFamily="34" charset="-120"/>
+              </a:rPr>
+              <a:t>append</a:t>
+            </a:r>
+            <a:r>
+              <a:rPr lang="zh-TW" altLang="en-US" dirty="0" smtClean="0">
+                <a:latin typeface="微軟正黑體" panose="020B0604030504040204" pitchFamily="34" charset="-120"/>
+                <a:ea typeface="微軟正黑體" panose="020B0604030504040204" pitchFamily="34" charset="-120"/>
+              </a:rPr>
+              <a:t>函式加入元素，並且自動新增記憶體</a:t>
+            </a:r>
+            <a:r>
+              <a:rPr lang="zh-TW" altLang="en-US" dirty="0" smtClean="0">
+                <a:latin typeface="微軟正黑體" panose="020B0604030504040204" pitchFamily="34" charset="-120"/>
+                <a:ea typeface="微軟正黑體" panose="020B0604030504040204" pitchFamily="34" charset="-120"/>
+              </a:rPr>
+              <a:t>，所以先將</a:t>
+            </a:r>
+            <a:r>
+              <a:rPr lang="en-US" altLang="zh-TW" dirty="0" smtClean="0">
+                <a:latin typeface="微軟正黑體" panose="020B0604030504040204" pitchFamily="34" charset="-120"/>
+                <a:ea typeface="微軟正黑體" panose="020B0604030504040204" pitchFamily="34" charset="-120"/>
+              </a:rPr>
+              <a:t>array</a:t>
+            </a:r>
+            <a:r>
+              <a:rPr lang="zh-TW" altLang="en-US" dirty="0" smtClean="0">
+                <a:latin typeface="微軟正黑體" panose="020B0604030504040204" pitchFamily="34" charset="-120"/>
+                <a:ea typeface="微軟正黑體" panose="020B0604030504040204" pitchFamily="34" charset="-120"/>
+              </a:rPr>
+              <a:t>轉為</a:t>
+            </a:r>
+            <a:r>
+              <a:rPr lang="en-US" altLang="zh-TW" dirty="0" smtClean="0">
+                <a:latin typeface="微軟正黑體" panose="020B0604030504040204" pitchFamily="34" charset="-120"/>
+                <a:ea typeface="微軟正黑體" panose="020B0604030504040204" pitchFamily="34" charset="-120"/>
+              </a:rPr>
+              <a:t>list</a:t>
+            </a:r>
+            <a:r>
+              <a:rPr lang="zh-TW" altLang="en-US" dirty="0" smtClean="0">
+                <a:latin typeface="微軟正黑體" panose="020B0604030504040204" pitchFamily="34" charset="-120"/>
+                <a:ea typeface="微軟正黑體" panose="020B0604030504040204" pitchFamily="34" charset="-120"/>
+              </a:rPr>
+              <a:t>，</a:t>
+            </a:r>
+            <a:r>
+              <a:rPr lang="zh-TW" altLang="en-US" dirty="0" smtClean="0">
+                <a:latin typeface="微軟正黑體" panose="020B0604030504040204" pitchFamily="34" charset="-120"/>
+                <a:ea typeface="微軟正黑體" panose="020B0604030504040204" pitchFamily="34" charset="-120"/>
+              </a:rPr>
+              <a:t>再將</a:t>
+            </a:r>
+            <a:r>
+              <a:rPr lang="en-US" altLang="zh-TW" dirty="0" smtClean="0">
+                <a:latin typeface="微軟正黑體" panose="020B0604030504040204" pitchFamily="34" charset="-120"/>
+                <a:ea typeface="微軟正黑體" panose="020B0604030504040204" pitchFamily="34" charset="-120"/>
+              </a:rPr>
+              <a:t>slice</a:t>
+            </a:r>
+            <a:r>
+              <a:rPr lang="zh-TW" altLang="en-US" dirty="0" smtClean="0">
+                <a:latin typeface="微軟正黑體" panose="020B0604030504040204" pitchFamily="34" charset="-120"/>
+                <a:ea typeface="微軟正黑體" panose="020B0604030504040204" pitchFamily="34" charset="-120"/>
+              </a:rPr>
+              <a:t>出來的資料</a:t>
+            </a:r>
+            <a:r>
+              <a:rPr lang="en-US" altLang="zh-TW" dirty="0" smtClean="0">
+                <a:latin typeface="微軟正黑體" panose="020B0604030504040204" pitchFamily="34" charset="-120"/>
+                <a:ea typeface="微軟正黑體" panose="020B0604030504040204" pitchFamily="34" charset="-120"/>
+              </a:rPr>
+              <a:t>append</a:t>
+            </a:r>
+            <a:r>
+              <a:rPr lang="zh-TW" altLang="en-US" dirty="0" smtClean="0">
+                <a:latin typeface="微軟正黑體" panose="020B0604030504040204" pitchFamily="34" charset="-120"/>
+                <a:ea typeface="微軟正黑體" panose="020B0604030504040204" pitchFamily="34" charset="-120"/>
+              </a:rPr>
+              <a:t>，最後再將處理好的</a:t>
+            </a:r>
+            <a:r>
+              <a:rPr lang="en-US" altLang="zh-TW" dirty="0" smtClean="0">
+                <a:latin typeface="微軟正黑體" panose="020B0604030504040204" pitchFamily="34" charset="-120"/>
+                <a:ea typeface="微軟正黑體" panose="020B0604030504040204" pitchFamily="34" charset="-120"/>
+              </a:rPr>
+              <a:t>list</a:t>
+            </a:r>
+            <a:r>
+              <a:rPr lang="zh-TW" altLang="en-US" dirty="0" smtClean="0">
+                <a:latin typeface="微軟正黑體" panose="020B0604030504040204" pitchFamily="34" charset="-120"/>
+                <a:ea typeface="微軟正黑體" panose="020B0604030504040204" pitchFamily="34" charset="-120"/>
+              </a:rPr>
+              <a:t>轉為</a:t>
+            </a:r>
+            <a:r>
+              <a:rPr lang="en-US" altLang="zh-TW" dirty="0" smtClean="0">
+                <a:latin typeface="微軟正黑體" panose="020B0604030504040204" pitchFamily="34" charset="-120"/>
+                <a:ea typeface="微軟正黑體" panose="020B0604030504040204" pitchFamily="34" charset="-120"/>
+              </a:rPr>
+              <a:t>array</a:t>
+            </a:r>
+            <a:r>
+              <a:rPr lang="zh-TW" altLang="en-US" dirty="0" smtClean="0">
+                <a:latin typeface="微軟正黑體" panose="020B0604030504040204" pitchFamily="34" charset="-120"/>
+                <a:ea typeface="微軟正黑體" panose="020B0604030504040204" pitchFamily="34" charset="-120"/>
+              </a:rPr>
+              <a:t>做訓練。經過了多方嘗試，最後終於成功取得特定的資料集，也</a:t>
+            </a:r>
+            <a:r>
+              <a:rPr lang="zh-TW" altLang="en-US" dirty="0" smtClean="0">
+                <a:latin typeface="微軟正黑體" panose="020B0604030504040204" pitchFamily="34" charset="-120"/>
+                <a:ea typeface="微軟正黑體" panose="020B0604030504040204" pitchFamily="34" charset="-120"/>
+              </a:rPr>
+              <a:t>學到了不同的陣列處理方法。</a:t>
             </a:r>
             <a:endParaRPr lang="en-US" altLang="zh-TW" dirty="0">
               <a:latin typeface="微軟正黑體" panose="020B0604030504040204" pitchFamily="34" charset="-120"/>
